--- a/bk/0bk.pptx
+++ b/bk/0bk.pptx
@@ -5,7 +5,7 @@
     <p:sldMasterId id="2147483660" r:id="rId1"/>
   </p:sldMasterIdLst>
   <p:notesMasterIdLst>
-    <p:notesMasterId r:id="rId21"/>
+    <p:notesMasterId r:id="rId17"/>
   </p:notesMasterIdLst>
   <p:sldIdLst>
     <p:sldId id="256" r:id="rId2"/>
@@ -20,13 +20,9 @@
     <p:sldId id="277" r:id="rId11"/>
     <p:sldId id="278" r:id="rId12"/>
     <p:sldId id="279" r:id="rId13"/>
-    <p:sldId id="257" r:id="rId14"/>
-    <p:sldId id="263" r:id="rId15"/>
-    <p:sldId id="264" r:id="rId16"/>
-    <p:sldId id="273" r:id="rId17"/>
-    <p:sldId id="268" r:id="rId18"/>
-    <p:sldId id="269" r:id="rId19"/>
-    <p:sldId id="271" r:id="rId20"/>
+    <p:sldId id="280" r:id="rId14"/>
+    <p:sldId id="281" r:id="rId15"/>
+    <p:sldId id="257" r:id="rId16"/>
   </p:sldIdLst>
   <p:sldSz cx="18288000" cy="10287000"/>
   <p:notesSz cx="6858000" cy="9144000"/>
@@ -215,7 +211,7 @@
           <a:p>
             <a:fld id="{9FD30752-513D-44A0-81D0-95D194C0B629}" type="datetimeFigureOut">
               <a:rPr lang="en-US" smtClean="0"/>
-              <a:t>2/12/2025</a:t>
+              <a:t>2/14/2025</a:t>
             </a:fld>
             <a:endParaRPr lang="en-US"/>
           </a:p>
@@ -1106,6 +1102,222 @@
 </p:notes>
 </file>
 
+<file path=ppt/notesSlides/notesSlide7.xml><?xml version="1.0" encoding="utf-8"?>
+<p:notes xmlns:a="http://schemas.openxmlformats.org/drawingml/2006/main" xmlns:r="http://schemas.openxmlformats.org/officeDocument/2006/relationships" xmlns:p="http://schemas.openxmlformats.org/presentationml/2006/main">
+  <p:cSld>
+    <p:spTree>
+      <p:nvGrpSpPr>
+        <p:cNvPr id="1" name="">
+          <a:extLst>
+            <a:ext uri="{FF2B5EF4-FFF2-40B4-BE49-F238E27FC236}">
+              <a16:creationId xmlns:a16="http://schemas.microsoft.com/office/drawing/2014/main" id="{4D353A00-93B0-D485-1BA3-A4E195A81291}"/>
+            </a:ext>
+          </a:extLst>
+        </p:cNvPr>
+        <p:cNvGrpSpPr/>
+        <p:nvPr/>
+      </p:nvGrpSpPr>
+      <p:grpSpPr>
+        <a:xfrm>
+          <a:off x="0" y="0"/>
+          <a:ext cx="0" cy="0"/>
+          <a:chOff x="0" y="0"/>
+          <a:chExt cx="0" cy="0"/>
+        </a:xfrm>
+      </p:grpSpPr>
+      <p:sp>
+        <p:nvSpPr>
+          <p:cNvPr id="2" name="Slide Image Placeholder 1">
+            <a:extLst>
+              <a:ext uri="{FF2B5EF4-FFF2-40B4-BE49-F238E27FC236}">
+                <a16:creationId xmlns:a16="http://schemas.microsoft.com/office/drawing/2014/main" id="{A8FAEC23-2FFF-A24E-4A58-099AC853E960}"/>
+              </a:ext>
+            </a:extLst>
+          </p:cNvPr>
+          <p:cNvSpPr>
+            <a:spLocks noGrp="1" noRot="1" noChangeAspect="1"/>
+          </p:cNvSpPr>
+          <p:nvPr>
+            <p:ph type="sldImg"/>
+          </p:nvPr>
+        </p:nvSpPr>
+        <p:spPr/>
+      </p:sp>
+      <p:sp>
+        <p:nvSpPr>
+          <p:cNvPr id="3" name="Notes Placeholder 2">
+            <a:extLst>
+              <a:ext uri="{FF2B5EF4-FFF2-40B4-BE49-F238E27FC236}">
+                <a16:creationId xmlns:a16="http://schemas.microsoft.com/office/drawing/2014/main" id="{E6A1EB2E-C330-244A-2581-CD6EF01CDECE}"/>
+              </a:ext>
+            </a:extLst>
+          </p:cNvPr>
+          <p:cNvSpPr>
+            <a:spLocks noGrp="1"/>
+          </p:cNvSpPr>
+          <p:nvPr>
+            <p:ph type="body" idx="1"/>
+          </p:nvPr>
+        </p:nvSpPr>
+        <p:spPr/>
+        <p:txBody>
+          <a:bodyPr/>
+          <a:lstStyle/>
+          <a:p>
+            <a:endParaRPr lang="en-US" dirty="0"/>
+          </a:p>
+        </p:txBody>
+      </p:sp>
+      <p:sp>
+        <p:nvSpPr>
+          <p:cNvPr id="4" name="Slide Number Placeholder 3">
+            <a:extLst>
+              <a:ext uri="{FF2B5EF4-FFF2-40B4-BE49-F238E27FC236}">
+                <a16:creationId xmlns:a16="http://schemas.microsoft.com/office/drawing/2014/main" id="{30BEEA3B-16E6-C6BA-112A-219674CEE196}"/>
+              </a:ext>
+            </a:extLst>
+          </p:cNvPr>
+          <p:cNvSpPr>
+            <a:spLocks noGrp="1"/>
+          </p:cNvSpPr>
+          <p:nvPr>
+            <p:ph type="sldNum" sz="quarter" idx="5"/>
+          </p:nvPr>
+        </p:nvSpPr>
+        <p:spPr/>
+        <p:txBody>
+          <a:bodyPr/>
+          <a:lstStyle/>
+          <a:p>
+            <a:fld id="{DF4BE9C7-5227-40EC-9F7D-1882895FDE90}" type="slidenum">
+              <a:rPr lang="en-US" smtClean="0"/>
+              <a:t>13</a:t>
+            </a:fld>
+            <a:endParaRPr lang="en-US"/>
+          </a:p>
+        </p:txBody>
+      </p:sp>
+    </p:spTree>
+    <p:extLst>
+      <p:ext uri="{BB962C8B-B14F-4D97-AF65-F5344CB8AC3E}">
+        <p14:creationId xmlns:p14="http://schemas.microsoft.com/office/powerpoint/2010/main" val="1667171568"/>
+      </p:ext>
+    </p:extLst>
+  </p:cSld>
+  <p:clrMapOvr>
+    <a:masterClrMapping/>
+  </p:clrMapOvr>
+</p:notes>
+</file>
+
+<file path=ppt/notesSlides/notesSlide8.xml><?xml version="1.0" encoding="utf-8"?>
+<p:notes xmlns:a="http://schemas.openxmlformats.org/drawingml/2006/main" xmlns:r="http://schemas.openxmlformats.org/officeDocument/2006/relationships" xmlns:p="http://schemas.openxmlformats.org/presentationml/2006/main">
+  <p:cSld>
+    <p:spTree>
+      <p:nvGrpSpPr>
+        <p:cNvPr id="1" name="">
+          <a:extLst>
+            <a:ext uri="{FF2B5EF4-FFF2-40B4-BE49-F238E27FC236}">
+              <a16:creationId xmlns:a16="http://schemas.microsoft.com/office/drawing/2014/main" id="{78717C3B-15CD-C759-BE13-75BB1B80E8B3}"/>
+            </a:ext>
+          </a:extLst>
+        </p:cNvPr>
+        <p:cNvGrpSpPr/>
+        <p:nvPr/>
+      </p:nvGrpSpPr>
+      <p:grpSpPr>
+        <a:xfrm>
+          <a:off x="0" y="0"/>
+          <a:ext cx="0" cy="0"/>
+          <a:chOff x="0" y="0"/>
+          <a:chExt cx="0" cy="0"/>
+        </a:xfrm>
+      </p:grpSpPr>
+      <p:sp>
+        <p:nvSpPr>
+          <p:cNvPr id="2" name="Slide Image Placeholder 1">
+            <a:extLst>
+              <a:ext uri="{FF2B5EF4-FFF2-40B4-BE49-F238E27FC236}">
+                <a16:creationId xmlns:a16="http://schemas.microsoft.com/office/drawing/2014/main" id="{3F7D3679-1207-2F0E-0CC8-D5F39FA04FD4}"/>
+              </a:ext>
+            </a:extLst>
+          </p:cNvPr>
+          <p:cNvSpPr>
+            <a:spLocks noGrp="1" noRot="1" noChangeAspect="1"/>
+          </p:cNvSpPr>
+          <p:nvPr>
+            <p:ph type="sldImg"/>
+          </p:nvPr>
+        </p:nvSpPr>
+        <p:spPr/>
+      </p:sp>
+      <p:sp>
+        <p:nvSpPr>
+          <p:cNvPr id="3" name="Notes Placeholder 2">
+            <a:extLst>
+              <a:ext uri="{FF2B5EF4-FFF2-40B4-BE49-F238E27FC236}">
+                <a16:creationId xmlns:a16="http://schemas.microsoft.com/office/drawing/2014/main" id="{F733E42E-4059-4543-6819-9754ED94F2A0}"/>
+              </a:ext>
+            </a:extLst>
+          </p:cNvPr>
+          <p:cNvSpPr>
+            <a:spLocks noGrp="1"/>
+          </p:cNvSpPr>
+          <p:nvPr>
+            <p:ph type="body" idx="1"/>
+          </p:nvPr>
+        </p:nvSpPr>
+        <p:spPr/>
+        <p:txBody>
+          <a:bodyPr/>
+          <a:lstStyle/>
+          <a:p>
+            <a:endParaRPr lang="en-US" dirty="0"/>
+          </a:p>
+        </p:txBody>
+      </p:sp>
+      <p:sp>
+        <p:nvSpPr>
+          <p:cNvPr id="4" name="Slide Number Placeholder 3">
+            <a:extLst>
+              <a:ext uri="{FF2B5EF4-FFF2-40B4-BE49-F238E27FC236}">
+                <a16:creationId xmlns:a16="http://schemas.microsoft.com/office/drawing/2014/main" id="{C70B34A7-3576-48EC-F07B-A0D94D4472AA}"/>
+              </a:ext>
+            </a:extLst>
+          </p:cNvPr>
+          <p:cNvSpPr>
+            <a:spLocks noGrp="1"/>
+          </p:cNvSpPr>
+          <p:nvPr>
+            <p:ph type="sldNum" sz="quarter" idx="5"/>
+          </p:nvPr>
+        </p:nvSpPr>
+        <p:spPr/>
+        <p:txBody>
+          <a:bodyPr/>
+          <a:lstStyle/>
+          <a:p>
+            <a:fld id="{DF4BE9C7-5227-40EC-9F7D-1882895FDE90}" type="slidenum">
+              <a:rPr lang="en-US" smtClean="0"/>
+              <a:t>14</a:t>
+            </a:fld>
+            <a:endParaRPr lang="en-US"/>
+          </a:p>
+        </p:txBody>
+      </p:sp>
+    </p:spTree>
+    <p:extLst>
+      <p:ext uri="{BB962C8B-B14F-4D97-AF65-F5344CB8AC3E}">
+        <p14:creationId xmlns:p14="http://schemas.microsoft.com/office/powerpoint/2010/main" val="222229673"/>
+      </p:ext>
+    </p:extLst>
+  </p:cSld>
+  <p:clrMapOvr>
+    <a:masterClrMapping/>
+  </p:clrMapOvr>
+</p:notes>
+</file>
+
 <file path=ppt/slideLayouts/slideLayout1.xml><?xml version="1.0" encoding="utf-8"?>
 <p:sldLayout xmlns:a="http://schemas.openxmlformats.org/drawingml/2006/main" xmlns:r="http://schemas.openxmlformats.org/officeDocument/2006/relationships" xmlns:p="http://schemas.openxmlformats.org/presentationml/2006/main" type="title" preserve="1">
   <p:cSld name="Title Slide">
@@ -1237,7 +1449,7 @@
           <a:p>
             <a:fld id="{6979B424-ED28-4BEC-8A28-BF427314F3CE}" type="datetimeFigureOut">
               <a:rPr lang="en-US" smtClean="0"/>
-              <a:t>2/12/2025</a:t>
+              <a:t>2/14/2025</a:t>
             </a:fld>
             <a:endParaRPr lang="en-US"/>
           </a:p>
@@ -1407,7 +1619,7 @@
           <a:p>
             <a:fld id="{6979B424-ED28-4BEC-8A28-BF427314F3CE}" type="datetimeFigureOut">
               <a:rPr lang="en-US" smtClean="0"/>
-              <a:t>2/12/2025</a:t>
+              <a:t>2/14/2025</a:t>
             </a:fld>
             <a:endParaRPr lang="en-US"/>
           </a:p>
@@ -1587,7 +1799,7 @@
           <a:p>
             <a:fld id="{6979B424-ED28-4BEC-8A28-BF427314F3CE}" type="datetimeFigureOut">
               <a:rPr lang="en-US" smtClean="0"/>
-              <a:t>2/12/2025</a:t>
+              <a:t>2/14/2025</a:t>
             </a:fld>
             <a:endParaRPr lang="en-US"/>
           </a:p>
@@ -1757,7 +1969,7 @@
           <a:p>
             <a:fld id="{6979B424-ED28-4BEC-8A28-BF427314F3CE}" type="datetimeFigureOut">
               <a:rPr lang="en-US" smtClean="0"/>
-              <a:t>2/12/2025</a:t>
+              <a:t>2/14/2025</a:t>
             </a:fld>
             <a:endParaRPr lang="en-US"/>
           </a:p>
@@ -2003,7 +2215,7 @@
           <a:p>
             <a:fld id="{6979B424-ED28-4BEC-8A28-BF427314F3CE}" type="datetimeFigureOut">
               <a:rPr lang="en-US" smtClean="0"/>
-              <a:t>2/12/2025</a:t>
+              <a:t>2/14/2025</a:t>
             </a:fld>
             <a:endParaRPr lang="en-US"/>
           </a:p>
@@ -2235,7 +2447,7 @@
           <a:p>
             <a:fld id="{6979B424-ED28-4BEC-8A28-BF427314F3CE}" type="datetimeFigureOut">
               <a:rPr lang="en-US" smtClean="0"/>
-              <a:t>2/12/2025</a:t>
+              <a:t>2/14/2025</a:t>
             </a:fld>
             <a:endParaRPr lang="en-US"/>
           </a:p>
@@ -2602,7 +2814,7 @@
           <a:p>
             <a:fld id="{6979B424-ED28-4BEC-8A28-BF427314F3CE}" type="datetimeFigureOut">
               <a:rPr lang="en-US" smtClean="0"/>
-              <a:t>2/12/2025</a:t>
+              <a:t>2/14/2025</a:t>
             </a:fld>
             <a:endParaRPr lang="en-US"/>
           </a:p>
@@ -2720,7 +2932,7 @@
           <a:p>
             <a:fld id="{6979B424-ED28-4BEC-8A28-BF427314F3CE}" type="datetimeFigureOut">
               <a:rPr lang="en-US" smtClean="0"/>
-              <a:t>2/12/2025</a:t>
+              <a:t>2/14/2025</a:t>
             </a:fld>
             <a:endParaRPr lang="en-US"/>
           </a:p>
@@ -2815,7 +3027,7 @@
           <a:p>
             <a:fld id="{6979B424-ED28-4BEC-8A28-BF427314F3CE}" type="datetimeFigureOut">
               <a:rPr lang="en-US" smtClean="0"/>
-              <a:t>2/12/2025</a:t>
+              <a:t>2/14/2025</a:t>
             </a:fld>
             <a:endParaRPr lang="en-US"/>
           </a:p>
@@ -3092,7 +3304,7 @@
           <a:p>
             <a:fld id="{6979B424-ED28-4BEC-8A28-BF427314F3CE}" type="datetimeFigureOut">
               <a:rPr lang="en-US" smtClean="0"/>
-              <a:t>2/12/2025</a:t>
+              <a:t>2/14/2025</a:t>
             </a:fld>
             <a:endParaRPr lang="en-US"/>
           </a:p>
@@ -3349,7 +3561,7 @@
           <a:p>
             <a:fld id="{6979B424-ED28-4BEC-8A28-BF427314F3CE}" type="datetimeFigureOut">
               <a:rPr lang="en-US" smtClean="0"/>
-              <a:t>2/12/2025</a:t>
+              <a:t>2/14/2025</a:t>
             </a:fld>
             <a:endParaRPr lang="en-US"/>
           </a:p>
@@ -3562,7 +3774,7 @@
           <a:p>
             <a:fld id="{6979B424-ED28-4BEC-8A28-BF427314F3CE}" type="datetimeFigureOut">
               <a:rPr lang="en-US" smtClean="0"/>
-              <a:t>2/12/2025</a:t>
+              <a:t>2/14/2025</a:t>
             </a:fld>
             <a:endParaRPr lang="en-US"/>
           </a:p>
@@ -6588,132 +6800,10 @@
   <p:cSld>
     <p:spTree>
       <p:nvGrpSpPr>
-        <p:cNvPr id="1" name=""/>
-        <p:cNvGrpSpPr/>
-        <p:nvPr/>
-      </p:nvGrpSpPr>
-      <p:grpSpPr>
-        <a:xfrm>
-          <a:off x="0" y="0"/>
-          <a:ext cx="0" cy="0"/>
-          <a:chOff x="0" y="0"/>
-          <a:chExt cx="0" cy="0"/>
-        </a:xfrm>
-      </p:grpSpPr>
-      <p:sp>
-        <p:nvSpPr>
-          <p:cNvPr id="2" name="Title 1">
-            <a:extLst>
-              <a:ext uri="{FF2B5EF4-FFF2-40B4-BE49-F238E27FC236}">
-                <a16:creationId xmlns:a16="http://schemas.microsoft.com/office/drawing/2014/main" id="{68470F32-A3EC-DC66-E4D0-02D01EF431E5}"/>
-              </a:ext>
-            </a:extLst>
-          </p:cNvPr>
-          <p:cNvSpPr>
-            <a:spLocks noGrp="1"/>
-          </p:cNvSpPr>
-          <p:nvPr>
-            <p:ph type="title"/>
-          </p:nvPr>
-        </p:nvSpPr>
-        <p:spPr/>
-        <p:txBody>
-          <a:bodyPr/>
-          <a:lstStyle/>
-          <a:p>
-            <a:endParaRPr lang="en-US"/>
-          </a:p>
-        </p:txBody>
-      </p:sp>
-      <p:sp>
-        <p:nvSpPr>
-          <p:cNvPr id="3" name="Content Placeholder 2">
-            <a:extLst>
-              <a:ext uri="{FF2B5EF4-FFF2-40B4-BE49-F238E27FC236}">
-                <a16:creationId xmlns:a16="http://schemas.microsoft.com/office/drawing/2014/main" id="{18C54FC5-81D6-812B-6E7D-7EA839CFE122}"/>
-              </a:ext>
-            </a:extLst>
-          </p:cNvPr>
-          <p:cNvSpPr>
-            <a:spLocks noGrp="1"/>
-          </p:cNvSpPr>
-          <p:nvPr>
-            <p:ph idx="1"/>
-          </p:nvPr>
-        </p:nvSpPr>
-        <p:spPr/>
-        <p:txBody>
-          <a:bodyPr/>
-          <a:lstStyle/>
-          <a:p>
-            <a:endParaRPr lang="en-US"/>
-          </a:p>
-        </p:txBody>
-      </p:sp>
-      <p:pic>
-        <p:nvPicPr>
-          <p:cNvPr id="18" name="Picture 17">
-            <a:extLst>
-              <a:ext uri="{FF2B5EF4-FFF2-40B4-BE49-F238E27FC236}">
-                <a16:creationId xmlns:a16="http://schemas.microsoft.com/office/drawing/2014/main" id="{95C91382-B813-2FFD-449D-D280BD2A8A6F}"/>
-              </a:ext>
-            </a:extLst>
-          </p:cNvPr>
-          <p:cNvPicPr>
-            <a:picLocks noChangeAspect="1"/>
-          </p:cNvPicPr>
-          <p:nvPr/>
-        </p:nvPicPr>
-        <p:blipFill>
-          <a:blip r:embed="rId2">
-            <a:alphaModFix/>
-          </a:blip>
-          <a:stretch>
-            <a:fillRect/>
-          </a:stretch>
-        </p:blipFill>
-        <p:spPr>
-          <a:xfrm>
-            <a:off x="0" y="-4744"/>
-            <a:ext cx="18288000" cy="10296489"/>
-          </a:xfrm>
-          <a:prstGeom prst="rect">
-            <a:avLst/>
-          </a:prstGeom>
-        </p:spPr>
-      </p:pic>
-    </p:spTree>
-    <p:extLst>
-      <p:ext uri="{BB962C8B-B14F-4D97-AF65-F5344CB8AC3E}">
-        <p14:creationId xmlns:p14="http://schemas.microsoft.com/office/powerpoint/2010/main" val="3910549148"/>
-      </p:ext>
-    </p:extLst>
-  </p:cSld>
-  <p:clrMapOvr>
-    <a:masterClrMapping/>
-  </p:clrMapOvr>
-</p:sld>
-</file>
-
-<file path=ppt/slides/slide14.xml><?xml version="1.0" encoding="utf-8"?>
-<p:sld xmlns:a="http://schemas.openxmlformats.org/drawingml/2006/main" xmlns:r="http://schemas.openxmlformats.org/officeDocument/2006/relationships" xmlns:p="http://schemas.openxmlformats.org/presentationml/2006/main">
-  <p:cSld>
-    <p:bg>
-      <p:bgPr>
-        <a:solidFill>
-          <a:schemeClr val="bg1">
-            <a:lumMod val="95000"/>
-          </a:schemeClr>
-        </a:solidFill>
-        <a:effectLst/>
-      </p:bgPr>
-    </p:bg>
-    <p:spTree>
-      <p:nvGrpSpPr>
         <p:cNvPr id="1" name="">
           <a:extLst>
             <a:ext uri="{FF2B5EF4-FFF2-40B4-BE49-F238E27FC236}">
-              <a16:creationId xmlns:a16="http://schemas.microsoft.com/office/drawing/2014/main" id="{554150CE-44B2-9CA5-F46E-E2CBF01F6504}"/>
+              <a16:creationId xmlns:a16="http://schemas.microsoft.com/office/drawing/2014/main" id="{CEF9DEBA-B8E8-1382-3320-ECFBC037D87E}"/>
             </a:ext>
           </a:extLst>
         </p:cNvPr>
@@ -6733,7 +6823,7 @@
           <p:cNvPr id="6" name="Rectangle 5">
             <a:extLst>
               <a:ext uri="{FF2B5EF4-FFF2-40B4-BE49-F238E27FC236}">
-                <a16:creationId xmlns:a16="http://schemas.microsoft.com/office/drawing/2014/main" id="{38BD898C-71E3-FD64-4241-016AECEA6649}"/>
+                <a16:creationId xmlns:a16="http://schemas.microsoft.com/office/drawing/2014/main" id="{DC04E45F-1590-3711-9DBC-54CBDFE47E00}"/>
               </a:ext>
             </a:extLst>
           </p:cNvPr>
@@ -6788,7 +6878,7 @@
           <p:cNvPr id="7" name="Rectangle 6">
             <a:extLst>
               <a:ext uri="{FF2B5EF4-FFF2-40B4-BE49-F238E27FC236}">
-                <a16:creationId xmlns:a16="http://schemas.microsoft.com/office/drawing/2014/main" id="{6839D690-436E-9433-BA7E-01775D7D042C}"/>
+                <a16:creationId xmlns:a16="http://schemas.microsoft.com/office/drawing/2014/main" id="{E8195B24-6245-99D8-B686-B8E5B28BFCF3}"/>
               </a:ext>
             </a:extLst>
           </p:cNvPr>
@@ -6797,8 +6887,8 @@
         </p:nvSpPr>
         <p:spPr>
           <a:xfrm>
-            <a:off x="0" y="514416"/>
-            <a:ext cx="18288000" cy="429768"/>
+            <a:off x="0" y="711200"/>
+            <a:ext cx="18288000" cy="431800"/>
           </a:xfrm>
           <a:prstGeom prst="rect">
             <a:avLst/>
@@ -6843,7 +6933,7 @@
           <p:cNvPr id="8" name="Rectangle 7">
             <a:extLst>
               <a:ext uri="{FF2B5EF4-FFF2-40B4-BE49-F238E27FC236}">
-                <a16:creationId xmlns:a16="http://schemas.microsoft.com/office/drawing/2014/main" id="{1C3243D1-2A22-7412-F747-BF785D58864D}"/>
+                <a16:creationId xmlns:a16="http://schemas.microsoft.com/office/drawing/2014/main" id="{C489ECF8-88F1-590A-4AD1-75F837454F8A}"/>
               </a:ext>
             </a:extLst>
           </p:cNvPr>
@@ -6852,8 +6942,8 @@
         </p:nvSpPr>
         <p:spPr>
           <a:xfrm>
-            <a:off x="0" y="945564"/>
-            <a:ext cx="18288000" cy="667657"/>
+            <a:off x="0" y="1143000"/>
+            <a:ext cx="18288000" cy="431800"/>
           </a:xfrm>
           <a:prstGeom prst="rect">
             <a:avLst/>
@@ -6902,7 +6992,7 @@
           <p:cNvPr id="9" name="Rectangle: Rounded Corners 8">
             <a:extLst>
               <a:ext uri="{FF2B5EF4-FFF2-40B4-BE49-F238E27FC236}">
-                <a16:creationId xmlns:a16="http://schemas.microsoft.com/office/drawing/2014/main" id="{E1FAAFCA-22A1-64D0-4BE3-5ED8F5E0EDFE}"/>
+                <a16:creationId xmlns:a16="http://schemas.microsoft.com/office/drawing/2014/main" id="{C0AED348-DA09-2D8D-9892-F5B23DE7B5BD}"/>
               </a:ext>
             </a:extLst>
           </p:cNvPr>
@@ -6911,12 +7001,12 @@
         </p:nvSpPr>
         <p:spPr>
           <a:xfrm>
-            <a:off x="111949" y="4637314"/>
-            <a:ext cx="2992808" cy="5472844"/>
+            <a:off x="211017" y="2148396"/>
+            <a:ext cx="11691424" cy="8031143"/>
           </a:xfrm>
           <a:prstGeom prst="roundRect">
             <a:avLst>
-              <a:gd name="adj" fmla="val 7996"/>
+              <a:gd name="adj" fmla="val 1937"/>
             </a:avLst>
           </a:prstGeom>
           <a:solidFill>
@@ -6958,137 +7048,12 @@
           </a:p>
         </p:txBody>
       </p:sp>
-      <p:pic>
-        <p:nvPicPr>
-          <p:cNvPr id="15" name="Picture 14" descr="A blue and black logo&#10;&#10;Description automatically generated">
-            <a:extLst>
-              <a:ext uri="{FF2B5EF4-FFF2-40B4-BE49-F238E27FC236}">
-                <a16:creationId xmlns:a16="http://schemas.microsoft.com/office/drawing/2014/main" id="{434103E1-AF0D-8F99-74A6-86A9594EEC4C}"/>
-              </a:ext>
-            </a:extLst>
-          </p:cNvPr>
-          <p:cNvPicPr preferRelativeResize="0">
-            <a:picLocks noChangeAspect="1"/>
-          </p:cNvPicPr>
-          <p:nvPr/>
-        </p:nvPicPr>
-        <p:blipFill>
-          <a:blip r:embed="rId2" cstate="print">
-            <a:extLst>
-              <a:ext uri="{28A0092B-C50C-407E-A947-70E740481C1C}">
-                <a14:useLocalDpi xmlns:a14="http://schemas.microsoft.com/office/drawing/2010/main" val="0"/>
-              </a:ext>
-            </a:extLst>
-          </a:blip>
-          <a:srcRect l="27137" t="16710" r="25806" b="43169"/>
-          <a:stretch/>
-        </p:blipFill>
-        <p:spPr>
-          <a:xfrm>
-            <a:off x="0" y="-34239"/>
-            <a:ext cx="920871" cy="615552"/>
-          </a:xfrm>
-          <a:prstGeom prst="rect">
-            <a:avLst/>
-          </a:prstGeom>
-        </p:spPr>
-      </p:pic>
-      <p:sp>
-        <p:nvSpPr>
-          <p:cNvPr id="16" name="TextBox 15">
-            <a:extLst>
-              <a:ext uri="{FF2B5EF4-FFF2-40B4-BE49-F238E27FC236}">
-                <a16:creationId xmlns:a16="http://schemas.microsoft.com/office/drawing/2014/main" id="{4BFA5FEB-E621-669E-24FB-E58A3F9A75BB}"/>
-              </a:ext>
-            </a:extLst>
-          </p:cNvPr>
-          <p:cNvSpPr txBox="1"/>
-          <p:nvPr/>
-        </p:nvSpPr>
-        <p:spPr>
-          <a:xfrm>
-            <a:off x="815332" y="-22127"/>
-            <a:ext cx="4363695" cy="615553"/>
-          </a:xfrm>
-          <a:prstGeom prst="rect">
-            <a:avLst/>
-          </a:prstGeom>
-          <a:noFill/>
-        </p:spPr>
-        <p:txBody>
-          <a:bodyPr wrap="none" rtlCol="0">
-            <a:spAutoFit/>
-          </a:bodyPr>
-          <a:lstStyle/>
-          <a:p>
-            <a:r>
-              <a:rPr lang="en-US" sz="3400" b="1" dirty="0" err="1">
-                <a:solidFill>
-                  <a:schemeClr val="bg1"/>
-                </a:solidFill>
-                <a:latin typeface="Bahnschrift SemiBold SemiConden" panose="020B0502040204020203" pitchFamily="34" charset="0"/>
-              </a:rPr>
-              <a:t>TechCore</a:t>
-            </a:r>
-            <a:r>
-              <a:rPr lang="en-US" sz="3400" b="1" dirty="0">
-                <a:solidFill>
-                  <a:schemeClr val="bg1"/>
-                </a:solidFill>
-                <a:latin typeface="Bahnschrift SemiBold SemiConden" panose="020B0502040204020203" pitchFamily="34" charset="0"/>
-              </a:rPr>
-              <a:t> Innovation- HR</a:t>
-            </a:r>
-          </a:p>
-        </p:txBody>
-      </p:sp>
-      <p:sp>
-        <p:nvSpPr>
-          <p:cNvPr id="2" name="TextBox 1">
-            <a:extLst>
-              <a:ext uri="{FF2B5EF4-FFF2-40B4-BE49-F238E27FC236}">
-                <a16:creationId xmlns:a16="http://schemas.microsoft.com/office/drawing/2014/main" id="{F076A3F1-E625-8049-4C4E-7DDEA7C4F481}"/>
-              </a:ext>
-            </a:extLst>
-          </p:cNvPr>
-          <p:cNvSpPr txBox="1"/>
-          <p:nvPr/>
-        </p:nvSpPr>
-        <p:spPr>
-          <a:xfrm>
-            <a:off x="140099" y="1168441"/>
-            <a:ext cx="2964658" cy="369332"/>
-          </a:xfrm>
-          <a:prstGeom prst="rect">
-            <a:avLst/>
-          </a:prstGeom>
-          <a:noFill/>
-        </p:spPr>
-        <p:txBody>
-          <a:bodyPr wrap="none" rtlCol="0">
-            <a:spAutoFit/>
-          </a:bodyPr>
-          <a:lstStyle/>
-          <a:p>
-            <a:r>
-              <a:rPr lang="en-US" b="1" dirty="0">
-                <a:solidFill>
-                  <a:schemeClr val="bg2">
-                    <a:lumMod val="25000"/>
-                  </a:schemeClr>
-                </a:solidFill>
-              </a:rPr>
-              <a:t>Performance Review Years</a:t>
-            </a:r>
-          </a:p>
-        </p:txBody>
-      </p:sp>
-      <p:sp>
-        <p:nvSpPr>
-          <p:cNvPr id="17" name="Rectangle: Rounded Corners 16">
-            <a:extLst>
-              <a:ext uri="{FF2B5EF4-FFF2-40B4-BE49-F238E27FC236}">
-                <a16:creationId xmlns:a16="http://schemas.microsoft.com/office/drawing/2014/main" id="{2FFF4E1F-A5B7-6E1C-876E-D744C4701EF4}"/>
+      <p:sp>
+        <p:nvSpPr>
+          <p:cNvPr id="11" name="Rectangle: Rounded Corners 10">
+            <a:extLst>
+              <a:ext uri="{FF2B5EF4-FFF2-40B4-BE49-F238E27FC236}">
+                <a16:creationId xmlns:a16="http://schemas.microsoft.com/office/drawing/2014/main" id="{6E7583FD-4861-5FF8-F7D3-0BC52D06EB47}"/>
               </a:ext>
             </a:extLst>
           </p:cNvPr>
@@ -7097,12 +7062,12 @@
         </p:nvSpPr>
         <p:spPr>
           <a:xfrm>
-            <a:off x="111949" y="1613222"/>
-            <a:ext cx="2992808" cy="2828149"/>
+            <a:off x="12039600" y="2148397"/>
+            <a:ext cx="6037381" cy="8031142"/>
           </a:xfrm>
           <a:prstGeom prst="roundRect">
             <a:avLst>
-              <a:gd name="adj" fmla="val 7996"/>
+              <a:gd name="adj" fmla="val 2449"/>
             </a:avLst>
           </a:prstGeom>
           <a:solidFill>
@@ -7146,10 +7111,301 @@
       </p:sp>
       <p:sp>
         <p:nvSpPr>
-          <p:cNvPr id="3" name="Rectangle: Rounded Corners 2">
-            <a:extLst>
-              <a:ext uri="{FF2B5EF4-FFF2-40B4-BE49-F238E27FC236}">
-                <a16:creationId xmlns:a16="http://schemas.microsoft.com/office/drawing/2014/main" id="{6B5EF2CB-C0F8-39C9-6726-3CD58C95A509}"/>
+          <p:cNvPr id="12" name="TextBox 11">
+            <a:extLst>
+              <a:ext uri="{FF2B5EF4-FFF2-40B4-BE49-F238E27FC236}">
+                <a16:creationId xmlns:a16="http://schemas.microsoft.com/office/drawing/2014/main" id="{D316721E-7993-0913-B57F-61D091F27651}"/>
+              </a:ext>
+            </a:extLst>
+          </p:cNvPr>
+          <p:cNvSpPr txBox="1"/>
+          <p:nvPr/>
+        </p:nvSpPr>
+        <p:spPr>
+          <a:xfrm>
+            <a:off x="478005" y="1676933"/>
+            <a:ext cx="1732847" cy="369332"/>
+          </a:xfrm>
+          <a:prstGeom prst="rect">
+            <a:avLst/>
+          </a:prstGeom>
+          <a:noFill/>
+        </p:spPr>
+        <p:txBody>
+          <a:bodyPr wrap="none" rtlCol="0">
+            <a:spAutoFit/>
+          </a:bodyPr>
+          <a:lstStyle/>
+          <a:p>
+            <a:r>
+              <a:rPr lang="en-US" b="1" dirty="0">
+                <a:solidFill>
+                  <a:schemeClr val="bg2">
+                    <a:lumMod val="25000"/>
+                  </a:schemeClr>
+                </a:solidFill>
+              </a:rPr>
+              <a:t>Project Details</a:t>
+            </a:r>
+          </a:p>
+        </p:txBody>
+      </p:sp>
+      <p:pic>
+        <p:nvPicPr>
+          <p:cNvPr id="15" name="Picture 14" descr="A blue and black logo&#10;&#10;Description automatically generated">
+            <a:extLst>
+              <a:ext uri="{FF2B5EF4-FFF2-40B4-BE49-F238E27FC236}">
+                <a16:creationId xmlns:a16="http://schemas.microsoft.com/office/drawing/2014/main" id="{34A3CA74-2563-D905-78E4-014B504D0350}"/>
+              </a:ext>
+            </a:extLst>
+          </p:cNvPr>
+          <p:cNvPicPr preferRelativeResize="0">
+            <a:picLocks noChangeAspect="1"/>
+          </p:cNvPicPr>
+          <p:nvPr/>
+        </p:nvPicPr>
+        <p:blipFill>
+          <a:blip r:embed="rId3" cstate="print">
+            <a:extLst>
+              <a:ext uri="{28A0092B-C50C-407E-A947-70E740481C1C}">
+                <a14:useLocalDpi xmlns:a14="http://schemas.microsoft.com/office/drawing/2010/main" val="0"/>
+              </a:ext>
+            </a:extLst>
+          </a:blip>
+          <a:srcRect l="27137" t="16710" r="25806" b="43169"/>
+          <a:stretch/>
+        </p:blipFill>
+        <p:spPr>
+          <a:xfrm>
+            <a:off x="111949" y="-34240"/>
+            <a:ext cx="732113" cy="732113"/>
+          </a:xfrm>
+          <a:prstGeom prst="rect">
+            <a:avLst/>
+          </a:prstGeom>
+        </p:spPr>
+      </p:pic>
+      <p:sp>
+        <p:nvSpPr>
+          <p:cNvPr id="16" name="TextBox 15">
+            <a:extLst>
+              <a:ext uri="{FF2B5EF4-FFF2-40B4-BE49-F238E27FC236}">
+                <a16:creationId xmlns:a16="http://schemas.microsoft.com/office/drawing/2014/main" id="{E31E3D92-8C3B-E424-5CF8-872321F6F68C}"/>
+              </a:ext>
+            </a:extLst>
+          </p:cNvPr>
+          <p:cNvSpPr txBox="1"/>
+          <p:nvPr/>
+        </p:nvSpPr>
+        <p:spPr>
+          <a:xfrm>
+            <a:off x="815332" y="-22127"/>
+            <a:ext cx="5096267" cy="707886"/>
+          </a:xfrm>
+          <a:prstGeom prst="rect">
+            <a:avLst/>
+          </a:prstGeom>
+          <a:noFill/>
+        </p:spPr>
+        <p:txBody>
+          <a:bodyPr wrap="none" rtlCol="0">
+            <a:spAutoFit/>
+          </a:bodyPr>
+          <a:lstStyle/>
+          <a:p>
+            <a:r>
+              <a:rPr lang="en-US" sz="4000" b="1" dirty="0" err="1">
+                <a:solidFill>
+                  <a:schemeClr val="bg1"/>
+                </a:solidFill>
+                <a:latin typeface="Bahnschrift SemiBold SemiConden" panose="020B0502040204020203" pitchFamily="34" charset="0"/>
+              </a:rPr>
+              <a:t>TechCore</a:t>
+            </a:r>
+            <a:r>
+              <a:rPr lang="en-US" sz="4000" b="1" dirty="0">
+                <a:solidFill>
+                  <a:schemeClr val="bg1"/>
+                </a:solidFill>
+                <a:latin typeface="Bahnschrift SemiBold SemiConden" panose="020B0502040204020203" pitchFamily="34" charset="0"/>
+              </a:rPr>
+              <a:t> Innovation- HR</a:t>
+            </a:r>
+          </a:p>
+        </p:txBody>
+      </p:sp>
+      <p:sp>
+        <p:nvSpPr>
+          <p:cNvPr id="10" name="TextBox 9">
+            <a:extLst>
+              <a:ext uri="{FF2B5EF4-FFF2-40B4-BE49-F238E27FC236}">
+                <a16:creationId xmlns:a16="http://schemas.microsoft.com/office/drawing/2014/main" id="{EF2AA30E-DCB1-8614-BCC0-918D9AF863BA}"/>
+              </a:ext>
+            </a:extLst>
+          </p:cNvPr>
+          <p:cNvSpPr txBox="1"/>
+          <p:nvPr/>
+        </p:nvSpPr>
+        <p:spPr>
+          <a:xfrm>
+            <a:off x="12273765" y="1676933"/>
+            <a:ext cx="2021707" cy="369332"/>
+          </a:xfrm>
+          <a:prstGeom prst="rect">
+            <a:avLst/>
+          </a:prstGeom>
+          <a:noFill/>
+        </p:spPr>
+        <p:txBody>
+          <a:bodyPr wrap="none" rtlCol="0">
+            <a:spAutoFit/>
+          </a:bodyPr>
+          <a:lstStyle/>
+          <a:p>
+            <a:r>
+              <a:rPr lang="en-US" b="1">
+                <a:solidFill>
+                  <a:schemeClr val="bg2">
+                    <a:lumMod val="25000"/>
+                  </a:schemeClr>
+                </a:solidFill>
+              </a:rPr>
+              <a:t>Employee Details</a:t>
+            </a:r>
+            <a:endParaRPr lang="en-US" b="1" dirty="0">
+              <a:solidFill>
+                <a:schemeClr val="bg2">
+                  <a:lumMod val="25000"/>
+                </a:schemeClr>
+              </a:solidFill>
+            </a:endParaRPr>
+          </a:p>
+        </p:txBody>
+      </p:sp>
+      <p:sp>
+        <p:nvSpPr>
+          <p:cNvPr id="2" name="TextBox 1">
+            <a:extLst>
+              <a:ext uri="{FF2B5EF4-FFF2-40B4-BE49-F238E27FC236}">
+                <a16:creationId xmlns:a16="http://schemas.microsoft.com/office/drawing/2014/main" id="{5EB5DDA9-C870-05DD-AB44-3689599A87DE}"/>
+              </a:ext>
+            </a:extLst>
+          </p:cNvPr>
+          <p:cNvSpPr txBox="1"/>
+          <p:nvPr/>
+        </p:nvSpPr>
+        <p:spPr>
+          <a:xfrm>
+            <a:off x="602855" y="1181422"/>
+            <a:ext cx="643061" cy="369332"/>
+          </a:xfrm>
+          <a:prstGeom prst="rect">
+            <a:avLst/>
+          </a:prstGeom>
+          <a:noFill/>
+        </p:spPr>
+        <p:txBody>
+          <a:bodyPr wrap="none" rtlCol="0">
+            <a:spAutoFit/>
+          </a:bodyPr>
+          <a:lstStyle/>
+          <a:p>
+            <a:r>
+              <a:rPr lang="en-US" b="1" dirty="0">
+                <a:solidFill>
+                  <a:schemeClr val="bg2">
+                    <a:lumMod val="25000"/>
+                  </a:schemeClr>
+                </a:solidFill>
+              </a:rPr>
+              <a:t>Year</a:t>
+            </a:r>
+          </a:p>
+        </p:txBody>
+      </p:sp>
+      <p:sp>
+        <p:nvSpPr>
+          <p:cNvPr id="3" name="TextBox 2">
+            <a:extLst>
+              <a:ext uri="{FF2B5EF4-FFF2-40B4-BE49-F238E27FC236}">
+                <a16:creationId xmlns:a16="http://schemas.microsoft.com/office/drawing/2014/main" id="{1FFADA54-0484-7CEC-08E5-6C61598FE8A3}"/>
+              </a:ext>
+            </a:extLst>
+          </p:cNvPr>
+          <p:cNvSpPr txBox="1"/>
+          <p:nvPr/>
+        </p:nvSpPr>
+        <p:spPr>
+          <a:xfrm>
+            <a:off x="2720404" y="1181422"/>
+            <a:ext cx="1452642" cy="369332"/>
+          </a:xfrm>
+          <a:prstGeom prst="rect">
+            <a:avLst/>
+          </a:prstGeom>
+          <a:noFill/>
+        </p:spPr>
+        <p:txBody>
+          <a:bodyPr wrap="none" rtlCol="0">
+            <a:spAutoFit/>
+          </a:bodyPr>
+          <a:lstStyle/>
+          <a:p>
+            <a:r>
+              <a:rPr lang="en-US" b="1" dirty="0">
+                <a:solidFill>
+                  <a:schemeClr val="bg2">
+                    <a:lumMod val="25000"/>
+                  </a:schemeClr>
+                </a:solidFill>
+              </a:rPr>
+              <a:t>Department</a:t>
+            </a:r>
+          </a:p>
+        </p:txBody>
+      </p:sp>
+    </p:spTree>
+    <p:extLst>
+      <p:ext uri="{BB962C8B-B14F-4D97-AF65-F5344CB8AC3E}">
+        <p14:creationId xmlns:p14="http://schemas.microsoft.com/office/powerpoint/2010/main" val="1489992313"/>
+      </p:ext>
+    </p:extLst>
+  </p:cSld>
+  <p:clrMapOvr>
+    <a:masterClrMapping/>
+  </p:clrMapOvr>
+</p:sld>
+</file>
+
+<file path=ppt/slides/slide14.xml><?xml version="1.0" encoding="utf-8"?>
+<p:sld xmlns:a="http://schemas.openxmlformats.org/drawingml/2006/main" xmlns:r="http://schemas.openxmlformats.org/officeDocument/2006/relationships" xmlns:p="http://schemas.openxmlformats.org/presentationml/2006/main">
+  <p:cSld>
+    <p:spTree>
+      <p:nvGrpSpPr>
+        <p:cNvPr id="1" name="">
+          <a:extLst>
+            <a:ext uri="{FF2B5EF4-FFF2-40B4-BE49-F238E27FC236}">
+              <a16:creationId xmlns:a16="http://schemas.microsoft.com/office/drawing/2014/main" id="{9DCC8EC5-2C8D-C654-45A0-605764F8AE19}"/>
+            </a:ext>
+          </a:extLst>
+        </p:cNvPr>
+        <p:cNvGrpSpPr/>
+        <p:nvPr/>
+      </p:nvGrpSpPr>
+      <p:grpSpPr>
+        <a:xfrm>
+          <a:off x="0" y="0"/>
+          <a:ext cx="0" cy="0"/>
+          <a:chOff x="0" y="0"/>
+          <a:chExt cx="0" cy="0"/>
+        </a:xfrm>
+      </p:grpSpPr>
+      <p:sp>
+        <p:nvSpPr>
+          <p:cNvPr id="6" name="Rectangle 5">
+            <a:extLst>
+              <a:ext uri="{FF2B5EF4-FFF2-40B4-BE49-F238E27FC236}">
+                <a16:creationId xmlns:a16="http://schemas.microsoft.com/office/drawing/2014/main" id="{757CB5D3-FF09-2C48-11CC-B7F44BA560B7}"/>
               </a:ext>
             </a:extLst>
           </p:cNvPr>
@@ -7158,27 +7414,21 @@
         </p:nvSpPr>
         <p:spPr>
           <a:xfrm>
-            <a:off x="3221134" y="1613221"/>
-            <a:ext cx="9752993" cy="8496937"/>
-          </a:xfrm>
-          <a:prstGeom prst="roundRect">
-            <a:avLst>
-              <a:gd name="adj" fmla="val 2449"/>
-            </a:avLst>
+            <a:off x="0" y="0"/>
+            <a:ext cx="18288000" cy="711200"/>
+          </a:xfrm>
+          <a:prstGeom prst="rect">
+            <a:avLst/>
           </a:prstGeom>
           <a:solidFill>
-            <a:schemeClr val="bg1">
-              <a:lumMod val="95000"/>
+            <a:schemeClr val="accent5">
+              <a:lumMod val="60000"/>
+              <a:lumOff val="40000"/>
             </a:schemeClr>
           </a:solidFill>
           <a:ln>
             <a:noFill/>
           </a:ln>
-          <a:effectLst>
-            <a:innerShdw blurRad="114300">
-              <a:prstClr val="black"/>
-            </a:innerShdw>
-          </a:effectLst>
         </p:spPr>
         <p:style>
           <a:lnRef idx="2">
@@ -7207,92 +7457,10 @@
       </p:sp>
       <p:sp>
         <p:nvSpPr>
-          <p:cNvPr id="4" name="TextBox 3">
-            <a:extLst>
-              <a:ext uri="{FF2B5EF4-FFF2-40B4-BE49-F238E27FC236}">
-                <a16:creationId xmlns:a16="http://schemas.microsoft.com/office/drawing/2014/main" id="{0E42994B-1F7C-40C5-22BC-934CD7DD3611}"/>
-              </a:ext>
-            </a:extLst>
-          </p:cNvPr>
-          <p:cNvSpPr txBox="1"/>
-          <p:nvPr/>
-        </p:nvSpPr>
-        <p:spPr>
-          <a:xfrm>
-            <a:off x="13094898" y="1168441"/>
-            <a:ext cx="1502655" cy="369332"/>
-          </a:xfrm>
-          <a:prstGeom prst="rect">
-            <a:avLst/>
-          </a:prstGeom>
-          <a:noFill/>
-        </p:spPr>
-        <p:txBody>
-          <a:bodyPr wrap="none" rtlCol="0">
-            <a:spAutoFit/>
-          </a:bodyPr>
-          <a:lstStyle/>
-          <a:p>
-            <a:r>
-              <a:rPr lang="en-US" b="1" dirty="0">
-                <a:solidFill>
-                  <a:schemeClr val="bg2">
-                    <a:lumMod val="25000"/>
-                  </a:schemeClr>
-                </a:solidFill>
-              </a:rPr>
-              <a:t>Employee ID</a:t>
-            </a:r>
-          </a:p>
-        </p:txBody>
-      </p:sp>
-      <p:sp>
-        <p:nvSpPr>
-          <p:cNvPr id="5" name="TextBox 4">
-            <a:extLst>
-              <a:ext uri="{FF2B5EF4-FFF2-40B4-BE49-F238E27FC236}">
-                <a16:creationId xmlns:a16="http://schemas.microsoft.com/office/drawing/2014/main" id="{CAB0793E-9622-E086-946B-9071564EF9FC}"/>
-              </a:ext>
-            </a:extLst>
-          </p:cNvPr>
-          <p:cNvSpPr txBox="1"/>
-          <p:nvPr/>
-        </p:nvSpPr>
-        <p:spPr>
-          <a:xfrm>
-            <a:off x="15901931" y="1168441"/>
-            <a:ext cx="1252715" cy="369332"/>
-          </a:xfrm>
-          <a:prstGeom prst="rect">
-            <a:avLst/>
-          </a:prstGeom>
-          <a:noFill/>
-        </p:spPr>
-        <p:txBody>
-          <a:bodyPr wrap="none" rtlCol="0">
-            <a:spAutoFit/>
-          </a:bodyPr>
-          <a:lstStyle/>
-          <a:p>
-            <a:r>
-              <a:rPr lang="en-US" b="1" dirty="0">
-                <a:solidFill>
-                  <a:schemeClr val="bg2">
-                    <a:lumMod val="25000"/>
-                  </a:schemeClr>
-                </a:solidFill>
-              </a:rPr>
-              <a:t>Full Name</a:t>
-            </a:r>
-          </a:p>
-        </p:txBody>
-      </p:sp>
-      <p:sp>
-        <p:nvSpPr>
-          <p:cNvPr id="12" name="Rectangle: Rounded Corners 11">
-            <a:extLst>
-              <a:ext uri="{FF2B5EF4-FFF2-40B4-BE49-F238E27FC236}">
-                <a16:creationId xmlns:a16="http://schemas.microsoft.com/office/drawing/2014/main" id="{68EAB3DE-77F5-33C1-56DC-1141763A5E75}"/>
+          <p:cNvPr id="7" name="Rectangle 6">
+            <a:extLst>
+              <a:ext uri="{FF2B5EF4-FFF2-40B4-BE49-F238E27FC236}">
+                <a16:creationId xmlns:a16="http://schemas.microsoft.com/office/drawing/2014/main" id="{123A4A59-B5E0-CDAD-069F-EFF9A886A08C}"/>
               </a:ext>
             </a:extLst>
           </p:cNvPr>
@@ -7301,27 +7469,21 @@
         </p:nvSpPr>
         <p:spPr>
           <a:xfrm>
-            <a:off x="13094898" y="1613222"/>
-            <a:ext cx="4917057" cy="8496936"/>
-          </a:xfrm>
-          <a:prstGeom prst="roundRect">
-            <a:avLst>
-              <a:gd name="adj" fmla="val 2449"/>
-            </a:avLst>
+            <a:off x="0" y="711200"/>
+            <a:ext cx="18288000" cy="431800"/>
+          </a:xfrm>
+          <a:prstGeom prst="rect">
+            <a:avLst/>
           </a:prstGeom>
           <a:solidFill>
-            <a:schemeClr val="bg1">
-              <a:lumMod val="95000"/>
+            <a:schemeClr val="accent5">
+              <a:lumMod val="20000"/>
+              <a:lumOff val="80000"/>
             </a:schemeClr>
           </a:solidFill>
           <a:ln>
             <a:noFill/>
           </a:ln>
-          <a:effectLst>
-            <a:innerShdw blurRad="114300">
-              <a:prstClr val="black"/>
-            </a:innerShdw>
-          </a:effectLst>
         </p:spPr>
         <p:style>
           <a:lnRef idx="2">
@@ -7348,58 +7510,12 @@
           </a:p>
         </p:txBody>
       </p:sp>
-    </p:spTree>
-    <p:extLst>
-      <p:ext uri="{BB962C8B-B14F-4D97-AF65-F5344CB8AC3E}">
-        <p14:creationId xmlns:p14="http://schemas.microsoft.com/office/powerpoint/2010/main" val="3743131264"/>
-      </p:ext>
-    </p:extLst>
-  </p:cSld>
-  <p:clrMapOvr>
-    <a:masterClrMapping/>
-  </p:clrMapOvr>
-</p:sld>
-</file>
-
-<file path=ppt/slides/slide15.xml><?xml version="1.0" encoding="utf-8"?>
-<p:sld xmlns:a="http://schemas.openxmlformats.org/drawingml/2006/main" xmlns:r="http://schemas.openxmlformats.org/officeDocument/2006/relationships" xmlns:p="http://schemas.openxmlformats.org/presentationml/2006/main">
-  <p:cSld>
-    <p:bg>
-      <p:bgPr>
-        <a:solidFill>
-          <a:schemeClr val="bg1">
-            <a:lumMod val="95000"/>
-          </a:schemeClr>
-        </a:solidFill>
-        <a:effectLst/>
-      </p:bgPr>
-    </p:bg>
-    <p:spTree>
-      <p:nvGrpSpPr>
-        <p:cNvPr id="1" name="">
-          <a:extLst>
-            <a:ext uri="{FF2B5EF4-FFF2-40B4-BE49-F238E27FC236}">
-              <a16:creationId xmlns:a16="http://schemas.microsoft.com/office/drawing/2014/main" id="{26573E6B-C7CD-ADD3-F171-5A4BE33CE901}"/>
-            </a:ext>
-          </a:extLst>
-        </p:cNvPr>
-        <p:cNvGrpSpPr/>
-        <p:nvPr/>
-      </p:nvGrpSpPr>
-      <p:grpSpPr>
-        <a:xfrm>
-          <a:off x="0" y="0"/>
-          <a:ext cx="0" cy="0"/>
-          <a:chOff x="0" y="0"/>
-          <a:chExt cx="0" cy="0"/>
-        </a:xfrm>
-      </p:grpSpPr>
-      <p:sp>
-        <p:nvSpPr>
-          <p:cNvPr id="6" name="Rectangle 5">
-            <a:extLst>
-              <a:ext uri="{FF2B5EF4-FFF2-40B4-BE49-F238E27FC236}">
-                <a16:creationId xmlns:a16="http://schemas.microsoft.com/office/drawing/2014/main" id="{A04FF89A-C39A-6A04-BA28-114412170F68}"/>
+      <p:sp>
+        <p:nvSpPr>
+          <p:cNvPr id="8" name="Rectangle 7">
+            <a:extLst>
+              <a:ext uri="{FF2B5EF4-FFF2-40B4-BE49-F238E27FC236}">
+                <a16:creationId xmlns:a16="http://schemas.microsoft.com/office/drawing/2014/main" id="{D718D96A-C1E8-918C-76AB-5B393A7629D2}"/>
               </a:ext>
             </a:extLst>
           </p:cNvPr>
@@ -7408,21 +7524,25 @@
         </p:nvSpPr>
         <p:spPr>
           <a:xfrm>
-            <a:off x="0" y="0"/>
-            <a:ext cx="18288000" cy="711200"/>
+            <a:off x="0" y="1143000"/>
+            <a:ext cx="18288000" cy="431800"/>
           </a:xfrm>
           <a:prstGeom prst="rect">
             <a:avLst/>
           </a:prstGeom>
           <a:solidFill>
-            <a:schemeClr val="accent5">
-              <a:lumMod val="60000"/>
-              <a:lumOff val="40000"/>
-            </a:schemeClr>
+            <a:schemeClr val="bg1"/>
           </a:solidFill>
           <a:ln>
             <a:noFill/>
           </a:ln>
+          <a:effectLst>
+            <a:outerShdw blurRad="50800" dist="38100" dir="5400000" algn="t" rotWithShape="0">
+              <a:prstClr val="black">
+                <a:alpha val="40000"/>
+              </a:prstClr>
+            </a:outerShdw>
+          </a:effectLst>
         </p:spPr>
         <p:style>
           <a:lnRef idx="2">
@@ -7451,10 +7571,10 @@
       </p:sp>
       <p:sp>
         <p:nvSpPr>
-          <p:cNvPr id="7" name="Rectangle 6">
-            <a:extLst>
-              <a:ext uri="{FF2B5EF4-FFF2-40B4-BE49-F238E27FC236}">
-                <a16:creationId xmlns:a16="http://schemas.microsoft.com/office/drawing/2014/main" id="{5B887175-78C1-3EBC-3965-4D801C800653}"/>
+          <p:cNvPr id="9" name="Rectangle: Rounded Corners 8">
+            <a:extLst>
+              <a:ext uri="{FF2B5EF4-FFF2-40B4-BE49-F238E27FC236}">
+                <a16:creationId xmlns:a16="http://schemas.microsoft.com/office/drawing/2014/main" id="{4EC1C09F-62E2-EF50-F9B0-FC177C8A238B}"/>
               </a:ext>
             </a:extLst>
           </p:cNvPr>
@@ -7463,21 +7583,27 @@
         </p:nvSpPr>
         <p:spPr>
           <a:xfrm>
-            <a:off x="0" y="485137"/>
-            <a:ext cx="18288000" cy="429768"/>
-          </a:xfrm>
-          <a:prstGeom prst="rect">
-            <a:avLst/>
+            <a:off x="211016" y="2148396"/>
+            <a:ext cx="13962183" cy="8031143"/>
+          </a:xfrm>
+          <a:prstGeom prst="roundRect">
+            <a:avLst>
+              <a:gd name="adj" fmla="val 1368"/>
+            </a:avLst>
           </a:prstGeom>
           <a:solidFill>
-            <a:schemeClr val="accent5">
-              <a:lumMod val="20000"/>
-              <a:lumOff val="80000"/>
+            <a:schemeClr val="bg1">
+              <a:lumMod val="95000"/>
             </a:schemeClr>
           </a:solidFill>
           <a:ln>
             <a:noFill/>
           </a:ln>
+          <a:effectLst>
+            <a:innerShdw blurRad="114300">
+              <a:prstClr val="black"/>
+            </a:innerShdw>
+          </a:effectLst>
         </p:spPr>
         <p:style>
           <a:lnRef idx="2">
@@ -7506,10 +7632,10 @@
       </p:sp>
       <p:sp>
         <p:nvSpPr>
-          <p:cNvPr id="8" name="Rectangle 7">
-            <a:extLst>
-              <a:ext uri="{FF2B5EF4-FFF2-40B4-BE49-F238E27FC236}">
-                <a16:creationId xmlns:a16="http://schemas.microsoft.com/office/drawing/2014/main" id="{5E6AA6A7-B2DE-B595-7405-9D326F5CE4C6}"/>
+          <p:cNvPr id="11" name="Rectangle: Rounded Corners 10">
+            <a:extLst>
+              <a:ext uri="{FF2B5EF4-FFF2-40B4-BE49-F238E27FC236}">
+                <a16:creationId xmlns:a16="http://schemas.microsoft.com/office/drawing/2014/main" id="{8BE1E079-B376-D2F6-2B6C-B24ADC616356}"/>
               </a:ext>
             </a:extLst>
           </p:cNvPr>
@@ -7518,24 +7644,26 @@
         </p:nvSpPr>
         <p:spPr>
           <a:xfrm>
-            <a:off x="0" y="950003"/>
-            <a:ext cx="18288000" cy="624798"/>
-          </a:xfrm>
-          <a:prstGeom prst="rect">
-            <a:avLst/>
+            <a:off x="14295472" y="2148397"/>
+            <a:ext cx="3781509" cy="8031142"/>
+          </a:xfrm>
+          <a:prstGeom prst="roundRect">
+            <a:avLst>
+              <a:gd name="adj" fmla="val 2449"/>
+            </a:avLst>
           </a:prstGeom>
           <a:solidFill>
-            <a:schemeClr val="bg1"/>
+            <a:schemeClr val="bg1">
+              <a:lumMod val="95000"/>
+            </a:schemeClr>
           </a:solidFill>
           <a:ln>
             <a:noFill/>
           </a:ln>
           <a:effectLst>
-            <a:outerShdw blurRad="50800" dist="38100" dir="5400000" algn="t" rotWithShape="0">
-              <a:prstClr val="black">
-                <a:alpha val="40000"/>
-              </a:prstClr>
-            </a:outerShdw>
+            <a:innerShdw blurRad="114300">
+              <a:prstClr val="black"/>
+            </a:innerShdw>
           </a:effectLst>
         </p:spPr>
         <p:style>
@@ -7565,10 +7693,258 @@
       </p:sp>
       <p:sp>
         <p:nvSpPr>
-          <p:cNvPr id="9" name="Rectangle: Rounded Corners 8">
-            <a:extLst>
-              <a:ext uri="{FF2B5EF4-FFF2-40B4-BE49-F238E27FC236}">
-                <a16:creationId xmlns:a16="http://schemas.microsoft.com/office/drawing/2014/main" id="{11FF9A20-0844-D115-C039-8A996832B426}"/>
+          <p:cNvPr id="12" name="TextBox 11">
+            <a:extLst>
+              <a:ext uri="{FF2B5EF4-FFF2-40B4-BE49-F238E27FC236}">
+                <a16:creationId xmlns:a16="http://schemas.microsoft.com/office/drawing/2014/main" id="{604DFEDE-2112-C147-EB56-ECFC041E2C8A}"/>
+              </a:ext>
+            </a:extLst>
+          </p:cNvPr>
+          <p:cNvSpPr txBox="1"/>
+          <p:nvPr/>
+        </p:nvSpPr>
+        <p:spPr>
+          <a:xfrm>
+            <a:off x="478005" y="1676933"/>
+            <a:ext cx="3625673" cy="369332"/>
+          </a:xfrm>
+          <a:prstGeom prst="rect">
+            <a:avLst/>
+          </a:prstGeom>
+          <a:noFill/>
+        </p:spPr>
+        <p:txBody>
+          <a:bodyPr wrap="none" rtlCol="0">
+            <a:spAutoFit/>
+          </a:bodyPr>
+          <a:lstStyle/>
+          <a:p>
+            <a:r>
+              <a:rPr lang="en-US" b="1" dirty="0">
+                <a:solidFill>
+                  <a:schemeClr val="bg2">
+                    <a:lumMod val="25000"/>
+                  </a:schemeClr>
+                </a:solidFill>
+              </a:rPr>
+              <a:t>Employee Performance Category</a:t>
+            </a:r>
+          </a:p>
+        </p:txBody>
+      </p:sp>
+      <p:pic>
+        <p:nvPicPr>
+          <p:cNvPr id="15" name="Picture 14" descr="A blue and black logo&#10;&#10;Description automatically generated">
+            <a:extLst>
+              <a:ext uri="{FF2B5EF4-FFF2-40B4-BE49-F238E27FC236}">
+                <a16:creationId xmlns:a16="http://schemas.microsoft.com/office/drawing/2014/main" id="{0B64CFAD-47A2-02B3-4C25-F1D665F2A1AB}"/>
+              </a:ext>
+            </a:extLst>
+          </p:cNvPr>
+          <p:cNvPicPr preferRelativeResize="0">
+            <a:picLocks noChangeAspect="1"/>
+          </p:cNvPicPr>
+          <p:nvPr/>
+        </p:nvPicPr>
+        <p:blipFill>
+          <a:blip r:embed="rId3" cstate="print">
+            <a:extLst>
+              <a:ext uri="{28A0092B-C50C-407E-A947-70E740481C1C}">
+                <a14:useLocalDpi xmlns:a14="http://schemas.microsoft.com/office/drawing/2010/main" val="0"/>
+              </a:ext>
+            </a:extLst>
+          </a:blip>
+          <a:srcRect l="27137" t="16710" r="25806" b="43169"/>
+          <a:stretch/>
+        </p:blipFill>
+        <p:spPr>
+          <a:xfrm>
+            <a:off x="111949" y="-34240"/>
+            <a:ext cx="732113" cy="732113"/>
+          </a:xfrm>
+          <a:prstGeom prst="rect">
+            <a:avLst/>
+          </a:prstGeom>
+        </p:spPr>
+      </p:pic>
+      <p:sp>
+        <p:nvSpPr>
+          <p:cNvPr id="16" name="TextBox 15">
+            <a:extLst>
+              <a:ext uri="{FF2B5EF4-FFF2-40B4-BE49-F238E27FC236}">
+                <a16:creationId xmlns:a16="http://schemas.microsoft.com/office/drawing/2014/main" id="{F5961638-58E0-87DF-DD24-ADF39AF849B6}"/>
+              </a:ext>
+            </a:extLst>
+          </p:cNvPr>
+          <p:cNvSpPr txBox="1"/>
+          <p:nvPr/>
+        </p:nvSpPr>
+        <p:spPr>
+          <a:xfrm>
+            <a:off x="815332" y="-22127"/>
+            <a:ext cx="5096267" cy="707886"/>
+          </a:xfrm>
+          <a:prstGeom prst="rect">
+            <a:avLst/>
+          </a:prstGeom>
+          <a:noFill/>
+        </p:spPr>
+        <p:txBody>
+          <a:bodyPr wrap="none" rtlCol="0">
+            <a:spAutoFit/>
+          </a:bodyPr>
+          <a:lstStyle/>
+          <a:p>
+            <a:r>
+              <a:rPr lang="en-US" sz="4000" b="1" dirty="0" err="1">
+                <a:solidFill>
+                  <a:schemeClr val="bg1"/>
+                </a:solidFill>
+                <a:latin typeface="Bahnschrift SemiBold SemiConden" panose="020B0502040204020203" pitchFamily="34" charset="0"/>
+              </a:rPr>
+              <a:t>TechCore</a:t>
+            </a:r>
+            <a:r>
+              <a:rPr lang="en-US" sz="4000" b="1" dirty="0">
+                <a:solidFill>
+                  <a:schemeClr val="bg1"/>
+                </a:solidFill>
+                <a:latin typeface="Bahnschrift SemiBold SemiConden" panose="020B0502040204020203" pitchFamily="34" charset="0"/>
+              </a:rPr>
+              <a:t> Innovation- HR</a:t>
+            </a:r>
+          </a:p>
+        </p:txBody>
+      </p:sp>
+      <p:sp>
+        <p:nvSpPr>
+          <p:cNvPr id="24" name="TextBox 23">
+            <a:extLst>
+              <a:ext uri="{FF2B5EF4-FFF2-40B4-BE49-F238E27FC236}">
+                <a16:creationId xmlns:a16="http://schemas.microsoft.com/office/drawing/2014/main" id="{76CDA129-7CD9-4B61-D59A-EFA3A2F7DA8E}"/>
+              </a:ext>
+            </a:extLst>
+          </p:cNvPr>
+          <p:cNvSpPr txBox="1"/>
+          <p:nvPr/>
+        </p:nvSpPr>
+        <p:spPr>
+          <a:xfrm>
+            <a:off x="602855" y="1181422"/>
+            <a:ext cx="643061" cy="369332"/>
+          </a:xfrm>
+          <a:prstGeom prst="rect">
+            <a:avLst/>
+          </a:prstGeom>
+          <a:noFill/>
+        </p:spPr>
+        <p:txBody>
+          <a:bodyPr wrap="none" rtlCol="0">
+            <a:spAutoFit/>
+          </a:bodyPr>
+          <a:lstStyle/>
+          <a:p>
+            <a:r>
+              <a:rPr lang="en-US" b="1" dirty="0">
+                <a:solidFill>
+                  <a:schemeClr val="bg2">
+                    <a:lumMod val="25000"/>
+                  </a:schemeClr>
+                </a:solidFill>
+              </a:rPr>
+              <a:t>Year</a:t>
+            </a:r>
+          </a:p>
+        </p:txBody>
+      </p:sp>
+      <p:sp>
+        <p:nvSpPr>
+          <p:cNvPr id="26" name="TextBox 25">
+            <a:extLst>
+              <a:ext uri="{FF2B5EF4-FFF2-40B4-BE49-F238E27FC236}">
+                <a16:creationId xmlns:a16="http://schemas.microsoft.com/office/drawing/2014/main" id="{21BFB7FB-D38D-FA2A-6358-500C354596C7}"/>
+              </a:ext>
+            </a:extLst>
+          </p:cNvPr>
+          <p:cNvSpPr txBox="1"/>
+          <p:nvPr/>
+        </p:nvSpPr>
+        <p:spPr>
+          <a:xfrm>
+            <a:off x="2720404" y="1181422"/>
+            <a:ext cx="1452642" cy="369332"/>
+          </a:xfrm>
+          <a:prstGeom prst="rect">
+            <a:avLst/>
+          </a:prstGeom>
+          <a:noFill/>
+        </p:spPr>
+        <p:txBody>
+          <a:bodyPr wrap="none" rtlCol="0">
+            <a:spAutoFit/>
+          </a:bodyPr>
+          <a:lstStyle/>
+          <a:p>
+            <a:r>
+              <a:rPr lang="en-US" b="1" dirty="0">
+                <a:solidFill>
+                  <a:schemeClr val="bg2">
+                    <a:lumMod val="25000"/>
+                  </a:schemeClr>
+                </a:solidFill>
+              </a:rPr>
+              <a:t>Department</a:t>
+            </a:r>
+          </a:p>
+        </p:txBody>
+      </p:sp>
+      <p:sp>
+        <p:nvSpPr>
+          <p:cNvPr id="10" name="TextBox 9">
+            <a:extLst>
+              <a:ext uri="{FF2B5EF4-FFF2-40B4-BE49-F238E27FC236}">
+                <a16:creationId xmlns:a16="http://schemas.microsoft.com/office/drawing/2014/main" id="{ED981460-AD1C-D7D1-100E-20EC34AE5420}"/>
+              </a:ext>
+            </a:extLst>
+          </p:cNvPr>
+          <p:cNvSpPr txBox="1"/>
+          <p:nvPr/>
+        </p:nvSpPr>
+        <p:spPr>
+          <a:xfrm>
+            <a:off x="14407365" y="1676933"/>
+            <a:ext cx="1162947" cy="369332"/>
+          </a:xfrm>
+          <a:prstGeom prst="rect">
+            <a:avLst/>
+          </a:prstGeom>
+          <a:noFill/>
+        </p:spPr>
+        <p:txBody>
+          <a:bodyPr wrap="none" rtlCol="0">
+            <a:spAutoFit/>
+          </a:bodyPr>
+          <a:lstStyle/>
+          <a:p>
+            <a:r>
+              <a:rPr lang="en-US" b="1" dirty="0">
+                <a:solidFill>
+                  <a:schemeClr val="bg2">
+                    <a:lumMod val="25000"/>
+                  </a:schemeClr>
+                </a:solidFill>
+              </a:rPr>
+              <a:t>Overview</a:t>
+            </a:r>
+          </a:p>
+        </p:txBody>
+      </p:sp>
+      <p:sp>
+        <p:nvSpPr>
+          <p:cNvPr id="2" name="Arrow: Up 1">
+            <a:extLst>
+              <a:ext uri="{FF2B5EF4-FFF2-40B4-BE49-F238E27FC236}">
+                <a16:creationId xmlns:a16="http://schemas.microsoft.com/office/drawing/2014/main" id="{A5B816A2-E03D-F0A8-F620-7B012596DAD2}"/>
               </a:ext>
             </a:extLst>
           </p:cNvPr>
@@ -7577,27 +7953,20 @@
         </p:nvSpPr>
         <p:spPr>
           <a:xfrm>
-            <a:off x="1742536" y="2245948"/>
-            <a:ext cx="16334448" cy="3868614"/>
-          </a:xfrm>
-          <a:prstGeom prst="roundRect">
-            <a:avLst>
-              <a:gd name="adj" fmla="val 7996"/>
-            </a:avLst>
+            <a:off x="256736" y="2301578"/>
+            <a:ext cx="914400" cy="7321869"/>
+          </a:xfrm>
+          <a:prstGeom prst="upArrow">
+            <a:avLst/>
           </a:prstGeom>
           <a:solidFill>
-            <a:schemeClr val="bg1">
-              <a:lumMod val="95000"/>
+            <a:schemeClr val="accent5">
+              <a:lumMod val="75000"/>
             </a:schemeClr>
           </a:solidFill>
           <a:ln>
             <a:noFill/>
           </a:ln>
-          <a:effectLst>
-            <a:innerShdw blurRad="114300">
-              <a:prstClr val="black"/>
-            </a:innerShdw>
-          </a:effectLst>
         </p:spPr>
         <p:style>
           <a:lnRef idx="2">
@@ -7616,20 +7985,23 @@
           </a:fontRef>
         </p:style>
         <p:txBody>
-          <a:bodyPr rtlCol="0" anchor="ctr"/>
+          <a:bodyPr vert="vert270" rtlCol="0" anchor="ctr"/>
           <a:lstStyle/>
           <a:p>
             <a:pPr algn="ctr"/>
-            <a:endParaRPr lang="en-US"/>
-          </a:p>
-        </p:txBody>
-      </p:sp>
-      <p:sp>
-        <p:nvSpPr>
-          <p:cNvPr id="11" name="Rectangle: Rounded Corners 10">
-            <a:extLst>
-              <a:ext uri="{FF2B5EF4-FFF2-40B4-BE49-F238E27FC236}">
-                <a16:creationId xmlns:a16="http://schemas.microsoft.com/office/drawing/2014/main" id="{989D40BF-7DA5-B296-42D8-83DE43E1CD4B}"/>
+            <a:r>
+              <a:rPr lang="en-US" sz="2800" b="1" dirty="0"/>
+              <a:t>Potential</a:t>
+            </a:r>
+          </a:p>
+        </p:txBody>
+      </p:sp>
+      <p:sp>
+        <p:nvSpPr>
+          <p:cNvPr id="3" name="Arrow: Right 2">
+            <a:extLst>
+              <a:ext uri="{FF2B5EF4-FFF2-40B4-BE49-F238E27FC236}">
+                <a16:creationId xmlns:a16="http://schemas.microsoft.com/office/drawing/2014/main" id="{DBFEB892-299A-FEFC-8F44-E01621B57E68}"/>
               </a:ext>
             </a:extLst>
           </p:cNvPr>
@@ -7638,27 +8010,20 @@
         </p:nvSpPr>
         <p:spPr>
           <a:xfrm>
-            <a:off x="1720552" y="6471138"/>
-            <a:ext cx="16356430" cy="3708403"/>
-          </a:xfrm>
-          <a:prstGeom prst="roundRect">
-            <a:avLst>
-              <a:gd name="adj" fmla="val 7996"/>
-            </a:avLst>
+            <a:off x="494127" y="9219419"/>
+            <a:ext cx="13515890" cy="914400"/>
+          </a:xfrm>
+          <a:prstGeom prst="rightArrow">
+            <a:avLst/>
           </a:prstGeom>
           <a:solidFill>
-            <a:schemeClr val="bg1">
-              <a:lumMod val="95000"/>
+            <a:schemeClr val="accent5">
+              <a:lumMod val="75000"/>
             </a:schemeClr>
           </a:solidFill>
           <a:ln>
             <a:noFill/>
           </a:ln>
-          <a:effectLst>
-            <a:innerShdw blurRad="114300">
-              <a:prstClr val="black"/>
-            </a:innerShdw>
-          </a:effectLst>
         </p:spPr>
         <p:style>
           <a:lnRef idx="2">
@@ -7677,309 +8042,23 @@
           </a:fontRef>
         </p:style>
         <p:txBody>
-          <a:bodyPr rtlCol="0" anchor="ctr"/>
+          <a:bodyPr vert="horz" rtlCol="0" anchor="ctr"/>
           <a:lstStyle/>
           <a:p>
             <a:pPr algn="ctr"/>
-            <a:endParaRPr lang="en-US"/>
-          </a:p>
-        </p:txBody>
-      </p:sp>
-      <p:sp>
-        <p:nvSpPr>
-          <p:cNvPr id="12" name="TextBox 11">
-            <a:extLst>
-              <a:ext uri="{FF2B5EF4-FFF2-40B4-BE49-F238E27FC236}">
-                <a16:creationId xmlns:a16="http://schemas.microsoft.com/office/drawing/2014/main" id="{5E4E794C-B731-F795-F3EC-6429EDF01C4E}"/>
-              </a:ext>
-            </a:extLst>
-          </p:cNvPr>
-          <p:cNvSpPr txBox="1"/>
-          <p:nvPr/>
-        </p:nvSpPr>
-        <p:spPr>
-          <a:xfrm>
-            <a:off x="1699209" y="1796733"/>
-            <a:ext cx="6173806" cy="369332"/>
-          </a:xfrm>
-          <a:prstGeom prst="rect">
-            <a:avLst/>
-          </a:prstGeom>
-          <a:noFill/>
-        </p:spPr>
-        <p:txBody>
-          <a:bodyPr wrap="none" rtlCol="0">
-            <a:spAutoFit/>
-          </a:bodyPr>
-          <a:lstStyle/>
-          <a:p>
-            <a:r>
-              <a:rPr lang="en-US" b="1" dirty="0">
-                <a:solidFill>
-                  <a:schemeClr val="bg2">
-                    <a:lumMod val="25000"/>
-                  </a:schemeClr>
-                </a:solidFill>
-              </a:rPr>
-              <a:t>% Distinct  ID by Organization Level &amp; Performance Rating</a:t>
-            </a:r>
-          </a:p>
-        </p:txBody>
-      </p:sp>
-      <p:pic>
-        <p:nvPicPr>
-          <p:cNvPr id="15" name="Picture 14" descr="A blue and black logo&#10;&#10;Description automatically generated">
-            <a:extLst>
-              <a:ext uri="{FF2B5EF4-FFF2-40B4-BE49-F238E27FC236}">
-                <a16:creationId xmlns:a16="http://schemas.microsoft.com/office/drawing/2014/main" id="{7B3B71A6-0CD1-5749-D39E-20B085C4483F}"/>
-              </a:ext>
-            </a:extLst>
-          </p:cNvPr>
-          <p:cNvPicPr preferRelativeResize="0">
-            <a:picLocks noChangeAspect="1"/>
-          </p:cNvPicPr>
-          <p:nvPr/>
-        </p:nvPicPr>
-        <p:blipFill>
-          <a:blip r:embed="rId2" cstate="print">
-            <a:extLst>
-              <a:ext uri="{28A0092B-C50C-407E-A947-70E740481C1C}">
-                <a14:useLocalDpi xmlns:a14="http://schemas.microsoft.com/office/drawing/2010/main" val="0"/>
-              </a:ext>
-            </a:extLst>
-          </a:blip>
-          <a:srcRect l="27137" t="16710" r="25806" b="43169"/>
-          <a:stretch/>
-        </p:blipFill>
-        <p:spPr>
-          <a:xfrm>
-            <a:off x="111949" y="-34239"/>
-            <a:ext cx="732113" cy="615552"/>
-          </a:xfrm>
-          <a:prstGeom prst="rect">
-            <a:avLst/>
-          </a:prstGeom>
-        </p:spPr>
-      </p:pic>
-      <p:sp>
-        <p:nvSpPr>
-          <p:cNvPr id="16" name="TextBox 15">
-            <a:extLst>
-              <a:ext uri="{FF2B5EF4-FFF2-40B4-BE49-F238E27FC236}">
-                <a16:creationId xmlns:a16="http://schemas.microsoft.com/office/drawing/2014/main" id="{D9F232C5-4844-306F-FC83-CDE14DCA5006}"/>
-              </a:ext>
-            </a:extLst>
-          </p:cNvPr>
-          <p:cNvSpPr txBox="1"/>
-          <p:nvPr/>
-        </p:nvSpPr>
-        <p:spPr>
-          <a:xfrm>
-            <a:off x="815332" y="-22127"/>
-            <a:ext cx="4363695" cy="615553"/>
-          </a:xfrm>
-          <a:prstGeom prst="rect">
-            <a:avLst/>
-          </a:prstGeom>
-          <a:noFill/>
-        </p:spPr>
-        <p:txBody>
-          <a:bodyPr wrap="none" rtlCol="0">
-            <a:spAutoFit/>
-          </a:bodyPr>
-          <a:lstStyle/>
-          <a:p>
-            <a:r>
-              <a:rPr lang="en-US" sz="3400" b="1" dirty="0" err="1">
-                <a:solidFill>
-                  <a:schemeClr val="bg1"/>
-                </a:solidFill>
-                <a:latin typeface="Bahnschrift SemiBold SemiConden" panose="020B0502040204020203" pitchFamily="34" charset="0"/>
-              </a:rPr>
-              <a:t>TechCore</a:t>
-            </a:r>
-            <a:r>
-              <a:rPr lang="en-US" sz="3400" b="1" dirty="0">
-                <a:solidFill>
-                  <a:schemeClr val="bg1"/>
-                </a:solidFill>
-                <a:latin typeface="Bahnschrift SemiBold SemiConden" panose="020B0502040204020203" pitchFamily="34" charset="0"/>
-              </a:rPr>
-              <a:t> Innovation- HR</a:t>
-            </a:r>
-          </a:p>
-        </p:txBody>
-      </p:sp>
-      <p:sp>
-        <p:nvSpPr>
-          <p:cNvPr id="22" name="TextBox 21">
-            <a:extLst>
-              <a:ext uri="{FF2B5EF4-FFF2-40B4-BE49-F238E27FC236}">
-                <a16:creationId xmlns:a16="http://schemas.microsoft.com/office/drawing/2014/main" id="{1BF2CFAC-1182-F216-401C-7EF4AD1C42B9}"/>
-              </a:ext>
-            </a:extLst>
-          </p:cNvPr>
-          <p:cNvSpPr txBox="1"/>
-          <p:nvPr/>
-        </p:nvSpPr>
-        <p:spPr>
-          <a:xfrm>
-            <a:off x="1931892" y="6103199"/>
-            <a:ext cx="6286849" cy="369332"/>
-          </a:xfrm>
-          <a:prstGeom prst="rect">
-            <a:avLst/>
-          </a:prstGeom>
-          <a:noFill/>
-        </p:spPr>
-        <p:txBody>
-          <a:bodyPr wrap="none" rtlCol="0">
-            <a:spAutoFit/>
-          </a:bodyPr>
-          <a:lstStyle/>
-          <a:p>
-            <a:r>
-              <a:rPr lang="en-US" b="1" dirty="0">
-                <a:solidFill>
-                  <a:schemeClr val="bg2">
-                    <a:lumMod val="25000"/>
-                  </a:schemeClr>
-                </a:solidFill>
-              </a:rPr>
-              <a:t>Distinct Count of ID by Age Category &amp; Performance Rating</a:t>
-            </a:r>
-          </a:p>
-        </p:txBody>
-      </p:sp>
-      <p:sp>
-        <p:nvSpPr>
-          <p:cNvPr id="23" name="TextBox 22">
-            <a:extLst>
-              <a:ext uri="{FF2B5EF4-FFF2-40B4-BE49-F238E27FC236}">
-                <a16:creationId xmlns:a16="http://schemas.microsoft.com/office/drawing/2014/main" id="{8C188731-E3D6-4A79-BCE1-AF150E249E2A}"/>
-              </a:ext>
-            </a:extLst>
-          </p:cNvPr>
-          <p:cNvSpPr txBox="1"/>
-          <p:nvPr/>
-        </p:nvSpPr>
-        <p:spPr>
-          <a:xfrm>
-            <a:off x="10214761" y="6091836"/>
-            <a:ext cx="6169189" cy="369332"/>
-          </a:xfrm>
-          <a:prstGeom prst="rect">
-            <a:avLst/>
-          </a:prstGeom>
-          <a:noFill/>
-        </p:spPr>
-        <p:txBody>
-          <a:bodyPr wrap="none" rtlCol="0">
-            <a:spAutoFit/>
-          </a:bodyPr>
-          <a:lstStyle/>
-          <a:p>
-            <a:r>
-              <a:rPr lang="en-US" b="1" dirty="0">
-                <a:solidFill>
-                  <a:schemeClr val="bg2">
-                    <a:lumMod val="25000"/>
-                  </a:schemeClr>
-                </a:solidFill>
-              </a:rPr>
-              <a:t>Distinct Count of ID by Department &amp; Performance Rating</a:t>
-            </a:r>
-          </a:p>
-        </p:txBody>
-      </p:sp>
-      <p:sp>
-        <p:nvSpPr>
-          <p:cNvPr id="2" name="TextBox 1">
-            <a:extLst>
-              <a:ext uri="{FF2B5EF4-FFF2-40B4-BE49-F238E27FC236}">
-                <a16:creationId xmlns:a16="http://schemas.microsoft.com/office/drawing/2014/main" id="{2025EA4A-1E02-2C79-E54F-4FB797D4979D}"/>
-              </a:ext>
-            </a:extLst>
-          </p:cNvPr>
-          <p:cNvSpPr txBox="1"/>
-          <p:nvPr/>
-        </p:nvSpPr>
-        <p:spPr>
-          <a:xfrm>
-            <a:off x="602855" y="1181422"/>
-            <a:ext cx="2964658" cy="369332"/>
-          </a:xfrm>
-          <a:prstGeom prst="rect">
-            <a:avLst/>
-          </a:prstGeom>
-          <a:noFill/>
-        </p:spPr>
-        <p:txBody>
-          <a:bodyPr wrap="none" rtlCol="0">
-            <a:spAutoFit/>
-          </a:bodyPr>
-          <a:lstStyle/>
-          <a:p>
-            <a:r>
-              <a:rPr lang="en-US" b="1" dirty="0">
-                <a:solidFill>
-                  <a:schemeClr val="bg2">
-                    <a:lumMod val="25000"/>
-                  </a:schemeClr>
-                </a:solidFill>
-              </a:rPr>
-              <a:t>Performance Review Years</a:t>
-            </a:r>
-          </a:p>
-        </p:txBody>
-      </p:sp>
-      <p:sp>
-        <p:nvSpPr>
-          <p:cNvPr id="3" name="TextBox 2">
-            <a:extLst>
-              <a:ext uri="{FF2B5EF4-FFF2-40B4-BE49-F238E27FC236}">
-                <a16:creationId xmlns:a16="http://schemas.microsoft.com/office/drawing/2014/main" id="{60ADE241-E92F-80F4-3A77-7B51909B0DF4}"/>
-              </a:ext>
-            </a:extLst>
-          </p:cNvPr>
-          <p:cNvSpPr txBox="1"/>
-          <p:nvPr/>
-        </p:nvSpPr>
-        <p:spPr>
-          <a:xfrm>
-            <a:off x="10214761" y="1725708"/>
-            <a:ext cx="5305315" cy="369332"/>
-          </a:xfrm>
-          <a:prstGeom prst="rect">
-            <a:avLst/>
-          </a:prstGeom>
-          <a:noFill/>
-        </p:spPr>
-        <p:txBody>
-          <a:bodyPr wrap="square" rtlCol="0">
-            <a:spAutoFit/>
-          </a:bodyPr>
-          <a:lstStyle/>
-          <a:p>
-            <a:r>
-              <a:rPr lang="en-US" b="1" dirty="0">
-                <a:solidFill>
-                  <a:schemeClr val="bg2">
-                    <a:lumMod val="25000"/>
-                  </a:schemeClr>
-                </a:solidFill>
-              </a:rPr>
-              <a:t>% Distinct ID by Gender &amp; Performance Rating</a:t>
-            </a:r>
-          </a:p>
-        </p:txBody>
-      </p:sp>
-      <p:sp>
-        <p:nvSpPr>
-          <p:cNvPr id="10" name="Rectangle: Rounded Corners 9">
-            <a:extLst>
-              <a:ext uri="{FF2B5EF4-FFF2-40B4-BE49-F238E27FC236}">
-                <a16:creationId xmlns:a16="http://schemas.microsoft.com/office/drawing/2014/main" id="{605A54F8-FE26-EBB1-FD27-18444BF92EB2}"/>
+            <a:r>
+              <a:rPr lang="en-US" sz="2800" b="1" dirty="0"/>
+              <a:t>Performance</a:t>
+            </a:r>
+          </a:p>
+        </p:txBody>
+      </p:sp>
+      <p:sp>
+        <p:nvSpPr>
+          <p:cNvPr id="4" name="Rectangle: Rounded Corners 3">
+            <a:extLst>
+              <a:ext uri="{FF2B5EF4-FFF2-40B4-BE49-F238E27FC236}">
+                <a16:creationId xmlns:a16="http://schemas.microsoft.com/office/drawing/2014/main" id="{D350753B-62AC-6AB8-96BB-1B6210C98018}"/>
               </a:ext>
             </a:extLst>
           </p:cNvPr>
@@ -7988,12 +8067,12 @@
         </p:nvSpPr>
         <p:spPr>
           <a:xfrm>
-            <a:off x="111949" y="4178816"/>
-            <a:ext cx="1587260" cy="3708403"/>
+            <a:off x="1226100" y="2301578"/>
+            <a:ext cx="4023360" cy="2194560"/>
           </a:xfrm>
           <a:prstGeom prst="roundRect">
             <a:avLst>
-              <a:gd name="adj" fmla="val 13714"/>
+              <a:gd name="adj" fmla="val 2449"/>
             </a:avLst>
           </a:prstGeom>
           <a:solidFill>
@@ -8037,92 +8116,10 @@
       </p:sp>
       <p:sp>
         <p:nvSpPr>
-          <p:cNvPr id="19" name="TextBox 18">
-            <a:extLst>
-              <a:ext uri="{FF2B5EF4-FFF2-40B4-BE49-F238E27FC236}">
-                <a16:creationId xmlns:a16="http://schemas.microsoft.com/office/drawing/2014/main" id="{7819D603-D3D1-6B3C-0482-59BC648104E2}"/>
-              </a:ext>
-            </a:extLst>
-          </p:cNvPr>
-          <p:cNvSpPr txBox="1"/>
-          <p:nvPr/>
-        </p:nvSpPr>
-        <p:spPr>
-          <a:xfrm>
-            <a:off x="167923" y="4307387"/>
-            <a:ext cx="1475311" cy="646331"/>
-          </a:xfrm>
-          <a:prstGeom prst="rect">
-            <a:avLst/>
-          </a:prstGeom>
-          <a:noFill/>
-        </p:spPr>
-        <p:txBody>
-          <a:bodyPr wrap="square" rtlCol="0">
-            <a:spAutoFit/>
-          </a:bodyPr>
-          <a:lstStyle/>
-          <a:p>
-            <a:pPr algn="ctr"/>
-            <a:r>
-              <a:rPr lang="en-US" b="1" dirty="0"/>
-              <a:t>Distinct ID (Year)</a:t>
-            </a:r>
-          </a:p>
-        </p:txBody>
-      </p:sp>
-    </p:spTree>
-    <p:extLst>
-      <p:ext uri="{BB962C8B-B14F-4D97-AF65-F5344CB8AC3E}">
-        <p14:creationId xmlns:p14="http://schemas.microsoft.com/office/powerpoint/2010/main" val="3602357034"/>
-      </p:ext>
-    </p:extLst>
-  </p:cSld>
-  <p:clrMapOvr>
-    <a:masterClrMapping/>
-  </p:clrMapOvr>
-</p:sld>
-</file>
-
-<file path=ppt/slides/slide16.xml><?xml version="1.0" encoding="utf-8"?>
-<p:sld xmlns:a="http://schemas.openxmlformats.org/drawingml/2006/main" xmlns:r="http://schemas.openxmlformats.org/officeDocument/2006/relationships" xmlns:p="http://schemas.openxmlformats.org/presentationml/2006/main">
-  <p:cSld>
-    <p:bg>
-      <p:bgPr>
-        <a:solidFill>
-          <a:schemeClr val="bg1">
-            <a:lumMod val="95000"/>
-          </a:schemeClr>
-        </a:solidFill>
-        <a:effectLst/>
-      </p:bgPr>
-    </p:bg>
-    <p:spTree>
-      <p:nvGrpSpPr>
-        <p:cNvPr id="1" name="">
-          <a:extLst>
-            <a:ext uri="{FF2B5EF4-FFF2-40B4-BE49-F238E27FC236}">
-              <a16:creationId xmlns:a16="http://schemas.microsoft.com/office/drawing/2014/main" id="{8A429DED-1582-7DE0-59E4-21F3A5213641}"/>
-            </a:ext>
-          </a:extLst>
-        </p:cNvPr>
-        <p:cNvGrpSpPr/>
-        <p:nvPr/>
-      </p:nvGrpSpPr>
-      <p:grpSpPr>
-        <a:xfrm>
-          <a:off x="0" y="0"/>
-          <a:ext cx="0" cy="0"/>
-          <a:chOff x="0" y="0"/>
-          <a:chExt cx="0" cy="0"/>
-        </a:xfrm>
-      </p:grpSpPr>
-      <p:sp>
-        <p:nvSpPr>
-          <p:cNvPr id="6" name="Rectangle 5">
-            <a:extLst>
-              <a:ext uri="{FF2B5EF4-FFF2-40B4-BE49-F238E27FC236}">
-                <a16:creationId xmlns:a16="http://schemas.microsoft.com/office/drawing/2014/main" id="{E779E9B1-B03F-9370-5D5B-D36F155A4FC1}"/>
+          <p:cNvPr id="5" name="Rectangle: Rounded Corners 4">
+            <a:extLst>
+              <a:ext uri="{FF2B5EF4-FFF2-40B4-BE49-F238E27FC236}">
+                <a16:creationId xmlns:a16="http://schemas.microsoft.com/office/drawing/2014/main" id="{2FB6C6A1-3065-DDC7-4DB6-9F2305B6F5E6}"/>
               </a:ext>
             </a:extLst>
           </p:cNvPr>
@@ -8131,21 +8128,28 @@
         </p:nvSpPr>
         <p:spPr>
           <a:xfrm>
-            <a:off x="0" y="0"/>
-            <a:ext cx="18288000" cy="711200"/>
-          </a:xfrm>
-          <a:prstGeom prst="rect">
-            <a:avLst/>
+            <a:off x="1226100" y="6982292"/>
+            <a:ext cx="4023360" cy="2194560"/>
+          </a:xfrm>
+          <a:prstGeom prst="roundRect">
+            <a:avLst>
+              <a:gd name="adj" fmla="val 2449"/>
+            </a:avLst>
           </a:prstGeom>
           <a:solidFill>
-            <a:schemeClr val="accent5">
-              <a:lumMod val="60000"/>
-              <a:lumOff val="40000"/>
+            <a:schemeClr val="accent2">
+              <a:lumMod val="20000"/>
+              <a:lumOff val="80000"/>
             </a:schemeClr>
           </a:solidFill>
           <a:ln>
             <a:noFill/>
           </a:ln>
+          <a:effectLst>
+            <a:innerShdw blurRad="114300">
+              <a:prstClr val="black"/>
+            </a:innerShdw>
+          </a:effectLst>
         </p:spPr>
         <p:style>
           <a:lnRef idx="2">
@@ -8174,10 +8178,10 @@
       </p:sp>
       <p:sp>
         <p:nvSpPr>
-          <p:cNvPr id="7" name="Rectangle 6">
-            <a:extLst>
-              <a:ext uri="{FF2B5EF4-FFF2-40B4-BE49-F238E27FC236}">
-                <a16:creationId xmlns:a16="http://schemas.microsoft.com/office/drawing/2014/main" id="{9A6DFB50-A06B-339C-0EC4-0551F674C052}"/>
+          <p:cNvPr id="13" name="Rectangle: Rounded Corners 12">
+            <a:extLst>
+              <a:ext uri="{FF2B5EF4-FFF2-40B4-BE49-F238E27FC236}">
+                <a16:creationId xmlns:a16="http://schemas.microsoft.com/office/drawing/2014/main" id="{99C66B14-C370-B262-926E-2066099EE068}"/>
               </a:ext>
             </a:extLst>
           </p:cNvPr>
@@ -8186,14 +8190,16 @@
         </p:nvSpPr>
         <p:spPr>
           <a:xfrm>
-            <a:off x="0" y="550945"/>
-            <a:ext cx="18287999" cy="429768"/>
-          </a:xfrm>
-          <a:prstGeom prst="rect">
-            <a:avLst/>
+            <a:off x="1226100" y="4641935"/>
+            <a:ext cx="4023360" cy="2194560"/>
+          </a:xfrm>
+          <a:prstGeom prst="roundRect">
+            <a:avLst>
+              <a:gd name="adj" fmla="val 2449"/>
+            </a:avLst>
           </a:prstGeom>
           <a:solidFill>
-            <a:schemeClr val="accent5">
+            <a:schemeClr val="accent2">
               <a:lumMod val="20000"/>
               <a:lumOff val="80000"/>
             </a:schemeClr>
@@ -8201,6 +8207,11 @@
           <a:ln>
             <a:noFill/>
           </a:ln>
+          <a:effectLst>
+            <a:innerShdw blurRad="114300">
+              <a:prstClr val="black"/>
+            </a:innerShdw>
+          </a:effectLst>
         </p:spPr>
         <p:style>
           <a:lnRef idx="2">
@@ -8229,10 +8240,10 @@
       </p:sp>
       <p:sp>
         <p:nvSpPr>
-          <p:cNvPr id="8" name="Rectangle 7">
-            <a:extLst>
-              <a:ext uri="{FF2B5EF4-FFF2-40B4-BE49-F238E27FC236}">
-                <a16:creationId xmlns:a16="http://schemas.microsoft.com/office/drawing/2014/main" id="{B497C21D-4064-8291-50A9-974C19D4D22A}"/>
+          <p:cNvPr id="14" name="Rectangle: Rounded Corners 13">
+            <a:extLst>
+              <a:ext uri="{FF2B5EF4-FFF2-40B4-BE49-F238E27FC236}">
+                <a16:creationId xmlns:a16="http://schemas.microsoft.com/office/drawing/2014/main" id="{3EA0999D-8EF9-9140-883F-270F73DD8005}"/>
               </a:ext>
             </a:extLst>
           </p:cNvPr>
@@ -8241,24 +8252,27 @@
         </p:nvSpPr>
         <p:spPr>
           <a:xfrm>
-            <a:off x="0" y="948906"/>
-            <a:ext cx="18288000" cy="603371"/>
-          </a:xfrm>
-          <a:prstGeom prst="rect">
-            <a:avLst/>
+            <a:off x="9986657" y="2301578"/>
+            <a:ext cx="4023360" cy="2194560"/>
+          </a:xfrm>
+          <a:prstGeom prst="roundRect">
+            <a:avLst>
+              <a:gd name="adj" fmla="val 2449"/>
+            </a:avLst>
           </a:prstGeom>
           <a:solidFill>
-            <a:schemeClr val="bg1"/>
+            <a:schemeClr val="accent5">
+              <a:lumMod val="20000"/>
+              <a:lumOff val="80000"/>
+            </a:schemeClr>
           </a:solidFill>
           <a:ln>
             <a:noFill/>
           </a:ln>
           <a:effectLst>
-            <a:outerShdw blurRad="50800" dist="38100" dir="16200000" rotWithShape="0">
-              <a:prstClr val="black">
-                <a:alpha val="40000"/>
-              </a:prstClr>
-            </a:outerShdw>
+            <a:innerShdw blurRad="114300">
+              <a:prstClr val="black"/>
+            </a:innerShdw>
           </a:effectLst>
         </p:spPr>
         <p:style>
@@ -8286,137 +8300,12 @@
           </a:p>
         </p:txBody>
       </p:sp>
-      <p:pic>
-        <p:nvPicPr>
-          <p:cNvPr id="15" name="Picture 14" descr="A blue and black logo&#10;&#10;Description automatically generated">
-            <a:extLst>
-              <a:ext uri="{FF2B5EF4-FFF2-40B4-BE49-F238E27FC236}">
-                <a16:creationId xmlns:a16="http://schemas.microsoft.com/office/drawing/2014/main" id="{117A8837-2D64-CCFB-610D-CF805B71B883}"/>
-              </a:ext>
-            </a:extLst>
-          </p:cNvPr>
-          <p:cNvPicPr preferRelativeResize="0">
-            <a:picLocks noChangeAspect="1"/>
-          </p:cNvPicPr>
-          <p:nvPr/>
-        </p:nvPicPr>
-        <p:blipFill>
-          <a:blip r:embed="rId2" cstate="print">
-            <a:extLst>
-              <a:ext uri="{28A0092B-C50C-407E-A947-70E740481C1C}">
-                <a14:useLocalDpi xmlns:a14="http://schemas.microsoft.com/office/drawing/2010/main" val="0"/>
-              </a:ext>
-            </a:extLst>
-          </a:blip>
-          <a:srcRect l="27137" t="16710" r="25806" b="43169"/>
-          <a:stretch/>
-        </p:blipFill>
-        <p:spPr>
-          <a:xfrm>
-            <a:off x="83218" y="-68358"/>
-            <a:ext cx="732113" cy="732113"/>
-          </a:xfrm>
-          <a:prstGeom prst="rect">
-            <a:avLst/>
-          </a:prstGeom>
-        </p:spPr>
-      </p:pic>
-      <p:sp>
-        <p:nvSpPr>
-          <p:cNvPr id="16" name="TextBox 15">
-            <a:extLst>
-              <a:ext uri="{FF2B5EF4-FFF2-40B4-BE49-F238E27FC236}">
-                <a16:creationId xmlns:a16="http://schemas.microsoft.com/office/drawing/2014/main" id="{E607B7B9-D454-5CCD-EA99-2E7D3219F94B}"/>
-              </a:ext>
-            </a:extLst>
-          </p:cNvPr>
-          <p:cNvSpPr txBox="1"/>
-          <p:nvPr/>
-        </p:nvSpPr>
-        <p:spPr>
-          <a:xfrm>
-            <a:off x="815332" y="-22127"/>
-            <a:ext cx="4363695" cy="615553"/>
-          </a:xfrm>
-          <a:prstGeom prst="rect">
-            <a:avLst/>
-          </a:prstGeom>
-          <a:noFill/>
-        </p:spPr>
-        <p:txBody>
-          <a:bodyPr wrap="none" rtlCol="0">
-            <a:spAutoFit/>
-          </a:bodyPr>
-          <a:lstStyle/>
-          <a:p>
-            <a:r>
-              <a:rPr lang="en-US" sz="3400" b="1" dirty="0" err="1">
-                <a:solidFill>
-                  <a:schemeClr val="bg1"/>
-                </a:solidFill>
-                <a:latin typeface="Bahnschrift SemiBold SemiConden" panose="020B0502040204020203" pitchFamily="34" charset="0"/>
-              </a:rPr>
-              <a:t>TechCore</a:t>
-            </a:r>
-            <a:r>
-              <a:rPr lang="en-US" sz="3400" b="1" dirty="0">
-                <a:solidFill>
-                  <a:schemeClr val="bg1"/>
-                </a:solidFill>
-                <a:latin typeface="Bahnschrift SemiBold SemiConden" panose="020B0502040204020203" pitchFamily="34" charset="0"/>
-              </a:rPr>
-              <a:t> Innovation- HR</a:t>
-            </a:r>
-          </a:p>
-        </p:txBody>
-      </p:sp>
-      <p:sp>
-        <p:nvSpPr>
-          <p:cNvPr id="2" name="TextBox 1">
-            <a:extLst>
-              <a:ext uri="{FF2B5EF4-FFF2-40B4-BE49-F238E27FC236}">
-                <a16:creationId xmlns:a16="http://schemas.microsoft.com/office/drawing/2014/main" id="{7A8A2CF0-BA98-E97B-E7A9-C05A7D79E97B}"/>
-              </a:ext>
-            </a:extLst>
-          </p:cNvPr>
-          <p:cNvSpPr txBox="1"/>
-          <p:nvPr/>
-        </p:nvSpPr>
-        <p:spPr>
-          <a:xfrm>
-            <a:off x="140099" y="1168441"/>
-            <a:ext cx="2848280" cy="369332"/>
-          </a:xfrm>
-          <a:prstGeom prst="rect">
-            <a:avLst/>
-          </a:prstGeom>
-          <a:noFill/>
-        </p:spPr>
-        <p:txBody>
-          <a:bodyPr wrap="none" rtlCol="0">
-            <a:spAutoFit/>
-          </a:bodyPr>
-          <a:lstStyle/>
-          <a:p>
-            <a:r>
-              <a:rPr lang="en-US" b="1" dirty="0">
-                <a:solidFill>
-                  <a:schemeClr val="bg2">
-                    <a:lumMod val="25000"/>
-                  </a:schemeClr>
-                </a:solidFill>
-              </a:rPr>
-              <a:t>Performance Review Year</a:t>
-            </a:r>
-          </a:p>
-        </p:txBody>
-      </p:sp>
-      <p:sp>
-        <p:nvSpPr>
-          <p:cNvPr id="3" name="Rectangle: Rounded Corners 2">
-            <a:extLst>
-              <a:ext uri="{FF2B5EF4-FFF2-40B4-BE49-F238E27FC236}">
-                <a16:creationId xmlns:a16="http://schemas.microsoft.com/office/drawing/2014/main" id="{51F7CC74-C150-702A-F2B4-A4A37DDEDEB5}"/>
+      <p:sp>
+        <p:nvSpPr>
+          <p:cNvPr id="17" name="Rectangle: Rounded Corners 16">
+            <a:extLst>
+              <a:ext uri="{FF2B5EF4-FFF2-40B4-BE49-F238E27FC236}">
+                <a16:creationId xmlns:a16="http://schemas.microsoft.com/office/drawing/2014/main" id="{282CF723-4D92-4398-F737-98942733F0A1}"/>
               </a:ext>
             </a:extLst>
           </p:cNvPr>
@@ -8425,8 +8314,8 @@
         </p:nvSpPr>
         <p:spPr>
           <a:xfrm>
-            <a:off x="815331" y="2282527"/>
-            <a:ext cx="4136231" cy="3591221"/>
+            <a:off x="9986657" y="6982292"/>
+            <a:ext cx="4023360" cy="2194560"/>
           </a:xfrm>
           <a:prstGeom prst="roundRect">
             <a:avLst>
@@ -8474,92 +8363,10 @@
       </p:sp>
       <p:sp>
         <p:nvSpPr>
-          <p:cNvPr id="4" name="TextBox 3">
-            <a:extLst>
-              <a:ext uri="{FF2B5EF4-FFF2-40B4-BE49-F238E27FC236}">
-                <a16:creationId xmlns:a16="http://schemas.microsoft.com/office/drawing/2014/main" id="{AC0A2195-2983-8B0B-3615-741B50CDB008}"/>
-              </a:ext>
-            </a:extLst>
-          </p:cNvPr>
-          <p:cNvSpPr txBox="1"/>
-          <p:nvPr/>
-        </p:nvSpPr>
-        <p:spPr>
-          <a:xfrm>
-            <a:off x="9368287" y="1181422"/>
-            <a:ext cx="1452642" cy="369332"/>
-          </a:xfrm>
-          <a:prstGeom prst="rect">
-            <a:avLst/>
-          </a:prstGeom>
-          <a:noFill/>
-        </p:spPr>
-        <p:txBody>
-          <a:bodyPr wrap="none" rtlCol="0">
-            <a:spAutoFit/>
-          </a:bodyPr>
-          <a:lstStyle/>
-          <a:p>
-            <a:r>
-              <a:rPr lang="en-US" b="1" dirty="0">
-                <a:solidFill>
-                  <a:schemeClr val="bg2">
-                    <a:lumMod val="25000"/>
-                  </a:schemeClr>
-                </a:solidFill>
-              </a:rPr>
-              <a:t>Department</a:t>
-            </a:r>
-          </a:p>
-        </p:txBody>
-      </p:sp>
-      <p:sp>
-        <p:nvSpPr>
-          <p:cNvPr id="5" name="TextBox 4">
-            <a:extLst>
-              <a:ext uri="{FF2B5EF4-FFF2-40B4-BE49-F238E27FC236}">
-                <a16:creationId xmlns:a16="http://schemas.microsoft.com/office/drawing/2014/main" id="{76FC26AF-9058-C4F5-D6C7-DFB637E20DCE}"/>
-              </a:ext>
-            </a:extLst>
-          </p:cNvPr>
-          <p:cNvSpPr txBox="1"/>
-          <p:nvPr/>
-        </p:nvSpPr>
-        <p:spPr>
-          <a:xfrm>
-            <a:off x="14064817" y="1181422"/>
-            <a:ext cx="1527982" cy="369332"/>
-          </a:xfrm>
-          <a:prstGeom prst="rect">
-            <a:avLst/>
-          </a:prstGeom>
-          <a:noFill/>
-        </p:spPr>
-        <p:txBody>
-          <a:bodyPr wrap="none" rtlCol="0">
-            <a:spAutoFit/>
-          </a:bodyPr>
-          <a:lstStyle/>
-          <a:p>
-            <a:r>
-              <a:rPr lang="en-US" b="1" dirty="0">
-                <a:solidFill>
-                  <a:schemeClr val="bg2">
-                    <a:lumMod val="25000"/>
-                  </a:schemeClr>
-                </a:solidFill>
-              </a:rPr>
-              <a:t>Month Name</a:t>
-            </a:r>
-          </a:p>
-        </p:txBody>
-      </p:sp>
-      <p:sp>
-        <p:nvSpPr>
-          <p:cNvPr id="12" name="Rectangle: Rounded Corners 11">
-            <a:extLst>
-              <a:ext uri="{FF2B5EF4-FFF2-40B4-BE49-F238E27FC236}">
-                <a16:creationId xmlns:a16="http://schemas.microsoft.com/office/drawing/2014/main" id="{7FD7CF1A-11A6-E1EC-F0A5-B22CC0D57BEF}"/>
+          <p:cNvPr id="18" name="Rectangle: Rounded Corners 17">
+            <a:extLst>
+              <a:ext uri="{FF2B5EF4-FFF2-40B4-BE49-F238E27FC236}">
+                <a16:creationId xmlns:a16="http://schemas.microsoft.com/office/drawing/2014/main" id="{0377FBA4-76EC-4BBC-3FAF-D28BBCC61B9F}"/>
               </a:ext>
             </a:extLst>
           </p:cNvPr>
@@ -8568,8 +8375,8 @@
         </p:nvSpPr>
         <p:spPr>
           <a:xfrm>
-            <a:off x="15044468" y="1789983"/>
-            <a:ext cx="3103433" cy="4576311"/>
+            <a:off x="9986657" y="4641935"/>
+            <a:ext cx="4023360" cy="2194560"/>
           </a:xfrm>
           <a:prstGeom prst="roundRect">
             <a:avLst>
@@ -8577,8 +8384,9 @@
             </a:avLst>
           </a:prstGeom>
           <a:solidFill>
-            <a:schemeClr val="bg1">
-              <a:lumMod val="95000"/>
+            <a:schemeClr val="accent5">
+              <a:lumMod val="20000"/>
+              <a:lumOff val="80000"/>
             </a:schemeClr>
           </a:solidFill>
           <a:ln>
@@ -8617,10 +8425,10 @@
       </p:sp>
       <p:sp>
         <p:nvSpPr>
-          <p:cNvPr id="10" name="Rectangle: Rounded Corners 9">
-            <a:extLst>
-              <a:ext uri="{FF2B5EF4-FFF2-40B4-BE49-F238E27FC236}">
-                <a16:creationId xmlns:a16="http://schemas.microsoft.com/office/drawing/2014/main" id="{D0F025E5-4D40-9688-51BE-1C7DC18BA3CE}"/>
+          <p:cNvPr id="19" name="Rectangle: Rounded Corners 18">
+            <a:extLst>
+              <a:ext uri="{FF2B5EF4-FFF2-40B4-BE49-F238E27FC236}">
+                <a16:creationId xmlns:a16="http://schemas.microsoft.com/office/drawing/2014/main" id="{D2F8A9E1-EC34-74DD-FDE5-6F7253256E79}"/>
               </a:ext>
             </a:extLst>
           </p:cNvPr>
@@ -8629,8 +8437,8 @@
         </p:nvSpPr>
         <p:spPr>
           <a:xfrm>
-            <a:off x="15044468" y="6573328"/>
-            <a:ext cx="3103433" cy="3591022"/>
+            <a:off x="5606378" y="2301578"/>
+            <a:ext cx="4023360" cy="2194560"/>
           </a:xfrm>
           <a:prstGeom prst="roundRect">
             <a:avLst>
@@ -8638,8 +8446,9 @@
             </a:avLst>
           </a:prstGeom>
           <a:solidFill>
-            <a:schemeClr val="bg1">
-              <a:lumMod val="95000"/>
+            <a:schemeClr val="accent5">
+              <a:lumMod val="20000"/>
+              <a:lumOff val="80000"/>
             </a:schemeClr>
           </a:solidFill>
           <a:ln>
@@ -8678,10 +8487,10 @@
       </p:sp>
       <p:sp>
         <p:nvSpPr>
-          <p:cNvPr id="9" name="Rectangle: Rounded Corners 8">
-            <a:extLst>
-              <a:ext uri="{FF2B5EF4-FFF2-40B4-BE49-F238E27FC236}">
-                <a16:creationId xmlns:a16="http://schemas.microsoft.com/office/drawing/2014/main" id="{BFB9C98B-16E4-5D8A-ABE7-756A1D338F4D}"/>
+          <p:cNvPr id="20" name="Rectangle: Rounded Corners 19">
+            <a:extLst>
+              <a:ext uri="{FF2B5EF4-FFF2-40B4-BE49-F238E27FC236}">
+                <a16:creationId xmlns:a16="http://schemas.microsoft.com/office/drawing/2014/main" id="{94677DD3-9241-46E5-2F96-F8A65CEB2FE4}"/>
               </a:ext>
             </a:extLst>
           </p:cNvPr>
@@ -8690,8 +8499,8 @@
         </p:nvSpPr>
         <p:spPr>
           <a:xfrm>
-            <a:off x="5179028" y="1968525"/>
-            <a:ext cx="9527080" cy="7624049"/>
+            <a:off x="5606378" y="6982292"/>
+            <a:ext cx="4023360" cy="2194560"/>
           </a:xfrm>
           <a:prstGeom prst="roundRect">
             <a:avLst>
@@ -8699,18 +8508,19 @@
             </a:avLst>
           </a:prstGeom>
           <a:solidFill>
-            <a:schemeClr val="bg1">
-              <a:lumMod val="95000"/>
+            <a:schemeClr val="accent2">
+              <a:lumMod val="20000"/>
+              <a:lumOff val="80000"/>
             </a:schemeClr>
           </a:solidFill>
-          <a:ln w="12700">
-            <a:solidFill>
-              <a:schemeClr val="bg1">
-                <a:lumMod val="65000"/>
-              </a:schemeClr>
-            </a:solidFill>
+          <a:ln>
+            <a:noFill/>
           </a:ln>
-          <a:effectLst/>
+          <a:effectLst>
+            <a:innerShdw blurRad="114300">
+              <a:prstClr val="black"/>
+            </a:innerShdw>
+          </a:effectLst>
         </p:spPr>
         <p:style>
           <a:lnRef idx="2">
@@ -8739,10 +8549,10 @@
       </p:sp>
       <p:sp>
         <p:nvSpPr>
-          <p:cNvPr id="20" name="Rectangle: Rounded Corners 19">
-            <a:extLst>
-              <a:ext uri="{FF2B5EF4-FFF2-40B4-BE49-F238E27FC236}">
-                <a16:creationId xmlns:a16="http://schemas.microsoft.com/office/drawing/2014/main" id="{34DD1A6A-E647-C890-A690-AA018987DB03}"/>
+          <p:cNvPr id="21" name="Rectangle: Rounded Corners 20">
+            <a:extLst>
+              <a:ext uri="{FF2B5EF4-FFF2-40B4-BE49-F238E27FC236}">
+                <a16:creationId xmlns:a16="http://schemas.microsoft.com/office/drawing/2014/main" id="{2D5914BC-07E6-0B5D-2202-08DAD57D7C55}"/>
               </a:ext>
             </a:extLst>
           </p:cNvPr>
@@ -8751,8 +8561,8 @@
         </p:nvSpPr>
         <p:spPr>
           <a:xfrm>
-            <a:off x="815331" y="6366294"/>
-            <a:ext cx="4136231" cy="3226280"/>
+            <a:off x="5606378" y="4641935"/>
+            <a:ext cx="4023360" cy="2194560"/>
           </a:xfrm>
           <a:prstGeom prst="roundRect">
             <a:avLst>
@@ -8803,7 +8613,7 @@
           <p:cNvPr id="22" name="TextBox 21">
             <a:extLst>
               <a:ext uri="{FF2B5EF4-FFF2-40B4-BE49-F238E27FC236}">
-                <a16:creationId xmlns:a16="http://schemas.microsoft.com/office/drawing/2014/main" id="{F9DD3CA9-7D60-27FC-C689-8271BF4530A1}"/>
+                <a16:creationId xmlns:a16="http://schemas.microsoft.com/office/drawing/2014/main" id="{8FB9CF15-F9EF-AEDF-7301-AB9393BA778D}"/>
               </a:ext>
             </a:extLst>
           </p:cNvPr>
@@ -8812,8 +8622,8 @@
         </p:nvSpPr>
         <p:spPr>
           <a:xfrm>
-            <a:off x="2135581" y="1874615"/>
-            <a:ext cx="1705595" cy="369332"/>
+            <a:off x="1288116" y="3050332"/>
+            <a:ext cx="3596640" cy="1369606"/>
           </a:xfrm>
           <a:prstGeom prst="rect">
             <a:avLst/>
@@ -8821,20 +8631,36 @@
           <a:noFill/>
         </p:spPr>
         <p:txBody>
-          <a:bodyPr wrap="none" rtlCol="0">
+          <a:bodyPr wrap="square" rtlCol="0">
             <a:spAutoFit/>
           </a:bodyPr>
           <a:lstStyle/>
           <a:p>
             <a:r>
-              <a:rPr lang="en-US" b="1" dirty="0">
-                <a:solidFill>
-                  <a:schemeClr val="bg2">
-                    <a:lumMod val="25000"/>
-                  </a:schemeClr>
-                </a:solidFill>
-              </a:rPr>
-              <a:t>Distinct Count</a:t>
+              <a:rPr lang="en-US" dirty="0"/>
+              <a:t># of Employee: </a:t>
+            </a:r>
+          </a:p>
+          <a:p>
+            <a:r>
+              <a:rPr lang="en-US" sz="1500" dirty="0"/>
+              <a:t>Performance: Did not meet Expectation</a:t>
+            </a:r>
+            <a:br>
+              <a:rPr lang="en-US" sz="1500" dirty="0"/>
+            </a:br>
+            <a:r>
+              <a:rPr lang="en-US" sz="1500" dirty="0"/>
+              <a:t>Potential: High</a:t>
+            </a:r>
+          </a:p>
+          <a:p>
+            <a:endParaRPr lang="en-US" sz="1100" dirty="0"/>
+          </a:p>
+          <a:p>
+            <a:r>
+              <a:rPr lang="en-US" sz="2400" dirty="0"/>
+              <a:t>Aspiring Performer</a:t>
             </a:r>
           </a:p>
         </p:txBody>
@@ -8844,7 +8670,7 @@
           <p:cNvPr id="23" name="TextBox 22">
             <a:extLst>
               <a:ext uri="{FF2B5EF4-FFF2-40B4-BE49-F238E27FC236}">
-                <a16:creationId xmlns:a16="http://schemas.microsoft.com/office/drawing/2014/main" id="{D48A4E85-F60D-B568-E4A6-6774EFD438CC}"/>
+                <a16:creationId xmlns:a16="http://schemas.microsoft.com/office/drawing/2014/main" id="{0272B117-43FF-2B20-3EB4-A52B17A97B05}"/>
               </a:ext>
             </a:extLst>
           </p:cNvPr>
@@ -8853,8 +8679,8 @@
         </p:nvSpPr>
         <p:spPr>
           <a:xfrm>
-            <a:off x="2144381" y="5919802"/>
-            <a:ext cx="1367234" cy="369332"/>
+            <a:off x="1288116" y="5390689"/>
+            <a:ext cx="3596640" cy="1369606"/>
           </a:xfrm>
           <a:prstGeom prst="rect">
             <a:avLst/>
@@ -8862,20 +8688,435 @@
           <a:noFill/>
         </p:spPr>
         <p:txBody>
-          <a:bodyPr wrap="none" rtlCol="0">
+          <a:bodyPr wrap="square" rtlCol="0">
             <a:spAutoFit/>
           </a:bodyPr>
           <a:lstStyle/>
           <a:p>
             <a:r>
-              <a:rPr lang="en-US" b="1" dirty="0">
-                <a:solidFill>
-                  <a:schemeClr val="bg2">
-                    <a:lumMod val="25000"/>
-                  </a:schemeClr>
-                </a:solidFill>
-              </a:rPr>
-              <a:t>Percentage</a:t>
+              <a:rPr lang="en-US" dirty="0"/>
+              <a:t># of Employee: </a:t>
+            </a:r>
+          </a:p>
+          <a:p>
+            <a:r>
+              <a:rPr lang="en-US" sz="1500" dirty="0"/>
+              <a:t>Performance: Did not meet Expectation</a:t>
+            </a:r>
+            <a:br>
+              <a:rPr lang="en-US" sz="1500" dirty="0"/>
+            </a:br>
+            <a:r>
+              <a:rPr lang="en-US" sz="1500" dirty="0"/>
+              <a:t>Potential: Moderate</a:t>
+            </a:r>
+          </a:p>
+          <a:p>
+            <a:endParaRPr lang="en-US" sz="1100" dirty="0"/>
+          </a:p>
+          <a:p>
+            <a:r>
+              <a:rPr lang="en-US" sz="2400" dirty="0"/>
+              <a:t>Emerging Contributor</a:t>
+            </a:r>
+          </a:p>
+        </p:txBody>
+      </p:sp>
+      <p:sp>
+        <p:nvSpPr>
+          <p:cNvPr id="27" name="TextBox 26">
+            <a:extLst>
+              <a:ext uri="{FF2B5EF4-FFF2-40B4-BE49-F238E27FC236}">
+                <a16:creationId xmlns:a16="http://schemas.microsoft.com/office/drawing/2014/main" id="{15AEFFD2-05AF-9E76-88FA-14E674AA0568}"/>
+              </a:ext>
+            </a:extLst>
+          </p:cNvPr>
+          <p:cNvSpPr txBox="1"/>
+          <p:nvPr/>
+        </p:nvSpPr>
+        <p:spPr>
+          <a:xfrm>
+            <a:off x="1288116" y="7731046"/>
+            <a:ext cx="3596640" cy="1369606"/>
+          </a:xfrm>
+          <a:prstGeom prst="rect">
+            <a:avLst/>
+          </a:prstGeom>
+          <a:noFill/>
+        </p:spPr>
+        <p:txBody>
+          <a:bodyPr wrap="square" rtlCol="0">
+            <a:spAutoFit/>
+          </a:bodyPr>
+          <a:lstStyle/>
+          <a:p>
+            <a:r>
+              <a:rPr lang="en-US" dirty="0"/>
+              <a:t># of Employee: </a:t>
+            </a:r>
+          </a:p>
+          <a:p>
+            <a:r>
+              <a:rPr lang="en-US" sz="1500" dirty="0"/>
+              <a:t>Performance: Did not meet Expectation</a:t>
+            </a:r>
+            <a:br>
+              <a:rPr lang="en-US" sz="1500" dirty="0"/>
+            </a:br>
+            <a:r>
+              <a:rPr lang="en-US" sz="1500" dirty="0"/>
+              <a:t>Potential: Low</a:t>
+            </a:r>
+          </a:p>
+          <a:p>
+            <a:endParaRPr lang="en-US" sz="1100" dirty="0"/>
+          </a:p>
+          <a:p>
+            <a:r>
+              <a:rPr lang="en-US" sz="2400" dirty="0"/>
+              <a:t>Growth Opportunity</a:t>
+            </a:r>
+          </a:p>
+        </p:txBody>
+      </p:sp>
+      <p:sp>
+        <p:nvSpPr>
+          <p:cNvPr id="28" name="TextBox 27">
+            <a:extLst>
+              <a:ext uri="{FF2B5EF4-FFF2-40B4-BE49-F238E27FC236}">
+                <a16:creationId xmlns:a16="http://schemas.microsoft.com/office/drawing/2014/main" id="{385525AC-CD76-FAE4-E167-CAB27D49C71B}"/>
+              </a:ext>
+            </a:extLst>
+          </p:cNvPr>
+          <p:cNvSpPr txBox="1"/>
+          <p:nvPr/>
+        </p:nvSpPr>
+        <p:spPr>
+          <a:xfrm>
+            <a:off x="5682578" y="3050332"/>
+            <a:ext cx="3596640" cy="1369606"/>
+          </a:xfrm>
+          <a:prstGeom prst="rect">
+            <a:avLst/>
+          </a:prstGeom>
+          <a:noFill/>
+        </p:spPr>
+        <p:txBody>
+          <a:bodyPr wrap="square" rtlCol="0">
+            <a:spAutoFit/>
+          </a:bodyPr>
+          <a:lstStyle/>
+          <a:p>
+            <a:r>
+              <a:rPr lang="en-US" dirty="0"/>
+              <a:t># of Employee: </a:t>
+            </a:r>
+          </a:p>
+          <a:p>
+            <a:r>
+              <a:rPr lang="en-US" sz="1500" dirty="0"/>
+              <a:t>Performance: Meet Expectation</a:t>
+            </a:r>
+            <a:br>
+              <a:rPr lang="en-US" sz="1500" dirty="0"/>
+            </a:br>
+            <a:r>
+              <a:rPr lang="en-US" sz="1500" dirty="0"/>
+              <a:t>Potential: High</a:t>
+            </a:r>
+          </a:p>
+          <a:p>
+            <a:endParaRPr lang="en-US" sz="1100" dirty="0"/>
+          </a:p>
+          <a:p>
+            <a:r>
+              <a:rPr lang="en-US" sz="2400" dirty="0"/>
+              <a:t>High Achiever</a:t>
+            </a:r>
+          </a:p>
+        </p:txBody>
+      </p:sp>
+      <p:sp>
+        <p:nvSpPr>
+          <p:cNvPr id="29" name="TextBox 28">
+            <a:extLst>
+              <a:ext uri="{FF2B5EF4-FFF2-40B4-BE49-F238E27FC236}">
+                <a16:creationId xmlns:a16="http://schemas.microsoft.com/office/drawing/2014/main" id="{102A0618-FE4F-C781-2FD3-8AD9DE2BA520}"/>
+              </a:ext>
+            </a:extLst>
+          </p:cNvPr>
+          <p:cNvSpPr txBox="1"/>
+          <p:nvPr/>
+        </p:nvSpPr>
+        <p:spPr>
+          <a:xfrm>
+            <a:off x="10062857" y="3050332"/>
+            <a:ext cx="3596640" cy="1369606"/>
+          </a:xfrm>
+          <a:prstGeom prst="rect">
+            <a:avLst/>
+          </a:prstGeom>
+          <a:noFill/>
+        </p:spPr>
+        <p:txBody>
+          <a:bodyPr wrap="square" rtlCol="0">
+            <a:spAutoFit/>
+          </a:bodyPr>
+          <a:lstStyle/>
+          <a:p>
+            <a:r>
+              <a:rPr lang="en-US" dirty="0"/>
+              <a:t># of Employee: </a:t>
+            </a:r>
+          </a:p>
+          <a:p>
+            <a:r>
+              <a:rPr lang="en-US" sz="1500" dirty="0"/>
+              <a:t>Performance: Exceeded Expectation</a:t>
+            </a:r>
+            <a:br>
+              <a:rPr lang="en-US" sz="1500" dirty="0"/>
+            </a:br>
+            <a:r>
+              <a:rPr lang="en-US" sz="1500" dirty="0"/>
+              <a:t>Potential: High</a:t>
+            </a:r>
+          </a:p>
+          <a:p>
+            <a:endParaRPr lang="en-US" sz="1100" dirty="0"/>
+          </a:p>
+          <a:p>
+            <a:r>
+              <a:rPr lang="en-US" sz="2400" dirty="0"/>
+              <a:t>Top Talent</a:t>
+            </a:r>
+          </a:p>
+        </p:txBody>
+      </p:sp>
+      <p:sp>
+        <p:nvSpPr>
+          <p:cNvPr id="30" name="TextBox 29">
+            <a:extLst>
+              <a:ext uri="{FF2B5EF4-FFF2-40B4-BE49-F238E27FC236}">
+                <a16:creationId xmlns:a16="http://schemas.microsoft.com/office/drawing/2014/main" id="{07884D52-7302-0E89-8C0F-682757126485}"/>
+              </a:ext>
+            </a:extLst>
+          </p:cNvPr>
+          <p:cNvSpPr txBox="1"/>
+          <p:nvPr/>
+        </p:nvSpPr>
+        <p:spPr>
+          <a:xfrm>
+            <a:off x="5682578" y="5390689"/>
+            <a:ext cx="3596640" cy="1369606"/>
+          </a:xfrm>
+          <a:prstGeom prst="rect">
+            <a:avLst/>
+          </a:prstGeom>
+          <a:noFill/>
+        </p:spPr>
+        <p:txBody>
+          <a:bodyPr wrap="square" rtlCol="0">
+            <a:spAutoFit/>
+          </a:bodyPr>
+          <a:lstStyle/>
+          <a:p>
+            <a:r>
+              <a:rPr lang="en-US" dirty="0"/>
+              <a:t># of Employee: </a:t>
+            </a:r>
+          </a:p>
+          <a:p>
+            <a:r>
+              <a:rPr lang="en-US" sz="1500" dirty="0"/>
+              <a:t>Performance: Meet Expectation</a:t>
+            </a:r>
+            <a:br>
+              <a:rPr lang="en-US" sz="1500" dirty="0"/>
+            </a:br>
+            <a:r>
+              <a:rPr lang="en-US" sz="1500" dirty="0"/>
+              <a:t>Potential: Moderate</a:t>
+            </a:r>
+          </a:p>
+          <a:p>
+            <a:endParaRPr lang="en-US" sz="1100" dirty="0"/>
+          </a:p>
+          <a:p>
+            <a:r>
+              <a:rPr lang="en-US" sz="2400" dirty="0"/>
+              <a:t>Core Performer</a:t>
+            </a:r>
+          </a:p>
+        </p:txBody>
+      </p:sp>
+      <p:sp>
+        <p:nvSpPr>
+          <p:cNvPr id="31" name="TextBox 30">
+            <a:extLst>
+              <a:ext uri="{FF2B5EF4-FFF2-40B4-BE49-F238E27FC236}">
+                <a16:creationId xmlns:a16="http://schemas.microsoft.com/office/drawing/2014/main" id="{0F6AA9FC-D57B-AC0E-9D2A-FBCB1ADDAEEA}"/>
+              </a:ext>
+            </a:extLst>
+          </p:cNvPr>
+          <p:cNvSpPr txBox="1"/>
+          <p:nvPr/>
+        </p:nvSpPr>
+        <p:spPr>
+          <a:xfrm>
+            <a:off x="5682578" y="7731046"/>
+            <a:ext cx="3596640" cy="1369606"/>
+          </a:xfrm>
+          <a:prstGeom prst="rect">
+            <a:avLst/>
+          </a:prstGeom>
+          <a:noFill/>
+        </p:spPr>
+        <p:txBody>
+          <a:bodyPr wrap="square" rtlCol="0">
+            <a:spAutoFit/>
+          </a:bodyPr>
+          <a:lstStyle/>
+          <a:p>
+            <a:r>
+              <a:rPr lang="en-US" dirty="0"/>
+              <a:t># of Employee: </a:t>
+            </a:r>
+          </a:p>
+          <a:p>
+            <a:r>
+              <a:rPr lang="en-US" sz="1500" dirty="0"/>
+              <a:t>Performance: Meet Expectation</a:t>
+            </a:r>
+            <a:br>
+              <a:rPr lang="en-US" sz="1500" dirty="0"/>
+            </a:br>
+            <a:r>
+              <a:rPr lang="en-US" sz="1500" dirty="0"/>
+              <a:t>Potential: Low</a:t>
+            </a:r>
+          </a:p>
+          <a:p>
+            <a:endParaRPr lang="en-US" sz="1100" dirty="0"/>
+          </a:p>
+          <a:p>
+            <a:r>
+              <a:rPr lang="en-US" sz="2400" dirty="0"/>
+              <a:t>Reliable Contributor</a:t>
+            </a:r>
+          </a:p>
+        </p:txBody>
+      </p:sp>
+      <p:sp>
+        <p:nvSpPr>
+          <p:cNvPr id="32" name="TextBox 31">
+            <a:extLst>
+              <a:ext uri="{FF2B5EF4-FFF2-40B4-BE49-F238E27FC236}">
+                <a16:creationId xmlns:a16="http://schemas.microsoft.com/office/drawing/2014/main" id="{07DCAAD3-C012-C975-3697-90850998E8C1}"/>
+              </a:ext>
+            </a:extLst>
+          </p:cNvPr>
+          <p:cNvSpPr txBox="1"/>
+          <p:nvPr/>
+        </p:nvSpPr>
+        <p:spPr>
+          <a:xfrm>
+            <a:off x="10062857" y="5390689"/>
+            <a:ext cx="3596640" cy="1369606"/>
+          </a:xfrm>
+          <a:prstGeom prst="rect">
+            <a:avLst/>
+          </a:prstGeom>
+          <a:noFill/>
+        </p:spPr>
+        <p:txBody>
+          <a:bodyPr wrap="square" rtlCol="0">
+            <a:spAutoFit/>
+          </a:bodyPr>
+          <a:lstStyle/>
+          <a:p>
+            <a:r>
+              <a:rPr lang="en-US" dirty="0"/>
+              <a:t># of Employee: </a:t>
+            </a:r>
+          </a:p>
+          <a:p>
+            <a:r>
+              <a:rPr lang="en-US" sz="1500" dirty="0"/>
+              <a:t>Performance: Exceeded  Expectation</a:t>
+            </a:r>
+            <a:br>
+              <a:rPr lang="en-US" sz="1500" dirty="0"/>
+            </a:br>
+            <a:r>
+              <a:rPr lang="en-US" sz="1500" dirty="0"/>
+              <a:t>Potential: Moderate</a:t>
+            </a:r>
+          </a:p>
+          <a:p>
+            <a:endParaRPr lang="en-US" sz="1100" dirty="0"/>
+          </a:p>
+          <a:p>
+            <a:r>
+              <a:rPr lang="en-US" sz="2400" dirty="0"/>
+              <a:t>Rising Potential</a:t>
+            </a:r>
+          </a:p>
+        </p:txBody>
+      </p:sp>
+      <p:sp>
+        <p:nvSpPr>
+          <p:cNvPr id="33" name="TextBox 32">
+            <a:extLst>
+              <a:ext uri="{FF2B5EF4-FFF2-40B4-BE49-F238E27FC236}">
+                <a16:creationId xmlns:a16="http://schemas.microsoft.com/office/drawing/2014/main" id="{143D22F2-322B-1679-DB0B-C4127B73739A}"/>
+              </a:ext>
+            </a:extLst>
+          </p:cNvPr>
+          <p:cNvSpPr txBox="1"/>
+          <p:nvPr/>
+        </p:nvSpPr>
+        <p:spPr>
+          <a:xfrm>
+            <a:off x="10062857" y="7731046"/>
+            <a:ext cx="3596640" cy="1369606"/>
+          </a:xfrm>
+          <a:prstGeom prst="rect">
+            <a:avLst/>
+          </a:prstGeom>
+          <a:noFill/>
+        </p:spPr>
+        <p:txBody>
+          <a:bodyPr wrap="square" rtlCol="0">
+            <a:spAutoFit/>
+          </a:bodyPr>
+          <a:lstStyle/>
+          <a:p>
+            <a:r>
+              <a:rPr lang="en-US" dirty="0"/>
+              <a:t># of Employee: </a:t>
+            </a:r>
+          </a:p>
+          <a:p>
+            <a:r>
+              <a:rPr lang="en-US" sz="1500" dirty="0"/>
+              <a:t>Performance: Exceeded  Expectation</a:t>
+            </a:r>
+            <a:br>
+              <a:rPr lang="en-US" sz="1500" dirty="0"/>
+            </a:br>
+            <a:r>
+              <a:rPr lang="en-US" sz="1500" dirty="0"/>
+              <a:t>Potential: Low</a:t>
+            </a:r>
+          </a:p>
+          <a:p>
+            <a:endParaRPr lang="en-US" sz="1100" dirty="0"/>
+          </a:p>
+          <a:p>
+            <a:r>
+              <a:rPr lang="en-US" sz="2400" dirty="0"/>
+              <a:t>Consistent Performer</a:t>
             </a:r>
           </a:p>
         </p:txBody>
@@ -8883,7 +9124,7 @@
     </p:spTree>
     <p:extLst>
       <p:ext uri="{BB962C8B-B14F-4D97-AF65-F5344CB8AC3E}">
-        <p14:creationId xmlns:p14="http://schemas.microsoft.com/office/powerpoint/2010/main" val="3725992159"/>
+        <p14:creationId xmlns:p14="http://schemas.microsoft.com/office/powerpoint/2010/main" val="2651658227"/>
       </p:ext>
     </p:extLst>
   </p:cSld>
@@ -8893,18 +9134,12 @@
 </p:sld>
 </file>
 
-<file path=ppt/slides/slide17.xml><?xml version="1.0" encoding="utf-8"?>
+<file path=ppt/slides/slide15.xml><?xml version="1.0" encoding="utf-8"?>
 <p:sld xmlns:a="http://schemas.openxmlformats.org/drawingml/2006/main" xmlns:r="http://schemas.openxmlformats.org/officeDocument/2006/relationships" xmlns:p="http://schemas.openxmlformats.org/presentationml/2006/main">
   <p:cSld>
     <p:spTree>
       <p:nvGrpSpPr>
-        <p:cNvPr id="1" name="">
-          <a:extLst>
-            <a:ext uri="{FF2B5EF4-FFF2-40B4-BE49-F238E27FC236}">
-              <a16:creationId xmlns:a16="http://schemas.microsoft.com/office/drawing/2014/main" id="{04AEC289-3B22-0D11-6E42-2F521D8C61CF}"/>
-            </a:ext>
-          </a:extLst>
-        </p:cNvPr>
+        <p:cNvPr id="1" name=""/>
         <p:cNvGrpSpPr/>
         <p:nvPr/>
       </p:nvGrpSpPr>
@@ -8918,3300 +9153,90 @@
       </p:grpSpPr>
       <p:sp>
         <p:nvSpPr>
-          <p:cNvPr id="6" name="Rectangle 5">
-            <a:extLst>
-              <a:ext uri="{FF2B5EF4-FFF2-40B4-BE49-F238E27FC236}">
-                <a16:creationId xmlns:a16="http://schemas.microsoft.com/office/drawing/2014/main" id="{99658B2A-B5B8-C148-9715-B5BF2FFF5095}"/>
-              </a:ext>
-            </a:extLst>
-          </p:cNvPr>
-          <p:cNvSpPr/>
-          <p:nvPr/>
-        </p:nvSpPr>
-        <p:spPr>
-          <a:xfrm>
-            <a:off x="0" y="0"/>
-            <a:ext cx="18288000" cy="711200"/>
-          </a:xfrm>
-          <a:prstGeom prst="rect">
-            <a:avLst/>
-          </a:prstGeom>
-          <a:solidFill>
-            <a:schemeClr val="accent5">
-              <a:lumMod val="60000"/>
-              <a:lumOff val="40000"/>
-            </a:schemeClr>
-          </a:solidFill>
-          <a:ln>
-            <a:noFill/>
-          </a:ln>
-        </p:spPr>
-        <p:style>
-          <a:lnRef idx="2">
-            <a:schemeClr val="accent1">
-              <a:shade val="15000"/>
-            </a:schemeClr>
-          </a:lnRef>
-          <a:fillRef idx="1">
-            <a:schemeClr val="accent1"/>
-          </a:fillRef>
-          <a:effectRef idx="0">
-            <a:schemeClr val="accent1"/>
-          </a:effectRef>
-          <a:fontRef idx="minor">
-            <a:schemeClr val="lt1"/>
-          </a:fontRef>
-        </p:style>
-        <p:txBody>
-          <a:bodyPr rtlCol="0" anchor="ctr"/>
-          <a:lstStyle/>
-          <a:p>
-            <a:pPr algn="ctr"/>
+          <p:cNvPr id="2" name="Title 1">
+            <a:extLst>
+              <a:ext uri="{FF2B5EF4-FFF2-40B4-BE49-F238E27FC236}">
+                <a16:creationId xmlns:a16="http://schemas.microsoft.com/office/drawing/2014/main" id="{68470F32-A3EC-DC66-E4D0-02D01EF431E5}"/>
+              </a:ext>
+            </a:extLst>
+          </p:cNvPr>
+          <p:cNvSpPr>
+            <a:spLocks noGrp="1"/>
+          </p:cNvSpPr>
+          <p:nvPr>
+            <p:ph type="title"/>
+          </p:nvPr>
+        </p:nvSpPr>
+        <p:spPr/>
+        <p:txBody>
+          <a:bodyPr/>
+          <a:lstStyle/>
+          <a:p>
             <a:endParaRPr lang="en-US"/>
           </a:p>
         </p:txBody>
       </p:sp>
       <p:sp>
         <p:nvSpPr>
-          <p:cNvPr id="7" name="Rectangle 6">
-            <a:extLst>
-              <a:ext uri="{FF2B5EF4-FFF2-40B4-BE49-F238E27FC236}">
-                <a16:creationId xmlns:a16="http://schemas.microsoft.com/office/drawing/2014/main" id="{8CC0C682-3FA9-67A2-4147-2BFF3E5578B2}"/>
-              </a:ext>
-            </a:extLst>
-          </p:cNvPr>
-          <p:cNvSpPr/>
-          <p:nvPr/>
-        </p:nvSpPr>
-        <p:spPr>
-          <a:xfrm>
-            <a:off x="0" y="711200"/>
-            <a:ext cx="18288000" cy="431800"/>
-          </a:xfrm>
-          <a:prstGeom prst="rect">
-            <a:avLst/>
-          </a:prstGeom>
-          <a:solidFill>
-            <a:schemeClr val="accent5">
-              <a:lumMod val="20000"/>
-              <a:lumOff val="80000"/>
-            </a:schemeClr>
-          </a:solidFill>
-          <a:ln>
-            <a:noFill/>
-          </a:ln>
-        </p:spPr>
-        <p:style>
-          <a:lnRef idx="2">
-            <a:schemeClr val="accent1">
-              <a:shade val="15000"/>
-            </a:schemeClr>
-          </a:lnRef>
-          <a:fillRef idx="1">
-            <a:schemeClr val="accent1"/>
-          </a:fillRef>
-          <a:effectRef idx="0">
-            <a:schemeClr val="accent1"/>
-          </a:effectRef>
-          <a:fontRef idx="minor">
-            <a:schemeClr val="lt1"/>
-          </a:fontRef>
-        </p:style>
-        <p:txBody>
-          <a:bodyPr rtlCol="0" anchor="ctr"/>
-          <a:lstStyle/>
-          <a:p>
-            <a:pPr algn="ctr"/>
-            <a:endParaRPr lang="en-US"/>
-          </a:p>
-        </p:txBody>
-      </p:sp>
-      <p:sp>
-        <p:nvSpPr>
-          <p:cNvPr id="8" name="Rectangle 7">
-            <a:extLst>
-              <a:ext uri="{FF2B5EF4-FFF2-40B4-BE49-F238E27FC236}">
-                <a16:creationId xmlns:a16="http://schemas.microsoft.com/office/drawing/2014/main" id="{4BFAF3C6-CE9B-F106-3309-A0952EFEF307}"/>
-              </a:ext>
-            </a:extLst>
-          </p:cNvPr>
-          <p:cNvSpPr/>
-          <p:nvPr/>
-        </p:nvSpPr>
-        <p:spPr>
-          <a:xfrm>
-            <a:off x="0" y="1143000"/>
-            <a:ext cx="18288000" cy="431800"/>
-          </a:xfrm>
-          <a:prstGeom prst="rect">
-            <a:avLst/>
-          </a:prstGeom>
-          <a:solidFill>
-            <a:schemeClr val="bg1"/>
-          </a:solidFill>
-          <a:ln>
-            <a:noFill/>
-          </a:ln>
-          <a:effectLst>
-            <a:outerShdw blurRad="50800" dist="38100" dir="5400000" algn="t" rotWithShape="0">
-              <a:prstClr val="black">
-                <a:alpha val="40000"/>
-              </a:prstClr>
-            </a:outerShdw>
-          </a:effectLst>
-        </p:spPr>
-        <p:style>
-          <a:lnRef idx="2">
-            <a:schemeClr val="accent1">
-              <a:shade val="15000"/>
-            </a:schemeClr>
-          </a:lnRef>
-          <a:fillRef idx="1">
-            <a:schemeClr val="accent1"/>
-          </a:fillRef>
-          <a:effectRef idx="0">
-            <a:schemeClr val="accent1"/>
-          </a:effectRef>
-          <a:fontRef idx="minor">
-            <a:schemeClr val="lt1"/>
-          </a:fontRef>
-        </p:style>
-        <p:txBody>
-          <a:bodyPr rtlCol="0" anchor="ctr"/>
-          <a:lstStyle/>
-          <a:p>
-            <a:pPr algn="ctr"/>
-            <a:endParaRPr lang="en-US"/>
-          </a:p>
-        </p:txBody>
-      </p:sp>
-      <p:sp>
-        <p:nvSpPr>
-          <p:cNvPr id="9" name="Rectangle: Rounded Corners 8">
-            <a:extLst>
-              <a:ext uri="{FF2B5EF4-FFF2-40B4-BE49-F238E27FC236}">
-                <a16:creationId xmlns:a16="http://schemas.microsoft.com/office/drawing/2014/main" id="{C2F0E419-BD10-4CA8-A190-89C8DB86112F}"/>
-              </a:ext>
-            </a:extLst>
-          </p:cNvPr>
-          <p:cNvSpPr/>
-          <p:nvPr/>
-        </p:nvSpPr>
-        <p:spPr>
-          <a:xfrm>
-            <a:off x="108572" y="1757362"/>
-            <a:ext cx="6479352" cy="8422178"/>
-          </a:xfrm>
-          <a:prstGeom prst="roundRect">
-            <a:avLst>
-              <a:gd name="adj" fmla="val 7996"/>
-            </a:avLst>
-          </a:prstGeom>
-          <a:solidFill>
-            <a:schemeClr val="bg1">
-              <a:lumMod val="95000"/>
-            </a:schemeClr>
-          </a:solidFill>
-          <a:ln>
-            <a:noFill/>
-          </a:ln>
-          <a:effectLst>
-            <a:innerShdw blurRad="114300">
-              <a:prstClr val="black"/>
-            </a:innerShdw>
-          </a:effectLst>
-        </p:spPr>
-        <p:style>
-          <a:lnRef idx="2">
-            <a:schemeClr val="accent1">
-              <a:shade val="15000"/>
-            </a:schemeClr>
-          </a:lnRef>
-          <a:fillRef idx="1">
-            <a:schemeClr val="accent1"/>
-          </a:fillRef>
-          <a:effectRef idx="0">
-            <a:schemeClr val="accent1"/>
-          </a:effectRef>
-          <a:fontRef idx="minor">
-            <a:schemeClr val="lt1"/>
-          </a:fontRef>
-        </p:style>
-        <p:txBody>
-          <a:bodyPr rtlCol="0" anchor="ctr"/>
-          <a:lstStyle/>
-          <a:p>
-            <a:pPr algn="ctr"/>
-            <a:endParaRPr lang="en-US" dirty="0"/>
-          </a:p>
-        </p:txBody>
-      </p:sp>
-      <p:sp>
-        <p:nvSpPr>
-          <p:cNvPr id="11" name="Rectangle: Rounded Corners 10">
-            <a:extLst>
-              <a:ext uri="{FF2B5EF4-FFF2-40B4-BE49-F238E27FC236}">
-                <a16:creationId xmlns:a16="http://schemas.microsoft.com/office/drawing/2014/main" id="{4970FEA8-9661-D48F-439B-20E589BFB1E0}"/>
-              </a:ext>
-            </a:extLst>
-          </p:cNvPr>
-          <p:cNvSpPr/>
-          <p:nvPr/>
-        </p:nvSpPr>
-        <p:spPr>
-          <a:xfrm>
-            <a:off x="6829032" y="1854200"/>
-            <a:ext cx="6029718" cy="2278260"/>
-          </a:xfrm>
-          <a:prstGeom prst="roundRect">
-            <a:avLst>
-              <a:gd name="adj" fmla="val 7996"/>
-            </a:avLst>
-          </a:prstGeom>
-          <a:solidFill>
-            <a:schemeClr val="bg1">
-              <a:lumMod val="95000"/>
-            </a:schemeClr>
-          </a:solidFill>
-          <a:ln>
-            <a:noFill/>
-          </a:ln>
-          <a:effectLst>
-            <a:innerShdw blurRad="114300">
-              <a:prstClr val="black"/>
-            </a:innerShdw>
-          </a:effectLst>
-        </p:spPr>
-        <p:style>
-          <a:lnRef idx="2">
-            <a:schemeClr val="accent1">
-              <a:shade val="15000"/>
-            </a:schemeClr>
-          </a:lnRef>
-          <a:fillRef idx="1">
-            <a:schemeClr val="accent1"/>
-          </a:fillRef>
-          <a:effectRef idx="0">
-            <a:schemeClr val="accent1"/>
-          </a:effectRef>
-          <a:fontRef idx="minor">
-            <a:schemeClr val="lt1"/>
-          </a:fontRef>
-        </p:style>
-        <p:txBody>
-          <a:bodyPr rtlCol="0" anchor="ctr"/>
-          <a:lstStyle/>
-          <a:p>
-            <a:pPr algn="ctr"/>
+          <p:cNvPr id="3" name="Content Placeholder 2">
+            <a:extLst>
+              <a:ext uri="{FF2B5EF4-FFF2-40B4-BE49-F238E27FC236}">
+                <a16:creationId xmlns:a16="http://schemas.microsoft.com/office/drawing/2014/main" id="{18C54FC5-81D6-812B-6E7D-7EA839CFE122}"/>
+              </a:ext>
+            </a:extLst>
+          </p:cNvPr>
+          <p:cNvSpPr>
+            <a:spLocks noGrp="1"/>
+          </p:cNvSpPr>
+          <p:nvPr>
+            <p:ph idx="1"/>
+          </p:nvPr>
+        </p:nvSpPr>
+        <p:spPr/>
+        <p:txBody>
+          <a:bodyPr/>
+          <a:lstStyle/>
+          <a:p>
             <a:endParaRPr lang="en-US"/>
           </a:p>
         </p:txBody>
       </p:sp>
       <p:pic>
         <p:nvPicPr>
-          <p:cNvPr id="15" name="Picture 14" descr="A blue and black logo&#10;&#10;Description automatically generated">
-            <a:extLst>
-              <a:ext uri="{FF2B5EF4-FFF2-40B4-BE49-F238E27FC236}">
-                <a16:creationId xmlns:a16="http://schemas.microsoft.com/office/drawing/2014/main" id="{BD917A5B-41A8-D57E-9C08-939CB58606EF}"/>
-              </a:ext>
-            </a:extLst>
-          </p:cNvPr>
-          <p:cNvPicPr preferRelativeResize="0">
+          <p:cNvPr id="18" name="Picture 17">
+            <a:extLst>
+              <a:ext uri="{FF2B5EF4-FFF2-40B4-BE49-F238E27FC236}">
+                <a16:creationId xmlns:a16="http://schemas.microsoft.com/office/drawing/2014/main" id="{95C91382-B813-2FFD-449D-D280BD2A8A6F}"/>
+              </a:ext>
+            </a:extLst>
+          </p:cNvPr>
+          <p:cNvPicPr>
             <a:picLocks noChangeAspect="1"/>
           </p:cNvPicPr>
           <p:nvPr/>
         </p:nvPicPr>
         <p:blipFill>
-          <a:blip r:embed="rId2" cstate="print">
-            <a:extLst>
-              <a:ext uri="{28A0092B-C50C-407E-A947-70E740481C1C}">
-                <a14:useLocalDpi xmlns:a14="http://schemas.microsoft.com/office/drawing/2010/main" val="0"/>
-              </a:ext>
-            </a:extLst>
+          <a:blip r:embed="rId2">
+            <a:alphaModFix/>
           </a:blip>
-          <a:srcRect l="27137" t="16710" r="25806" b="43169"/>
-          <a:stretch/>
+          <a:stretch>
+            <a:fillRect/>
+          </a:stretch>
         </p:blipFill>
         <p:spPr>
           <a:xfrm>
-            <a:off x="111949" y="-34240"/>
-            <a:ext cx="732113" cy="732113"/>
+            <a:off x="0" y="-4744"/>
+            <a:ext cx="18288000" cy="10296489"/>
           </a:xfrm>
           <a:prstGeom prst="rect">
             <a:avLst/>
           </a:prstGeom>
         </p:spPr>
       </p:pic>
-      <p:sp>
-        <p:nvSpPr>
-          <p:cNvPr id="16" name="TextBox 15">
-            <a:extLst>
-              <a:ext uri="{FF2B5EF4-FFF2-40B4-BE49-F238E27FC236}">
-                <a16:creationId xmlns:a16="http://schemas.microsoft.com/office/drawing/2014/main" id="{B6388693-779B-63CA-8C34-CF62E79BED86}"/>
-              </a:ext>
-            </a:extLst>
-          </p:cNvPr>
-          <p:cNvSpPr txBox="1"/>
-          <p:nvPr/>
-        </p:nvSpPr>
-        <p:spPr>
-          <a:xfrm>
-            <a:off x="815332" y="-22127"/>
-            <a:ext cx="5096267" cy="707886"/>
-          </a:xfrm>
-          <a:prstGeom prst="rect">
-            <a:avLst/>
-          </a:prstGeom>
-          <a:noFill/>
-        </p:spPr>
-        <p:txBody>
-          <a:bodyPr wrap="none" rtlCol="0">
-            <a:spAutoFit/>
-          </a:bodyPr>
-          <a:lstStyle/>
-          <a:p>
-            <a:r>
-              <a:rPr lang="en-US" sz="4000" b="1" dirty="0" err="1">
-                <a:solidFill>
-                  <a:schemeClr val="bg1"/>
-                </a:solidFill>
-                <a:latin typeface="Bahnschrift SemiBold SemiConden" panose="020B0502040204020203" pitchFamily="34" charset="0"/>
-              </a:rPr>
-              <a:t>TechCore</a:t>
-            </a:r>
-            <a:r>
-              <a:rPr lang="en-US" sz="4000" b="1" dirty="0">
-                <a:solidFill>
-                  <a:schemeClr val="bg1"/>
-                </a:solidFill>
-                <a:latin typeface="Bahnschrift SemiBold SemiConden" panose="020B0502040204020203" pitchFamily="34" charset="0"/>
-              </a:rPr>
-              <a:t> Innovation- HR</a:t>
-            </a:r>
-          </a:p>
-        </p:txBody>
-      </p:sp>
-      <p:sp>
-        <p:nvSpPr>
-          <p:cNvPr id="19" name="Rectangle: Rounded Corners 18">
-            <a:extLst>
-              <a:ext uri="{FF2B5EF4-FFF2-40B4-BE49-F238E27FC236}">
-                <a16:creationId xmlns:a16="http://schemas.microsoft.com/office/drawing/2014/main" id="{D4D74A61-A305-C3DE-AEE7-C101BD4D1A5D}"/>
-              </a:ext>
-            </a:extLst>
-          </p:cNvPr>
-          <p:cNvSpPr/>
-          <p:nvPr/>
-        </p:nvSpPr>
-        <p:spPr>
-          <a:xfrm>
-            <a:off x="13099857" y="1810087"/>
-            <a:ext cx="4977126" cy="4098162"/>
-          </a:xfrm>
-          <a:prstGeom prst="roundRect">
-            <a:avLst>
-              <a:gd name="adj" fmla="val 7996"/>
-            </a:avLst>
-          </a:prstGeom>
-          <a:solidFill>
-            <a:schemeClr val="bg1">
-              <a:lumMod val="95000"/>
-            </a:schemeClr>
-          </a:solidFill>
-          <a:ln>
-            <a:noFill/>
-          </a:ln>
-          <a:effectLst>
-            <a:innerShdw blurRad="114300">
-              <a:prstClr val="black"/>
-            </a:innerShdw>
-          </a:effectLst>
-        </p:spPr>
-        <p:style>
-          <a:lnRef idx="2">
-            <a:schemeClr val="accent1">
-              <a:shade val="15000"/>
-            </a:schemeClr>
-          </a:lnRef>
-          <a:fillRef idx="1">
-            <a:schemeClr val="accent1"/>
-          </a:fillRef>
-          <a:effectRef idx="0">
-            <a:schemeClr val="accent1"/>
-          </a:effectRef>
-          <a:fontRef idx="minor">
-            <a:schemeClr val="lt1"/>
-          </a:fontRef>
-        </p:style>
-        <p:txBody>
-          <a:bodyPr rtlCol="0" anchor="ctr"/>
-          <a:lstStyle/>
-          <a:p>
-            <a:pPr algn="ctr"/>
-            <a:r>
-              <a:rPr lang="en-US" dirty="0"/>
-              <a:t>V</a:t>
-            </a:r>
-          </a:p>
-        </p:txBody>
-      </p:sp>
-      <p:sp>
-        <p:nvSpPr>
-          <p:cNvPr id="20" name="Rectangle: Rounded Corners 19">
-            <a:extLst>
-              <a:ext uri="{FF2B5EF4-FFF2-40B4-BE49-F238E27FC236}">
-                <a16:creationId xmlns:a16="http://schemas.microsoft.com/office/drawing/2014/main" id="{7EC7BDF2-7881-8601-7488-CED69AF549FC}"/>
-              </a:ext>
-            </a:extLst>
-          </p:cNvPr>
-          <p:cNvSpPr/>
-          <p:nvPr/>
-        </p:nvSpPr>
-        <p:spPr>
-          <a:xfrm>
-            <a:off x="13099858" y="6231764"/>
-            <a:ext cx="4977126" cy="3947777"/>
-          </a:xfrm>
-          <a:prstGeom prst="roundRect">
-            <a:avLst>
-              <a:gd name="adj" fmla="val 7996"/>
-            </a:avLst>
-          </a:prstGeom>
-          <a:solidFill>
-            <a:schemeClr val="bg1">
-              <a:lumMod val="95000"/>
-            </a:schemeClr>
-          </a:solidFill>
-          <a:ln>
-            <a:noFill/>
-          </a:ln>
-          <a:effectLst>
-            <a:innerShdw blurRad="114300">
-              <a:prstClr val="black"/>
-            </a:innerShdw>
-          </a:effectLst>
-        </p:spPr>
-        <p:style>
-          <a:lnRef idx="2">
-            <a:schemeClr val="accent1">
-              <a:shade val="15000"/>
-            </a:schemeClr>
-          </a:lnRef>
-          <a:fillRef idx="1">
-            <a:schemeClr val="accent1"/>
-          </a:fillRef>
-          <a:effectRef idx="0">
-            <a:schemeClr val="accent1"/>
-          </a:effectRef>
-          <a:fontRef idx="minor">
-            <a:schemeClr val="lt1"/>
-          </a:fontRef>
-        </p:style>
-        <p:txBody>
-          <a:bodyPr rtlCol="0" anchor="ctr"/>
-          <a:lstStyle/>
-          <a:p>
-            <a:pPr algn="ctr"/>
-            <a:endParaRPr lang="en-US"/>
-          </a:p>
-        </p:txBody>
-      </p:sp>
-      <p:sp>
-        <p:nvSpPr>
-          <p:cNvPr id="22" name="TextBox 21">
-            <a:extLst>
-              <a:ext uri="{FF2B5EF4-FFF2-40B4-BE49-F238E27FC236}">
-                <a16:creationId xmlns:a16="http://schemas.microsoft.com/office/drawing/2014/main" id="{FDB1AC1C-AFC7-8595-AC34-A069385CC317}"/>
-              </a:ext>
-            </a:extLst>
-          </p:cNvPr>
-          <p:cNvSpPr txBox="1"/>
-          <p:nvPr/>
-        </p:nvSpPr>
-        <p:spPr>
-          <a:xfrm>
-            <a:off x="602855" y="5952364"/>
-            <a:ext cx="231154" cy="369332"/>
-          </a:xfrm>
-          <a:prstGeom prst="rect">
-            <a:avLst/>
-          </a:prstGeom>
-          <a:noFill/>
-        </p:spPr>
-        <p:txBody>
-          <a:bodyPr wrap="none" rtlCol="0">
-            <a:spAutoFit/>
-          </a:bodyPr>
-          <a:lstStyle/>
-          <a:p>
-            <a:r>
-              <a:rPr lang="en-US" b="1" dirty="0">
-                <a:solidFill>
-                  <a:schemeClr val="bg2">
-                    <a:lumMod val="25000"/>
-                  </a:schemeClr>
-                </a:solidFill>
-              </a:rPr>
-              <a:t> </a:t>
-            </a:r>
-          </a:p>
-        </p:txBody>
-      </p:sp>
-      <p:sp>
-        <p:nvSpPr>
-          <p:cNvPr id="23" name="TextBox 22">
-            <a:extLst>
-              <a:ext uri="{FF2B5EF4-FFF2-40B4-BE49-F238E27FC236}">
-                <a16:creationId xmlns:a16="http://schemas.microsoft.com/office/drawing/2014/main" id="{A5B71380-FD92-18D0-3CC1-473E663C5E72}"/>
-              </a:ext>
-            </a:extLst>
-          </p:cNvPr>
-          <p:cNvSpPr txBox="1"/>
-          <p:nvPr/>
-        </p:nvSpPr>
-        <p:spPr>
-          <a:xfrm>
-            <a:off x="11333541" y="5952363"/>
-            <a:ext cx="1766317" cy="369332"/>
-          </a:xfrm>
-          <a:prstGeom prst="rect">
-            <a:avLst/>
-          </a:prstGeom>
-          <a:noFill/>
-        </p:spPr>
-        <p:txBody>
-          <a:bodyPr wrap="square" rtlCol="0">
-            <a:spAutoFit/>
-          </a:bodyPr>
-          <a:lstStyle/>
-          <a:p>
-            <a:r>
-              <a:rPr lang="en-US" b="1" dirty="0">
-                <a:solidFill>
-                  <a:schemeClr val="bg2">
-                    <a:lumMod val="25000"/>
-                  </a:schemeClr>
-                </a:solidFill>
-              </a:rPr>
-              <a:t> </a:t>
-            </a:r>
-          </a:p>
-        </p:txBody>
-      </p:sp>
-      <p:sp>
-        <p:nvSpPr>
-          <p:cNvPr id="2" name="TextBox 1">
-            <a:extLst>
-              <a:ext uri="{FF2B5EF4-FFF2-40B4-BE49-F238E27FC236}">
-                <a16:creationId xmlns:a16="http://schemas.microsoft.com/office/drawing/2014/main" id="{91950956-2209-65C0-60B6-8E570FBF11D8}"/>
-              </a:ext>
-            </a:extLst>
-          </p:cNvPr>
-          <p:cNvSpPr txBox="1"/>
-          <p:nvPr/>
-        </p:nvSpPr>
-        <p:spPr>
-          <a:xfrm>
-            <a:off x="602855" y="1181422"/>
-            <a:ext cx="1379417" cy="369332"/>
-          </a:xfrm>
-          <a:prstGeom prst="rect">
-            <a:avLst/>
-          </a:prstGeom>
-          <a:noFill/>
-        </p:spPr>
-        <p:txBody>
-          <a:bodyPr wrap="none" rtlCol="0">
-            <a:spAutoFit/>
-          </a:bodyPr>
-          <a:lstStyle/>
-          <a:p>
-            <a:r>
-              <a:rPr lang="en-US" b="1" dirty="0">
-                <a:solidFill>
-                  <a:schemeClr val="bg2">
-                    <a:lumMod val="25000"/>
-                  </a:schemeClr>
-                </a:solidFill>
-              </a:rPr>
-              <a:t>Date Range</a:t>
-            </a:r>
-          </a:p>
-        </p:txBody>
-      </p:sp>
-      <p:sp>
-        <p:nvSpPr>
-          <p:cNvPr id="3" name="Rectangle: Rounded Corners 2">
-            <a:extLst>
-              <a:ext uri="{FF2B5EF4-FFF2-40B4-BE49-F238E27FC236}">
-                <a16:creationId xmlns:a16="http://schemas.microsoft.com/office/drawing/2014/main" id="{96FBC524-4359-E64B-649E-69D8D4E45383}"/>
-              </a:ext>
-            </a:extLst>
-          </p:cNvPr>
-          <p:cNvSpPr/>
-          <p:nvPr/>
-        </p:nvSpPr>
-        <p:spPr>
-          <a:xfrm>
-            <a:off x="6829032" y="4334637"/>
-            <a:ext cx="6029718" cy="5844903"/>
-          </a:xfrm>
-          <a:prstGeom prst="roundRect">
-            <a:avLst>
-              <a:gd name="adj" fmla="val 7996"/>
-            </a:avLst>
-          </a:prstGeom>
-          <a:solidFill>
-            <a:schemeClr val="bg1">
-              <a:lumMod val="95000"/>
-            </a:schemeClr>
-          </a:solidFill>
-          <a:ln>
-            <a:noFill/>
-          </a:ln>
-          <a:effectLst>
-            <a:innerShdw blurRad="114300">
-              <a:prstClr val="black"/>
-            </a:innerShdw>
-          </a:effectLst>
-        </p:spPr>
-        <p:style>
-          <a:lnRef idx="2">
-            <a:schemeClr val="accent1">
-              <a:shade val="15000"/>
-            </a:schemeClr>
-          </a:lnRef>
-          <a:fillRef idx="1">
-            <a:schemeClr val="accent1"/>
-          </a:fillRef>
-          <a:effectRef idx="0">
-            <a:schemeClr val="accent1"/>
-          </a:effectRef>
-          <a:fontRef idx="minor">
-            <a:schemeClr val="lt1"/>
-          </a:fontRef>
-        </p:style>
-        <p:txBody>
-          <a:bodyPr rtlCol="0" anchor="ctr"/>
-          <a:lstStyle/>
-          <a:p>
-            <a:pPr algn="ctr"/>
-            <a:endParaRPr lang="en-US" dirty="0"/>
-          </a:p>
-        </p:txBody>
-      </p:sp>
-      <p:sp>
-        <p:nvSpPr>
-          <p:cNvPr id="5" name="TextBox 4">
-            <a:extLst>
-              <a:ext uri="{FF2B5EF4-FFF2-40B4-BE49-F238E27FC236}">
-                <a16:creationId xmlns:a16="http://schemas.microsoft.com/office/drawing/2014/main" id="{EAB32092-458A-770A-C1D3-4B504494B8B5}"/>
-              </a:ext>
-            </a:extLst>
-          </p:cNvPr>
-          <p:cNvSpPr txBox="1"/>
-          <p:nvPr/>
-        </p:nvSpPr>
-        <p:spPr>
-          <a:xfrm>
-            <a:off x="7374958" y="1933018"/>
-            <a:ext cx="2986086" cy="369332"/>
-          </a:xfrm>
-          <a:prstGeom prst="rect">
-            <a:avLst/>
-          </a:prstGeom>
-          <a:noFill/>
-        </p:spPr>
-        <p:txBody>
-          <a:bodyPr wrap="square" rtlCol="0">
-            <a:spAutoFit/>
-          </a:bodyPr>
-          <a:lstStyle/>
-          <a:p>
-            <a:r>
-              <a:rPr lang="en-US" b="1" dirty="0">
-                <a:solidFill>
-                  <a:schemeClr val="bg2">
-                    <a:lumMod val="25000"/>
-                  </a:schemeClr>
-                </a:solidFill>
-              </a:rPr>
-              <a:t>Leave Status Insight</a:t>
-            </a:r>
-          </a:p>
-        </p:txBody>
-      </p:sp>
-      <p:sp>
-        <p:nvSpPr>
-          <p:cNvPr id="10" name="TextBox 9">
-            <a:extLst>
-              <a:ext uri="{FF2B5EF4-FFF2-40B4-BE49-F238E27FC236}">
-                <a16:creationId xmlns:a16="http://schemas.microsoft.com/office/drawing/2014/main" id="{CB5A433D-3A4B-CCA9-C2CA-CB2EF83F2232}"/>
-              </a:ext>
-            </a:extLst>
-          </p:cNvPr>
-          <p:cNvSpPr txBox="1"/>
-          <p:nvPr/>
-        </p:nvSpPr>
-        <p:spPr>
-          <a:xfrm>
-            <a:off x="711988" y="1846262"/>
-            <a:ext cx="3882473" cy="369332"/>
-          </a:xfrm>
-          <a:prstGeom prst="rect">
-            <a:avLst/>
-          </a:prstGeom>
-          <a:noFill/>
-        </p:spPr>
-        <p:txBody>
-          <a:bodyPr wrap="none" rtlCol="0">
-            <a:spAutoFit/>
-          </a:bodyPr>
-          <a:lstStyle/>
-          <a:p>
-            <a:r>
-              <a:rPr lang="en-US" b="1" dirty="0">
-                <a:solidFill>
-                  <a:schemeClr val="bg2">
-                    <a:lumMod val="25000"/>
-                  </a:schemeClr>
-                </a:solidFill>
-              </a:rPr>
-              <a:t>Average Days on Leave by Age range</a:t>
-            </a:r>
-          </a:p>
-        </p:txBody>
-      </p:sp>
-      <p:sp>
-        <p:nvSpPr>
-          <p:cNvPr id="17" name="TextBox 16">
-            <a:extLst>
-              <a:ext uri="{FF2B5EF4-FFF2-40B4-BE49-F238E27FC236}">
-                <a16:creationId xmlns:a16="http://schemas.microsoft.com/office/drawing/2014/main" id="{06E7D70F-029B-7409-2697-F8222FB476B5}"/>
-              </a:ext>
-            </a:extLst>
-          </p:cNvPr>
-          <p:cNvSpPr txBox="1"/>
-          <p:nvPr/>
-        </p:nvSpPr>
-        <p:spPr>
-          <a:xfrm>
-            <a:off x="782004" y="5862432"/>
-            <a:ext cx="4022383" cy="369332"/>
-          </a:xfrm>
-          <a:prstGeom prst="rect">
-            <a:avLst/>
-          </a:prstGeom>
-          <a:noFill/>
-        </p:spPr>
-        <p:txBody>
-          <a:bodyPr wrap="none" rtlCol="0">
-            <a:spAutoFit/>
-          </a:bodyPr>
-          <a:lstStyle/>
-          <a:p>
-            <a:r>
-              <a:rPr lang="en-US" b="1" dirty="0">
-                <a:solidFill>
-                  <a:schemeClr val="bg2">
-                    <a:lumMod val="25000"/>
-                  </a:schemeClr>
-                </a:solidFill>
-              </a:rPr>
-              <a:t>Annual Leave Utilization by Ethnicity </a:t>
-            </a:r>
-          </a:p>
-        </p:txBody>
-      </p:sp>
-      <p:sp>
-        <p:nvSpPr>
-          <p:cNvPr id="18" name="TextBox 17">
-            <a:extLst>
-              <a:ext uri="{FF2B5EF4-FFF2-40B4-BE49-F238E27FC236}">
-                <a16:creationId xmlns:a16="http://schemas.microsoft.com/office/drawing/2014/main" id="{FFE6A722-F322-B3AA-F6EE-700FA8A68B7B}"/>
-              </a:ext>
-            </a:extLst>
-          </p:cNvPr>
-          <p:cNvSpPr txBox="1"/>
-          <p:nvPr/>
-        </p:nvSpPr>
-        <p:spPr>
-          <a:xfrm>
-            <a:off x="7227613" y="4488414"/>
-            <a:ext cx="5440079" cy="369332"/>
-          </a:xfrm>
-          <a:prstGeom prst="rect">
-            <a:avLst/>
-          </a:prstGeom>
-          <a:noFill/>
-        </p:spPr>
-        <p:txBody>
-          <a:bodyPr wrap="none" rtlCol="0">
-            <a:spAutoFit/>
-          </a:bodyPr>
-          <a:lstStyle/>
-          <a:p>
-            <a:r>
-              <a:rPr lang="en-US" b="1" dirty="0">
-                <a:solidFill>
-                  <a:schemeClr val="bg2">
-                    <a:lumMod val="25000"/>
-                  </a:schemeClr>
-                </a:solidFill>
-              </a:rPr>
-              <a:t>Average Cost of Remaining Annual Leave by Dept </a:t>
-            </a:r>
-          </a:p>
-        </p:txBody>
-      </p:sp>
-      <p:sp>
-        <p:nvSpPr>
-          <p:cNvPr id="24" name="TextBox 23">
-            <a:extLst>
-              <a:ext uri="{FF2B5EF4-FFF2-40B4-BE49-F238E27FC236}">
-                <a16:creationId xmlns:a16="http://schemas.microsoft.com/office/drawing/2014/main" id="{905E8066-695D-0137-7578-298B6BCADEB6}"/>
-              </a:ext>
-            </a:extLst>
-          </p:cNvPr>
-          <p:cNvSpPr txBox="1"/>
-          <p:nvPr/>
-        </p:nvSpPr>
-        <p:spPr>
-          <a:xfrm>
-            <a:off x="13463899" y="2216665"/>
-            <a:ext cx="2794996" cy="369332"/>
-          </a:xfrm>
-          <a:prstGeom prst="rect">
-            <a:avLst/>
-          </a:prstGeom>
-          <a:noFill/>
-        </p:spPr>
-        <p:txBody>
-          <a:bodyPr wrap="none" rtlCol="0">
-            <a:spAutoFit/>
-          </a:bodyPr>
-          <a:lstStyle/>
-          <a:p>
-            <a:r>
-              <a:rPr lang="en-US" b="1" dirty="0">
-                <a:solidFill>
-                  <a:schemeClr val="bg2">
-                    <a:lumMod val="25000"/>
-                  </a:schemeClr>
-                </a:solidFill>
-              </a:rPr>
-              <a:t>Average Total Leave Days</a:t>
-            </a:r>
-          </a:p>
-        </p:txBody>
-      </p:sp>
-      <p:sp>
-        <p:nvSpPr>
-          <p:cNvPr id="25" name="TextBox 24">
-            <a:extLst>
-              <a:ext uri="{FF2B5EF4-FFF2-40B4-BE49-F238E27FC236}">
-                <a16:creationId xmlns:a16="http://schemas.microsoft.com/office/drawing/2014/main" id="{071B408C-B1DB-5DE1-2683-79C4B2ED7BE9}"/>
-              </a:ext>
-            </a:extLst>
-          </p:cNvPr>
-          <p:cNvSpPr txBox="1"/>
-          <p:nvPr/>
-        </p:nvSpPr>
-        <p:spPr>
-          <a:xfrm>
-            <a:off x="13591113" y="6523860"/>
-            <a:ext cx="1452642" cy="369332"/>
-          </a:xfrm>
-          <a:prstGeom prst="rect">
-            <a:avLst/>
-          </a:prstGeom>
-          <a:noFill/>
-        </p:spPr>
-        <p:txBody>
-          <a:bodyPr wrap="none" rtlCol="0">
-            <a:spAutoFit/>
-          </a:bodyPr>
-          <a:lstStyle/>
-          <a:p>
-            <a:r>
-              <a:rPr lang="en-US" b="1" dirty="0">
-                <a:solidFill>
-                  <a:schemeClr val="bg2">
-                    <a:lumMod val="25000"/>
-                  </a:schemeClr>
-                </a:solidFill>
-              </a:rPr>
-              <a:t>Department</a:t>
-            </a:r>
-          </a:p>
-        </p:txBody>
-      </p:sp>
-      <p:sp>
-        <p:nvSpPr>
-          <p:cNvPr id="27" name="TextBox 26">
-            <a:extLst>
-              <a:ext uri="{FF2B5EF4-FFF2-40B4-BE49-F238E27FC236}">
-                <a16:creationId xmlns:a16="http://schemas.microsoft.com/office/drawing/2014/main" id="{9B98FB06-AEE8-C4F6-5E54-D70DEAF419FA}"/>
-              </a:ext>
-            </a:extLst>
-          </p:cNvPr>
-          <p:cNvSpPr txBox="1"/>
-          <p:nvPr/>
-        </p:nvSpPr>
-        <p:spPr>
-          <a:xfrm>
-            <a:off x="13511835" y="4700836"/>
-            <a:ext cx="2483565" cy="667327"/>
-          </a:xfrm>
-          <a:prstGeom prst="rect">
-            <a:avLst/>
-          </a:prstGeom>
-          <a:noFill/>
-        </p:spPr>
-        <p:txBody>
-          <a:bodyPr wrap="square" rtlCol="0">
-            <a:spAutoFit/>
-          </a:bodyPr>
-          <a:lstStyle/>
-          <a:p>
-            <a:r>
-              <a:rPr lang="en-US" b="1" dirty="0">
-                <a:solidFill>
-                  <a:schemeClr val="bg2">
-                    <a:lumMod val="25000"/>
-                  </a:schemeClr>
-                </a:solidFill>
-              </a:rPr>
-              <a:t>Average Annual Leave Liability</a:t>
-            </a:r>
-          </a:p>
-        </p:txBody>
-      </p:sp>
-      <p:sp>
-        <p:nvSpPr>
-          <p:cNvPr id="28" name="TextBox 27">
-            <a:extLst>
-              <a:ext uri="{FF2B5EF4-FFF2-40B4-BE49-F238E27FC236}">
-                <a16:creationId xmlns:a16="http://schemas.microsoft.com/office/drawing/2014/main" id="{0A445901-6D56-6B42-B022-297B5AD190D4}"/>
-              </a:ext>
-            </a:extLst>
-          </p:cNvPr>
-          <p:cNvSpPr txBox="1"/>
-          <p:nvPr/>
-        </p:nvSpPr>
-        <p:spPr>
-          <a:xfrm>
-            <a:off x="13511835" y="3823015"/>
-            <a:ext cx="2462725" cy="369332"/>
-          </a:xfrm>
-          <a:prstGeom prst="rect">
-            <a:avLst/>
-          </a:prstGeom>
-          <a:noFill/>
-        </p:spPr>
-        <p:txBody>
-          <a:bodyPr wrap="none" rtlCol="0">
-            <a:spAutoFit/>
-          </a:bodyPr>
-          <a:lstStyle/>
-          <a:p>
-            <a:r>
-              <a:rPr lang="en-US" b="1" dirty="0">
-                <a:solidFill>
-                  <a:schemeClr val="bg2">
-                    <a:lumMod val="25000"/>
-                  </a:schemeClr>
-                </a:solidFill>
-              </a:rPr>
-              <a:t>Annual Leave Liability</a:t>
-            </a:r>
-          </a:p>
-        </p:txBody>
-      </p:sp>
-      <p:sp>
-        <p:nvSpPr>
-          <p:cNvPr id="29" name="TextBox 28">
-            <a:extLst>
-              <a:ext uri="{FF2B5EF4-FFF2-40B4-BE49-F238E27FC236}">
-                <a16:creationId xmlns:a16="http://schemas.microsoft.com/office/drawing/2014/main" id="{B1F53B3B-9599-CA10-3813-65219650BD51}"/>
-              </a:ext>
-            </a:extLst>
-          </p:cNvPr>
-          <p:cNvSpPr txBox="1"/>
-          <p:nvPr/>
-        </p:nvSpPr>
-        <p:spPr>
-          <a:xfrm>
-            <a:off x="13511835" y="3030918"/>
-            <a:ext cx="2483565" cy="369332"/>
-          </a:xfrm>
-          <a:prstGeom prst="rect">
-            <a:avLst/>
-          </a:prstGeom>
-          <a:noFill/>
-        </p:spPr>
-        <p:txBody>
-          <a:bodyPr wrap="none" rtlCol="0">
-            <a:spAutoFit/>
-          </a:bodyPr>
-          <a:lstStyle/>
-          <a:p>
-            <a:r>
-              <a:rPr lang="en-US" b="1" dirty="0">
-                <a:solidFill>
-                  <a:schemeClr val="bg2">
-                    <a:lumMod val="25000"/>
-                  </a:schemeClr>
-                </a:solidFill>
-              </a:rPr>
-              <a:t>Annual Leave Balance</a:t>
-            </a:r>
-          </a:p>
-        </p:txBody>
-      </p:sp>
     </p:spTree>
     <p:extLst>
       <p:ext uri="{BB962C8B-B14F-4D97-AF65-F5344CB8AC3E}">
-        <p14:creationId xmlns:p14="http://schemas.microsoft.com/office/powerpoint/2010/main" val="1909225561"/>
-      </p:ext>
-    </p:extLst>
-  </p:cSld>
-  <p:clrMapOvr>
-    <a:masterClrMapping/>
-  </p:clrMapOvr>
-</p:sld>
-</file>
-
-<file path=ppt/slides/slide18.xml><?xml version="1.0" encoding="utf-8"?>
-<p:sld xmlns:a="http://schemas.openxmlformats.org/drawingml/2006/main" xmlns:r="http://schemas.openxmlformats.org/officeDocument/2006/relationships" xmlns:p="http://schemas.openxmlformats.org/presentationml/2006/main">
-  <p:cSld>
-    <p:spTree>
-      <p:nvGrpSpPr>
-        <p:cNvPr id="1" name="">
-          <a:extLst>
-            <a:ext uri="{FF2B5EF4-FFF2-40B4-BE49-F238E27FC236}">
-              <a16:creationId xmlns:a16="http://schemas.microsoft.com/office/drawing/2014/main" id="{04AEC289-3B22-0D11-6E42-2F521D8C61CF}"/>
-            </a:ext>
-          </a:extLst>
-        </p:cNvPr>
-        <p:cNvGrpSpPr/>
-        <p:nvPr/>
-      </p:nvGrpSpPr>
-      <p:grpSpPr>
-        <a:xfrm>
-          <a:off x="0" y="0"/>
-          <a:ext cx="0" cy="0"/>
-          <a:chOff x="0" y="0"/>
-          <a:chExt cx="0" cy="0"/>
-        </a:xfrm>
-      </p:grpSpPr>
-      <p:sp>
-        <p:nvSpPr>
-          <p:cNvPr id="6" name="Rectangle 5">
-            <a:extLst>
-              <a:ext uri="{FF2B5EF4-FFF2-40B4-BE49-F238E27FC236}">
-                <a16:creationId xmlns:a16="http://schemas.microsoft.com/office/drawing/2014/main" id="{99658B2A-B5B8-C148-9715-B5BF2FFF5095}"/>
-              </a:ext>
-            </a:extLst>
-          </p:cNvPr>
-          <p:cNvSpPr/>
-          <p:nvPr/>
-        </p:nvSpPr>
-        <p:spPr>
-          <a:xfrm>
-            <a:off x="0" y="0"/>
-            <a:ext cx="18288000" cy="711200"/>
-          </a:xfrm>
-          <a:prstGeom prst="rect">
-            <a:avLst/>
-          </a:prstGeom>
-          <a:solidFill>
-            <a:schemeClr val="accent5">
-              <a:lumMod val="60000"/>
-              <a:lumOff val="40000"/>
-            </a:schemeClr>
-          </a:solidFill>
-          <a:ln>
-            <a:noFill/>
-          </a:ln>
-        </p:spPr>
-        <p:style>
-          <a:lnRef idx="2">
-            <a:schemeClr val="accent1">
-              <a:shade val="15000"/>
-            </a:schemeClr>
-          </a:lnRef>
-          <a:fillRef idx="1">
-            <a:schemeClr val="accent1"/>
-          </a:fillRef>
-          <a:effectRef idx="0">
-            <a:schemeClr val="accent1"/>
-          </a:effectRef>
-          <a:fontRef idx="minor">
-            <a:schemeClr val="lt1"/>
-          </a:fontRef>
-        </p:style>
-        <p:txBody>
-          <a:bodyPr rtlCol="0" anchor="ctr"/>
-          <a:lstStyle/>
-          <a:p>
-            <a:pPr algn="ctr"/>
-            <a:endParaRPr lang="en-US"/>
-          </a:p>
-        </p:txBody>
-      </p:sp>
-      <p:sp>
-        <p:nvSpPr>
-          <p:cNvPr id="7" name="Rectangle 6">
-            <a:extLst>
-              <a:ext uri="{FF2B5EF4-FFF2-40B4-BE49-F238E27FC236}">
-                <a16:creationId xmlns:a16="http://schemas.microsoft.com/office/drawing/2014/main" id="{8CC0C682-3FA9-67A2-4147-2BFF3E5578B2}"/>
-              </a:ext>
-            </a:extLst>
-          </p:cNvPr>
-          <p:cNvSpPr/>
-          <p:nvPr/>
-        </p:nvSpPr>
-        <p:spPr>
-          <a:xfrm>
-            <a:off x="0" y="711200"/>
-            <a:ext cx="18288000" cy="431800"/>
-          </a:xfrm>
-          <a:prstGeom prst="rect">
-            <a:avLst/>
-          </a:prstGeom>
-          <a:solidFill>
-            <a:schemeClr val="accent5">
-              <a:lumMod val="20000"/>
-              <a:lumOff val="80000"/>
-            </a:schemeClr>
-          </a:solidFill>
-          <a:ln>
-            <a:noFill/>
-          </a:ln>
-        </p:spPr>
-        <p:style>
-          <a:lnRef idx="2">
-            <a:schemeClr val="accent1">
-              <a:shade val="15000"/>
-            </a:schemeClr>
-          </a:lnRef>
-          <a:fillRef idx="1">
-            <a:schemeClr val="accent1"/>
-          </a:fillRef>
-          <a:effectRef idx="0">
-            <a:schemeClr val="accent1"/>
-          </a:effectRef>
-          <a:fontRef idx="minor">
-            <a:schemeClr val="lt1"/>
-          </a:fontRef>
-        </p:style>
-        <p:txBody>
-          <a:bodyPr rtlCol="0" anchor="ctr"/>
-          <a:lstStyle/>
-          <a:p>
-            <a:pPr algn="ctr"/>
-            <a:endParaRPr lang="en-US"/>
-          </a:p>
-        </p:txBody>
-      </p:sp>
-      <p:sp>
-        <p:nvSpPr>
-          <p:cNvPr id="8" name="Rectangle 7">
-            <a:extLst>
-              <a:ext uri="{FF2B5EF4-FFF2-40B4-BE49-F238E27FC236}">
-                <a16:creationId xmlns:a16="http://schemas.microsoft.com/office/drawing/2014/main" id="{4BFAF3C6-CE9B-F106-3309-A0952EFEF307}"/>
-              </a:ext>
-            </a:extLst>
-          </p:cNvPr>
-          <p:cNvSpPr/>
-          <p:nvPr/>
-        </p:nvSpPr>
-        <p:spPr>
-          <a:xfrm>
-            <a:off x="0" y="1143000"/>
-            <a:ext cx="18288000" cy="431800"/>
-          </a:xfrm>
-          <a:prstGeom prst="rect">
-            <a:avLst/>
-          </a:prstGeom>
-          <a:solidFill>
-            <a:schemeClr val="bg1"/>
-          </a:solidFill>
-          <a:ln>
-            <a:noFill/>
-          </a:ln>
-          <a:effectLst>
-            <a:outerShdw blurRad="50800" dist="38100" dir="5400000" algn="t" rotWithShape="0">
-              <a:prstClr val="black">
-                <a:alpha val="40000"/>
-              </a:prstClr>
-            </a:outerShdw>
-          </a:effectLst>
-        </p:spPr>
-        <p:style>
-          <a:lnRef idx="2">
-            <a:schemeClr val="accent1">
-              <a:shade val="15000"/>
-            </a:schemeClr>
-          </a:lnRef>
-          <a:fillRef idx="1">
-            <a:schemeClr val="accent1"/>
-          </a:fillRef>
-          <a:effectRef idx="0">
-            <a:schemeClr val="accent1"/>
-          </a:effectRef>
-          <a:fontRef idx="minor">
-            <a:schemeClr val="lt1"/>
-          </a:fontRef>
-        </p:style>
-        <p:txBody>
-          <a:bodyPr rtlCol="0" anchor="ctr"/>
-          <a:lstStyle/>
-          <a:p>
-            <a:pPr algn="ctr"/>
-            <a:endParaRPr lang="en-US"/>
-          </a:p>
-        </p:txBody>
-      </p:sp>
-      <p:sp>
-        <p:nvSpPr>
-          <p:cNvPr id="9" name="Rectangle: Rounded Corners 8">
-            <a:extLst>
-              <a:ext uri="{FF2B5EF4-FFF2-40B4-BE49-F238E27FC236}">
-                <a16:creationId xmlns:a16="http://schemas.microsoft.com/office/drawing/2014/main" id="{C2F0E419-BD10-4CA8-A190-89C8DB86112F}"/>
-              </a:ext>
-            </a:extLst>
-          </p:cNvPr>
-          <p:cNvSpPr/>
-          <p:nvPr/>
-        </p:nvSpPr>
-        <p:spPr>
-          <a:xfrm>
-            <a:off x="108571" y="1754192"/>
-            <a:ext cx="11224969" cy="8422178"/>
-          </a:xfrm>
-          <a:prstGeom prst="roundRect">
-            <a:avLst>
-              <a:gd name="adj" fmla="val 7996"/>
-            </a:avLst>
-          </a:prstGeom>
-          <a:solidFill>
-            <a:schemeClr val="bg1">
-              <a:lumMod val="95000"/>
-            </a:schemeClr>
-          </a:solidFill>
-          <a:ln>
-            <a:noFill/>
-          </a:ln>
-          <a:effectLst>
-            <a:innerShdw blurRad="114300">
-              <a:prstClr val="black"/>
-            </a:innerShdw>
-          </a:effectLst>
-        </p:spPr>
-        <p:style>
-          <a:lnRef idx="2">
-            <a:schemeClr val="accent1">
-              <a:shade val="15000"/>
-            </a:schemeClr>
-          </a:lnRef>
-          <a:fillRef idx="1">
-            <a:schemeClr val="accent1"/>
-          </a:fillRef>
-          <a:effectRef idx="0">
-            <a:schemeClr val="accent1"/>
-          </a:effectRef>
-          <a:fontRef idx="minor">
-            <a:schemeClr val="lt1"/>
-          </a:fontRef>
-        </p:style>
-        <p:txBody>
-          <a:bodyPr rtlCol="0" anchor="ctr"/>
-          <a:lstStyle/>
-          <a:p>
-            <a:pPr algn="ctr"/>
-            <a:endParaRPr lang="en-US" dirty="0"/>
-          </a:p>
-        </p:txBody>
-      </p:sp>
-      <p:sp>
-        <p:nvSpPr>
-          <p:cNvPr id="11" name="Rectangle: Rounded Corners 10">
-            <a:extLst>
-              <a:ext uri="{FF2B5EF4-FFF2-40B4-BE49-F238E27FC236}">
-                <a16:creationId xmlns:a16="http://schemas.microsoft.com/office/drawing/2014/main" id="{4970FEA8-9661-D48F-439B-20E589BFB1E0}"/>
-              </a:ext>
-            </a:extLst>
-          </p:cNvPr>
-          <p:cNvSpPr/>
-          <p:nvPr/>
-        </p:nvSpPr>
-        <p:spPr>
-          <a:xfrm>
-            <a:off x="11499136" y="6121264"/>
-            <a:ext cx="4504453" cy="3967580"/>
-          </a:xfrm>
-          <a:prstGeom prst="roundRect">
-            <a:avLst>
-              <a:gd name="adj" fmla="val 7996"/>
-            </a:avLst>
-          </a:prstGeom>
-          <a:solidFill>
-            <a:schemeClr val="bg1">
-              <a:lumMod val="95000"/>
-            </a:schemeClr>
-          </a:solidFill>
-          <a:ln>
-            <a:noFill/>
-          </a:ln>
-          <a:effectLst>
-            <a:innerShdw blurRad="114300">
-              <a:prstClr val="black"/>
-            </a:innerShdw>
-          </a:effectLst>
-        </p:spPr>
-        <p:style>
-          <a:lnRef idx="2">
-            <a:schemeClr val="accent1">
-              <a:shade val="15000"/>
-            </a:schemeClr>
-          </a:lnRef>
-          <a:fillRef idx="1">
-            <a:schemeClr val="accent1"/>
-          </a:fillRef>
-          <a:effectRef idx="0">
-            <a:schemeClr val="accent1"/>
-          </a:effectRef>
-          <a:fontRef idx="minor">
-            <a:schemeClr val="lt1"/>
-          </a:fontRef>
-        </p:style>
-        <p:txBody>
-          <a:bodyPr rtlCol="0" anchor="ctr"/>
-          <a:lstStyle/>
-          <a:p>
-            <a:pPr algn="ctr"/>
-            <a:endParaRPr lang="en-US" dirty="0"/>
-          </a:p>
-        </p:txBody>
-      </p:sp>
-      <p:pic>
-        <p:nvPicPr>
-          <p:cNvPr id="15" name="Picture 14" descr="A blue and black logo&#10;&#10;Description automatically generated">
-            <a:extLst>
-              <a:ext uri="{FF2B5EF4-FFF2-40B4-BE49-F238E27FC236}">
-                <a16:creationId xmlns:a16="http://schemas.microsoft.com/office/drawing/2014/main" id="{BD917A5B-41A8-D57E-9C08-939CB58606EF}"/>
-              </a:ext>
-            </a:extLst>
-          </p:cNvPr>
-          <p:cNvPicPr preferRelativeResize="0">
-            <a:picLocks noChangeAspect="1"/>
-          </p:cNvPicPr>
-          <p:nvPr/>
-        </p:nvPicPr>
-        <p:blipFill>
-          <a:blip r:embed="rId2" cstate="print">
-            <a:extLst>
-              <a:ext uri="{28A0092B-C50C-407E-A947-70E740481C1C}">
-                <a14:useLocalDpi xmlns:a14="http://schemas.microsoft.com/office/drawing/2010/main" val="0"/>
-              </a:ext>
-            </a:extLst>
-          </a:blip>
-          <a:srcRect l="27137" t="16710" r="25806" b="43169"/>
-          <a:stretch/>
-        </p:blipFill>
-        <p:spPr>
-          <a:xfrm>
-            <a:off x="111949" y="-34240"/>
-            <a:ext cx="732113" cy="732113"/>
-          </a:xfrm>
-          <a:prstGeom prst="rect">
-            <a:avLst/>
-          </a:prstGeom>
-        </p:spPr>
-      </p:pic>
-      <p:sp>
-        <p:nvSpPr>
-          <p:cNvPr id="16" name="TextBox 15">
-            <a:extLst>
-              <a:ext uri="{FF2B5EF4-FFF2-40B4-BE49-F238E27FC236}">
-                <a16:creationId xmlns:a16="http://schemas.microsoft.com/office/drawing/2014/main" id="{B6388693-779B-63CA-8C34-CF62E79BED86}"/>
-              </a:ext>
-            </a:extLst>
-          </p:cNvPr>
-          <p:cNvSpPr txBox="1"/>
-          <p:nvPr/>
-        </p:nvSpPr>
-        <p:spPr>
-          <a:xfrm>
-            <a:off x="815332" y="-22127"/>
-            <a:ext cx="5096267" cy="707886"/>
-          </a:xfrm>
-          <a:prstGeom prst="rect">
-            <a:avLst/>
-          </a:prstGeom>
-          <a:noFill/>
-        </p:spPr>
-        <p:txBody>
-          <a:bodyPr wrap="none" rtlCol="0">
-            <a:spAutoFit/>
-          </a:bodyPr>
-          <a:lstStyle/>
-          <a:p>
-            <a:r>
-              <a:rPr lang="en-US" sz="4000" b="1" dirty="0" err="1">
-                <a:solidFill>
-                  <a:schemeClr val="bg1"/>
-                </a:solidFill>
-                <a:latin typeface="Bahnschrift SemiBold SemiConden" panose="020B0502040204020203" pitchFamily="34" charset="0"/>
-              </a:rPr>
-              <a:t>TechCore</a:t>
-            </a:r>
-            <a:r>
-              <a:rPr lang="en-US" sz="4000" b="1" dirty="0">
-                <a:solidFill>
-                  <a:schemeClr val="bg1"/>
-                </a:solidFill>
-                <a:latin typeface="Bahnschrift SemiBold SemiConden" panose="020B0502040204020203" pitchFamily="34" charset="0"/>
-              </a:rPr>
-              <a:t> Innovation- HR</a:t>
-            </a:r>
-          </a:p>
-        </p:txBody>
-      </p:sp>
-      <p:sp>
-        <p:nvSpPr>
-          <p:cNvPr id="19" name="Rectangle: Rounded Corners 18">
-            <a:extLst>
-              <a:ext uri="{FF2B5EF4-FFF2-40B4-BE49-F238E27FC236}">
-                <a16:creationId xmlns:a16="http://schemas.microsoft.com/office/drawing/2014/main" id="{D4D74A61-A305-C3DE-AEE7-C101BD4D1A5D}"/>
-              </a:ext>
-            </a:extLst>
-          </p:cNvPr>
-          <p:cNvSpPr/>
-          <p:nvPr/>
-        </p:nvSpPr>
-        <p:spPr>
-          <a:xfrm>
-            <a:off x="11499136" y="1751568"/>
-            <a:ext cx="4504453" cy="4142274"/>
-          </a:xfrm>
-          <a:prstGeom prst="roundRect">
-            <a:avLst>
-              <a:gd name="adj" fmla="val 7996"/>
-            </a:avLst>
-          </a:prstGeom>
-          <a:solidFill>
-            <a:schemeClr val="bg1">
-              <a:lumMod val="95000"/>
-            </a:schemeClr>
-          </a:solidFill>
-          <a:ln>
-            <a:noFill/>
-          </a:ln>
-          <a:effectLst>
-            <a:innerShdw blurRad="114300">
-              <a:prstClr val="black"/>
-            </a:innerShdw>
-          </a:effectLst>
-        </p:spPr>
-        <p:style>
-          <a:lnRef idx="2">
-            <a:schemeClr val="accent1">
-              <a:shade val="15000"/>
-            </a:schemeClr>
-          </a:lnRef>
-          <a:fillRef idx="1">
-            <a:schemeClr val="accent1"/>
-          </a:fillRef>
-          <a:effectRef idx="0">
-            <a:schemeClr val="accent1"/>
-          </a:effectRef>
-          <a:fontRef idx="minor">
-            <a:schemeClr val="lt1"/>
-          </a:fontRef>
-        </p:style>
-        <p:txBody>
-          <a:bodyPr rtlCol="0" anchor="ctr"/>
-          <a:lstStyle/>
-          <a:p>
-            <a:pPr algn="ctr"/>
-            <a:r>
-              <a:rPr lang="en-US" dirty="0"/>
-              <a:t>V</a:t>
-            </a:r>
-          </a:p>
-        </p:txBody>
-      </p:sp>
-      <p:sp>
-        <p:nvSpPr>
-          <p:cNvPr id="20" name="Rectangle: Rounded Corners 19">
-            <a:extLst>
-              <a:ext uri="{FF2B5EF4-FFF2-40B4-BE49-F238E27FC236}">
-                <a16:creationId xmlns:a16="http://schemas.microsoft.com/office/drawing/2014/main" id="{7EC7BDF2-7881-8601-7488-CED69AF549FC}"/>
-              </a:ext>
-            </a:extLst>
-          </p:cNvPr>
-          <p:cNvSpPr/>
-          <p:nvPr/>
-        </p:nvSpPr>
-        <p:spPr>
-          <a:xfrm>
-            <a:off x="16169185" y="1776356"/>
-            <a:ext cx="1977524" cy="8312488"/>
-          </a:xfrm>
-          <a:prstGeom prst="roundRect">
-            <a:avLst>
-              <a:gd name="adj" fmla="val 7996"/>
-            </a:avLst>
-          </a:prstGeom>
-          <a:solidFill>
-            <a:schemeClr val="bg1">
-              <a:lumMod val="95000"/>
-            </a:schemeClr>
-          </a:solidFill>
-          <a:ln>
-            <a:noFill/>
-          </a:ln>
-          <a:effectLst>
-            <a:innerShdw blurRad="114300">
-              <a:prstClr val="black"/>
-            </a:innerShdw>
-          </a:effectLst>
-        </p:spPr>
-        <p:style>
-          <a:lnRef idx="2">
-            <a:schemeClr val="accent1">
-              <a:shade val="15000"/>
-            </a:schemeClr>
-          </a:lnRef>
-          <a:fillRef idx="1">
-            <a:schemeClr val="accent1"/>
-          </a:fillRef>
-          <a:effectRef idx="0">
-            <a:schemeClr val="accent1"/>
-          </a:effectRef>
-          <a:fontRef idx="minor">
-            <a:schemeClr val="lt1"/>
-          </a:fontRef>
-        </p:style>
-        <p:txBody>
-          <a:bodyPr rtlCol="0" anchor="ctr"/>
-          <a:lstStyle/>
-          <a:p>
-            <a:pPr algn="ctr"/>
-            <a:endParaRPr lang="en-US"/>
-          </a:p>
-        </p:txBody>
-      </p:sp>
-      <p:sp>
-        <p:nvSpPr>
-          <p:cNvPr id="22" name="TextBox 21">
-            <a:extLst>
-              <a:ext uri="{FF2B5EF4-FFF2-40B4-BE49-F238E27FC236}">
-                <a16:creationId xmlns:a16="http://schemas.microsoft.com/office/drawing/2014/main" id="{FDB1AC1C-AFC7-8595-AC34-A069385CC317}"/>
-              </a:ext>
-            </a:extLst>
-          </p:cNvPr>
-          <p:cNvSpPr txBox="1"/>
-          <p:nvPr/>
-        </p:nvSpPr>
-        <p:spPr>
-          <a:xfrm>
-            <a:off x="602855" y="5952364"/>
-            <a:ext cx="231154" cy="369332"/>
-          </a:xfrm>
-          <a:prstGeom prst="rect">
-            <a:avLst/>
-          </a:prstGeom>
-          <a:noFill/>
-        </p:spPr>
-        <p:txBody>
-          <a:bodyPr wrap="none" rtlCol="0">
-            <a:spAutoFit/>
-          </a:bodyPr>
-          <a:lstStyle/>
-          <a:p>
-            <a:r>
-              <a:rPr lang="en-US" b="1" dirty="0">
-                <a:solidFill>
-                  <a:schemeClr val="bg2">
-                    <a:lumMod val="25000"/>
-                  </a:schemeClr>
-                </a:solidFill>
-              </a:rPr>
-              <a:t> </a:t>
-            </a:r>
-          </a:p>
-        </p:txBody>
-      </p:sp>
-      <p:sp>
-        <p:nvSpPr>
-          <p:cNvPr id="23" name="TextBox 22">
-            <a:extLst>
-              <a:ext uri="{FF2B5EF4-FFF2-40B4-BE49-F238E27FC236}">
-                <a16:creationId xmlns:a16="http://schemas.microsoft.com/office/drawing/2014/main" id="{A5B71380-FD92-18D0-3CC1-473E663C5E72}"/>
-              </a:ext>
-            </a:extLst>
-          </p:cNvPr>
-          <p:cNvSpPr txBox="1"/>
-          <p:nvPr/>
-        </p:nvSpPr>
-        <p:spPr>
-          <a:xfrm>
-            <a:off x="11333541" y="5952363"/>
-            <a:ext cx="1766317" cy="369332"/>
-          </a:xfrm>
-          <a:prstGeom prst="rect">
-            <a:avLst/>
-          </a:prstGeom>
-          <a:noFill/>
-        </p:spPr>
-        <p:txBody>
-          <a:bodyPr wrap="square" rtlCol="0">
-            <a:spAutoFit/>
-          </a:bodyPr>
-          <a:lstStyle/>
-          <a:p>
-            <a:r>
-              <a:rPr lang="en-US" b="1" dirty="0">
-                <a:solidFill>
-                  <a:schemeClr val="bg2">
-                    <a:lumMod val="25000"/>
-                  </a:schemeClr>
-                </a:solidFill>
-              </a:rPr>
-              <a:t> </a:t>
-            </a:r>
-          </a:p>
-        </p:txBody>
-      </p:sp>
-      <p:sp>
-        <p:nvSpPr>
-          <p:cNvPr id="2" name="TextBox 1">
-            <a:extLst>
-              <a:ext uri="{FF2B5EF4-FFF2-40B4-BE49-F238E27FC236}">
-                <a16:creationId xmlns:a16="http://schemas.microsoft.com/office/drawing/2014/main" id="{91950956-2209-65C0-60B6-8E570FBF11D8}"/>
-              </a:ext>
-            </a:extLst>
-          </p:cNvPr>
-          <p:cNvSpPr txBox="1"/>
-          <p:nvPr/>
-        </p:nvSpPr>
-        <p:spPr>
-          <a:xfrm>
-            <a:off x="602855" y="1181422"/>
-            <a:ext cx="1379417" cy="369332"/>
-          </a:xfrm>
-          <a:prstGeom prst="rect">
-            <a:avLst/>
-          </a:prstGeom>
-          <a:noFill/>
-        </p:spPr>
-        <p:txBody>
-          <a:bodyPr wrap="none" rtlCol="0">
-            <a:spAutoFit/>
-          </a:bodyPr>
-          <a:lstStyle/>
-          <a:p>
-            <a:r>
-              <a:rPr lang="en-US" b="1" dirty="0">
-                <a:solidFill>
-                  <a:schemeClr val="bg2">
-                    <a:lumMod val="25000"/>
-                  </a:schemeClr>
-                </a:solidFill>
-              </a:rPr>
-              <a:t>Date Range</a:t>
-            </a:r>
-          </a:p>
-        </p:txBody>
-      </p:sp>
-      <p:sp>
-        <p:nvSpPr>
-          <p:cNvPr id="5" name="TextBox 4">
-            <a:extLst>
-              <a:ext uri="{FF2B5EF4-FFF2-40B4-BE49-F238E27FC236}">
-                <a16:creationId xmlns:a16="http://schemas.microsoft.com/office/drawing/2014/main" id="{EAB32092-458A-770A-C1D3-4B504494B8B5}"/>
-              </a:ext>
-            </a:extLst>
-          </p:cNvPr>
-          <p:cNvSpPr txBox="1"/>
-          <p:nvPr/>
-        </p:nvSpPr>
-        <p:spPr>
-          <a:xfrm>
-            <a:off x="6828189" y="5751932"/>
-            <a:ext cx="4062856" cy="369332"/>
-          </a:xfrm>
-          <a:prstGeom prst="rect">
-            <a:avLst/>
-          </a:prstGeom>
-          <a:noFill/>
-        </p:spPr>
-        <p:txBody>
-          <a:bodyPr wrap="square" rtlCol="0">
-            <a:spAutoFit/>
-          </a:bodyPr>
-          <a:lstStyle/>
-          <a:p>
-            <a:r>
-              <a:rPr lang="en-US" b="1" dirty="0">
-                <a:solidFill>
-                  <a:schemeClr val="bg2">
-                    <a:lumMod val="25000"/>
-                  </a:schemeClr>
-                </a:solidFill>
-              </a:rPr>
-              <a:t>Availability Rate by Tenure Band</a:t>
-            </a:r>
-          </a:p>
-        </p:txBody>
-      </p:sp>
-      <p:sp>
-        <p:nvSpPr>
-          <p:cNvPr id="10" name="TextBox 9">
-            <a:extLst>
-              <a:ext uri="{FF2B5EF4-FFF2-40B4-BE49-F238E27FC236}">
-                <a16:creationId xmlns:a16="http://schemas.microsoft.com/office/drawing/2014/main" id="{CB5A433D-3A4B-CCA9-C2CA-CB2EF83F2232}"/>
-              </a:ext>
-            </a:extLst>
-          </p:cNvPr>
-          <p:cNvSpPr txBox="1"/>
-          <p:nvPr/>
-        </p:nvSpPr>
-        <p:spPr>
-          <a:xfrm>
-            <a:off x="711988" y="1846262"/>
-            <a:ext cx="3700757" cy="369332"/>
-          </a:xfrm>
-          <a:prstGeom prst="rect">
-            <a:avLst/>
-          </a:prstGeom>
-          <a:noFill/>
-        </p:spPr>
-        <p:txBody>
-          <a:bodyPr wrap="none" rtlCol="0">
-            <a:spAutoFit/>
-          </a:bodyPr>
-          <a:lstStyle/>
-          <a:p>
-            <a:r>
-              <a:rPr lang="en-US" b="1" dirty="0">
-                <a:solidFill>
-                  <a:schemeClr val="bg2">
-                    <a:lumMod val="25000"/>
-                  </a:schemeClr>
-                </a:solidFill>
-              </a:rPr>
-              <a:t>Absenteeism Rate by Department</a:t>
-            </a:r>
-          </a:p>
-        </p:txBody>
-      </p:sp>
-      <p:sp>
-        <p:nvSpPr>
-          <p:cNvPr id="17" name="TextBox 16">
-            <a:extLst>
-              <a:ext uri="{FF2B5EF4-FFF2-40B4-BE49-F238E27FC236}">
-                <a16:creationId xmlns:a16="http://schemas.microsoft.com/office/drawing/2014/main" id="{06E7D70F-029B-7409-2697-F8222FB476B5}"/>
-              </a:ext>
-            </a:extLst>
-          </p:cNvPr>
-          <p:cNvSpPr txBox="1"/>
-          <p:nvPr/>
-        </p:nvSpPr>
-        <p:spPr>
-          <a:xfrm>
-            <a:off x="718432" y="5780615"/>
-            <a:ext cx="4933996" cy="369332"/>
-          </a:xfrm>
-          <a:prstGeom prst="rect">
-            <a:avLst/>
-          </a:prstGeom>
-          <a:noFill/>
-        </p:spPr>
-        <p:txBody>
-          <a:bodyPr wrap="square" rtlCol="0">
-            <a:spAutoFit/>
-          </a:bodyPr>
-          <a:lstStyle/>
-          <a:p>
-            <a:r>
-              <a:rPr lang="en-US" b="1" dirty="0">
-                <a:solidFill>
-                  <a:schemeClr val="bg2">
-                    <a:lumMod val="25000"/>
-                  </a:schemeClr>
-                </a:solidFill>
-              </a:rPr>
-              <a:t>Absenteeism Rate by Organizational Level </a:t>
-            </a:r>
-          </a:p>
-        </p:txBody>
-      </p:sp>
-      <p:sp>
-        <p:nvSpPr>
-          <p:cNvPr id="18" name="TextBox 17">
-            <a:extLst>
-              <a:ext uri="{FF2B5EF4-FFF2-40B4-BE49-F238E27FC236}">
-                <a16:creationId xmlns:a16="http://schemas.microsoft.com/office/drawing/2014/main" id="{FFE6A722-F322-B3AA-F6EE-700FA8A68B7B}"/>
-              </a:ext>
-            </a:extLst>
-          </p:cNvPr>
-          <p:cNvSpPr txBox="1"/>
-          <p:nvPr/>
-        </p:nvSpPr>
-        <p:spPr>
-          <a:xfrm>
-            <a:off x="11907246" y="6259422"/>
-            <a:ext cx="2551532" cy="369332"/>
-          </a:xfrm>
-          <a:prstGeom prst="rect">
-            <a:avLst/>
-          </a:prstGeom>
-          <a:noFill/>
-        </p:spPr>
-        <p:txBody>
-          <a:bodyPr wrap="none" rtlCol="0">
-            <a:spAutoFit/>
-          </a:bodyPr>
-          <a:lstStyle/>
-          <a:p>
-            <a:r>
-              <a:rPr lang="en-US" b="1" dirty="0">
-                <a:solidFill>
-                  <a:schemeClr val="bg2">
-                    <a:lumMod val="25000"/>
-                  </a:schemeClr>
-                </a:solidFill>
-              </a:rPr>
-              <a:t>Availability Rate Trend </a:t>
-            </a:r>
-          </a:p>
-        </p:txBody>
-      </p:sp>
-      <p:sp>
-        <p:nvSpPr>
-          <p:cNvPr id="24" name="TextBox 23">
-            <a:extLst>
-              <a:ext uri="{FF2B5EF4-FFF2-40B4-BE49-F238E27FC236}">
-                <a16:creationId xmlns:a16="http://schemas.microsoft.com/office/drawing/2014/main" id="{905E8066-695D-0137-7578-298B6BCADEB6}"/>
-              </a:ext>
-            </a:extLst>
-          </p:cNvPr>
-          <p:cNvSpPr txBox="1"/>
-          <p:nvPr/>
-        </p:nvSpPr>
-        <p:spPr>
-          <a:xfrm>
-            <a:off x="11754829" y="2215594"/>
-            <a:ext cx="1873590" cy="369332"/>
-          </a:xfrm>
-          <a:prstGeom prst="rect">
-            <a:avLst/>
-          </a:prstGeom>
-          <a:noFill/>
-        </p:spPr>
-        <p:txBody>
-          <a:bodyPr wrap="none" rtlCol="0">
-            <a:spAutoFit/>
-          </a:bodyPr>
-          <a:lstStyle/>
-          <a:p>
-            <a:r>
-              <a:rPr lang="en-US" b="1" dirty="0">
-                <a:solidFill>
-                  <a:schemeClr val="bg2">
-                    <a:lumMod val="25000"/>
-                  </a:schemeClr>
-                </a:solidFill>
-              </a:rPr>
-              <a:t>Availability Rate</a:t>
-            </a:r>
-          </a:p>
-        </p:txBody>
-      </p:sp>
-      <p:sp>
-        <p:nvSpPr>
-          <p:cNvPr id="25" name="TextBox 24">
-            <a:extLst>
-              <a:ext uri="{FF2B5EF4-FFF2-40B4-BE49-F238E27FC236}">
-                <a16:creationId xmlns:a16="http://schemas.microsoft.com/office/drawing/2014/main" id="{071B408C-B1DB-5DE1-2683-79C4B2ED7BE9}"/>
-              </a:ext>
-            </a:extLst>
-          </p:cNvPr>
-          <p:cNvSpPr txBox="1"/>
-          <p:nvPr/>
-        </p:nvSpPr>
-        <p:spPr>
-          <a:xfrm>
-            <a:off x="16267538" y="4999696"/>
-            <a:ext cx="1452642" cy="369332"/>
-          </a:xfrm>
-          <a:prstGeom prst="rect">
-            <a:avLst/>
-          </a:prstGeom>
-          <a:noFill/>
-        </p:spPr>
-        <p:txBody>
-          <a:bodyPr wrap="none" rtlCol="0">
-            <a:spAutoFit/>
-          </a:bodyPr>
-          <a:lstStyle/>
-          <a:p>
-            <a:r>
-              <a:rPr lang="en-US" b="1" dirty="0">
-                <a:solidFill>
-                  <a:schemeClr val="bg2">
-                    <a:lumMod val="25000"/>
-                  </a:schemeClr>
-                </a:solidFill>
-              </a:rPr>
-              <a:t>Department</a:t>
-            </a:r>
-          </a:p>
-        </p:txBody>
-      </p:sp>
-      <p:sp>
-        <p:nvSpPr>
-          <p:cNvPr id="27" name="TextBox 26">
-            <a:extLst>
-              <a:ext uri="{FF2B5EF4-FFF2-40B4-BE49-F238E27FC236}">
-                <a16:creationId xmlns:a16="http://schemas.microsoft.com/office/drawing/2014/main" id="{9B98FB06-AEE8-C4F6-5E54-D70DEAF419FA}"/>
-              </a:ext>
-            </a:extLst>
-          </p:cNvPr>
-          <p:cNvSpPr txBox="1"/>
-          <p:nvPr/>
-        </p:nvSpPr>
-        <p:spPr>
-          <a:xfrm>
-            <a:off x="11754829" y="4672575"/>
-            <a:ext cx="2318715" cy="646331"/>
-          </a:xfrm>
-          <a:prstGeom prst="rect">
-            <a:avLst/>
-          </a:prstGeom>
-          <a:noFill/>
-        </p:spPr>
-        <p:txBody>
-          <a:bodyPr wrap="square" rtlCol="0">
-            <a:spAutoFit/>
-          </a:bodyPr>
-          <a:lstStyle/>
-          <a:p>
-            <a:r>
-              <a:rPr lang="en-US" b="1" dirty="0">
-                <a:solidFill>
-                  <a:schemeClr val="bg2">
-                    <a:lumMod val="25000"/>
-                  </a:schemeClr>
-                </a:solidFill>
-              </a:rPr>
-              <a:t>Average  Leave Days Taken</a:t>
-            </a:r>
-          </a:p>
-        </p:txBody>
-      </p:sp>
-      <p:sp>
-        <p:nvSpPr>
-          <p:cNvPr id="28" name="TextBox 27">
-            <a:extLst>
-              <a:ext uri="{FF2B5EF4-FFF2-40B4-BE49-F238E27FC236}">
-                <a16:creationId xmlns:a16="http://schemas.microsoft.com/office/drawing/2014/main" id="{0A445901-6D56-6B42-B022-297B5AD190D4}"/>
-              </a:ext>
-            </a:extLst>
-          </p:cNvPr>
-          <p:cNvSpPr txBox="1"/>
-          <p:nvPr/>
-        </p:nvSpPr>
-        <p:spPr>
-          <a:xfrm>
-            <a:off x="11740984" y="3820829"/>
-            <a:ext cx="2661883" cy="369332"/>
-          </a:xfrm>
-          <a:prstGeom prst="rect">
-            <a:avLst/>
-          </a:prstGeom>
-          <a:noFill/>
-        </p:spPr>
-        <p:txBody>
-          <a:bodyPr wrap="none" rtlCol="0">
-            <a:spAutoFit/>
-          </a:bodyPr>
-          <a:lstStyle/>
-          <a:p>
-            <a:r>
-              <a:rPr lang="en-US" b="1" dirty="0">
-                <a:solidFill>
-                  <a:schemeClr val="bg2">
-                    <a:lumMod val="25000"/>
-                  </a:schemeClr>
-                </a:solidFill>
-              </a:rPr>
-              <a:t>Total Absenteeism Cost</a:t>
-            </a:r>
-          </a:p>
-        </p:txBody>
-      </p:sp>
-      <p:sp>
-        <p:nvSpPr>
-          <p:cNvPr id="29" name="TextBox 28">
-            <a:extLst>
-              <a:ext uri="{FF2B5EF4-FFF2-40B4-BE49-F238E27FC236}">
-                <a16:creationId xmlns:a16="http://schemas.microsoft.com/office/drawing/2014/main" id="{B1F53B3B-9599-CA10-3813-65219650BD51}"/>
-              </a:ext>
-            </a:extLst>
-          </p:cNvPr>
-          <p:cNvSpPr txBox="1"/>
-          <p:nvPr/>
-        </p:nvSpPr>
-        <p:spPr>
-          <a:xfrm>
-            <a:off x="11754829" y="3015201"/>
-            <a:ext cx="2093586" cy="369332"/>
-          </a:xfrm>
-          <a:prstGeom prst="rect">
-            <a:avLst/>
-          </a:prstGeom>
-          <a:noFill/>
-        </p:spPr>
-        <p:txBody>
-          <a:bodyPr wrap="none" rtlCol="0">
-            <a:spAutoFit/>
-          </a:bodyPr>
-          <a:lstStyle/>
-          <a:p>
-            <a:r>
-              <a:rPr lang="en-US" b="1" dirty="0">
-                <a:solidFill>
-                  <a:schemeClr val="bg2">
-                    <a:lumMod val="25000"/>
-                  </a:schemeClr>
-                </a:solidFill>
-              </a:rPr>
-              <a:t>Absenteeism Rate</a:t>
-            </a:r>
-          </a:p>
-        </p:txBody>
-      </p:sp>
-      <p:sp>
-        <p:nvSpPr>
-          <p:cNvPr id="4" name="TextBox 3">
-            <a:extLst>
-              <a:ext uri="{FF2B5EF4-FFF2-40B4-BE49-F238E27FC236}">
-                <a16:creationId xmlns:a16="http://schemas.microsoft.com/office/drawing/2014/main" id="{A1CB2B0F-3D1E-8BD5-A54C-4486B4CA7A8A}"/>
-              </a:ext>
-            </a:extLst>
-          </p:cNvPr>
-          <p:cNvSpPr txBox="1"/>
-          <p:nvPr/>
-        </p:nvSpPr>
-        <p:spPr>
-          <a:xfrm>
-            <a:off x="6732192" y="1839917"/>
-            <a:ext cx="4022383" cy="369332"/>
-          </a:xfrm>
-          <a:prstGeom prst="rect">
-            <a:avLst/>
-          </a:prstGeom>
-          <a:noFill/>
-        </p:spPr>
-        <p:txBody>
-          <a:bodyPr wrap="square" rtlCol="0">
-            <a:spAutoFit/>
-          </a:bodyPr>
-          <a:lstStyle/>
-          <a:p>
-            <a:r>
-              <a:rPr lang="en-US" b="1" dirty="0">
-                <a:solidFill>
-                  <a:schemeClr val="bg2">
-                    <a:lumMod val="25000"/>
-                  </a:schemeClr>
-                </a:solidFill>
-              </a:rPr>
-              <a:t>  Absenteeism Rate by Age Range </a:t>
-            </a:r>
-          </a:p>
-        </p:txBody>
-      </p:sp>
-      <p:sp>
-        <p:nvSpPr>
-          <p:cNvPr id="12" name="TextBox 11">
-            <a:extLst>
-              <a:ext uri="{FF2B5EF4-FFF2-40B4-BE49-F238E27FC236}">
-                <a16:creationId xmlns:a16="http://schemas.microsoft.com/office/drawing/2014/main" id="{24D5B944-8046-7AA1-783C-FD91605A6B7D}"/>
-              </a:ext>
-            </a:extLst>
-          </p:cNvPr>
-          <p:cNvSpPr txBox="1"/>
-          <p:nvPr/>
-        </p:nvSpPr>
-        <p:spPr>
-          <a:xfrm>
-            <a:off x="16267538" y="2030928"/>
-            <a:ext cx="1713575" cy="646331"/>
-          </a:xfrm>
-          <a:prstGeom prst="rect">
-            <a:avLst/>
-          </a:prstGeom>
-          <a:noFill/>
-        </p:spPr>
-        <p:txBody>
-          <a:bodyPr wrap="square" rtlCol="0">
-            <a:spAutoFit/>
-          </a:bodyPr>
-          <a:lstStyle/>
-          <a:p>
-            <a:r>
-              <a:rPr lang="en-US" b="1" dirty="0">
-                <a:solidFill>
-                  <a:schemeClr val="bg2">
-                    <a:lumMod val="25000"/>
-                  </a:schemeClr>
-                </a:solidFill>
-              </a:rPr>
-              <a:t>Organizational Level </a:t>
-            </a:r>
-          </a:p>
-        </p:txBody>
-      </p:sp>
-    </p:spTree>
-    <p:extLst>
-      <p:ext uri="{BB962C8B-B14F-4D97-AF65-F5344CB8AC3E}">
-        <p14:creationId xmlns:p14="http://schemas.microsoft.com/office/powerpoint/2010/main" val="2534296690"/>
-      </p:ext>
-    </p:extLst>
-  </p:cSld>
-  <p:clrMapOvr>
-    <a:masterClrMapping/>
-  </p:clrMapOvr>
-</p:sld>
-</file>
-
-<file path=ppt/slides/slide19.xml><?xml version="1.0" encoding="utf-8"?>
-<p:sld xmlns:a="http://schemas.openxmlformats.org/drawingml/2006/main" xmlns:r="http://schemas.openxmlformats.org/officeDocument/2006/relationships" xmlns:p="http://schemas.openxmlformats.org/presentationml/2006/main">
-  <p:cSld>
-    <p:spTree>
-      <p:nvGrpSpPr>
-        <p:cNvPr id="1" name="">
-          <a:extLst>
-            <a:ext uri="{FF2B5EF4-FFF2-40B4-BE49-F238E27FC236}">
-              <a16:creationId xmlns:a16="http://schemas.microsoft.com/office/drawing/2014/main" id="{04AEC289-3B22-0D11-6E42-2F521D8C61CF}"/>
-            </a:ext>
-          </a:extLst>
-        </p:cNvPr>
-        <p:cNvGrpSpPr/>
-        <p:nvPr/>
-      </p:nvGrpSpPr>
-      <p:grpSpPr>
-        <a:xfrm>
-          <a:off x="0" y="0"/>
-          <a:ext cx="0" cy="0"/>
-          <a:chOff x="0" y="0"/>
-          <a:chExt cx="0" cy="0"/>
-        </a:xfrm>
-      </p:grpSpPr>
-      <p:sp>
-        <p:nvSpPr>
-          <p:cNvPr id="6" name="Rectangle 5">
-            <a:extLst>
-              <a:ext uri="{FF2B5EF4-FFF2-40B4-BE49-F238E27FC236}">
-                <a16:creationId xmlns:a16="http://schemas.microsoft.com/office/drawing/2014/main" id="{99658B2A-B5B8-C148-9715-B5BF2FFF5095}"/>
-              </a:ext>
-            </a:extLst>
-          </p:cNvPr>
-          <p:cNvSpPr/>
-          <p:nvPr/>
-        </p:nvSpPr>
-        <p:spPr>
-          <a:xfrm>
-            <a:off x="0" y="0"/>
-            <a:ext cx="18288000" cy="711200"/>
-          </a:xfrm>
-          <a:prstGeom prst="rect">
-            <a:avLst/>
-          </a:prstGeom>
-          <a:solidFill>
-            <a:schemeClr val="accent5">
-              <a:lumMod val="60000"/>
-              <a:lumOff val="40000"/>
-            </a:schemeClr>
-          </a:solidFill>
-          <a:ln>
-            <a:noFill/>
-          </a:ln>
-        </p:spPr>
-        <p:style>
-          <a:lnRef idx="2">
-            <a:schemeClr val="accent1">
-              <a:shade val="15000"/>
-            </a:schemeClr>
-          </a:lnRef>
-          <a:fillRef idx="1">
-            <a:schemeClr val="accent1"/>
-          </a:fillRef>
-          <a:effectRef idx="0">
-            <a:schemeClr val="accent1"/>
-          </a:effectRef>
-          <a:fontRef idx="minor">
-            <a:schemeClr val="lt1"/>
-          </a:fontRef>
-        </p:style>
-        <p:txBody>
-          <a:bodyPr rtlCol="0" anchor="ctr"/>
-          <a:lstStyle/>
-          <a:p>
-            <a:pPr algn="ctr"/>
-            <a:endParaRPr lang="en-US"/>
-          </a:p>
-        </p:txBody>
-      </p:sp>
-      <p:sp>
-        <p:nvSpPr>
-          <p:cNvPr id="7" name="Rectangle 6">
-            <a:extLst>
-              <a:ext uri="{FF2B5EF4-FFF2-40B4-BE49-F238E27FC236}">
-                <a16:creationId xmlns:a16="http://schemas.microsoft.com/office/drawing/2014/main" id="{8CC0C682-3FA9-67A2-4147-2BFF3E5578B2}"/>
-              </a:ext>
-            </a:extLst>
-          </p:cNvPr>
-          <p:cNvSpPr/>
-          <p:nvPr/>
-        </p:nvSpPr>
-        <p:spPr>
-          <a:xfrm>
-            <a:off x="0" y="711200"/>
-            <a:ext cx="18288000" cy="431800"/>
-          </a:xfrm>
-          <a:prstGeom prst="rect">
-            <a:avLst/>
-          </a:prstGeom>
-          <a:solidFill>
-            <a:schemeClr val="accent5">
-              <a:lumMod val="20000"/>
-              <a:lumOff val="80000"/>
-            </a:schemeClr>
-          </a:solidFill>
-          <a:ln>
-            <a:noFill/>
-          </a:ln>
-        </p:spPr>
-        <p:style>
-          <a:lnRef idx="2">
-            <a:schemeClr val="accent1">
-              <a:shade val="15000"/>
-            </a:schemeClr>
-          </a:lnRef>
-          <a:fillRef idx="1">
-            <a:schemeClr val="accent1"/>
-          </a:fillRef>
-          <a:effectRef idx="0">
-            <a:schemeClr val="accent1"/>
-          </a:effectRef>
-          <a:fontRef idx="minor">
-            <a:schemeClr val="lt1"/>
-          </a:fontRef>
-        </p:style>
-        <p:txBody>
-          <a:bodyPr rtlCol="0" anchor="ctr"/>
-          <a:lstStyle/>
-          <a:p>
-            <a:pPr algn="ctr"/>
-            <a:endParaRPr lang="en-US"/>
-          </a:p>
-        </p:txBody>
-      </p:sp>
-      <p:sp>
-        <p:nvSpPr>
-          <p:cNvPr id="8" name="Rectangle 7">
-            <a:extLst>
-              <a:ext uri="{FF2B5EF4-FFF2-40B4-BE49-F238E27FC236}">
-                <a16:creationId xmlns:a16="http://schemas.microsoft.com/office/drawing/2014/main" id="{4BFAF3C6-CE9B-F106-3309-A0952EFEF307}"/>
-              </a:ext>
-            </a:extLst>
-          </p:cNvPr>
-          <p:cNvSpPr/>
-          <p:nvPr/>
-        </p:nvSpPr>
-        <p:spPr>
-          <a:xfrm>
-            <a:off x="0" y="1143000"/>
-            <a:ext cx="18288000" cy="431800"/>
-          </a:xfrm>
-          <a:prstGeom prst="rect">
-            <a:avLst/>
-          </a:prstGeom>
-          <a:solidFill>
-            <a:schemeClr val="bg1"/>
-          </a:solidFill>
-          <a:ln>
-            <a:noFill/>
-          </a:ln>
-          <a:effectLst>
-            <a:outerShdw blurRad="50800" dist="38100" dir="5400000" algn="t" rotWithShape="0">
-              <a:prstClr val="black">
-                <a:alpha val="40000"/>
-              </a:prstClr>
-            </a:outerShdw>
-          </a:effectLst>
-        </p:spPr>
-        <p:style>
-          <a:lnRef idx="2">
-            <a:schemeClr val="accent1">
-              <a:shade val="15000"/>
-            </a:schemeClr>
-          </a:lnRef>
-          <a:fillRef idx="1">
-            <a:schemeClr val="accent1"/>
-          </a:fillRef>
-          <a:effectRef idx="0">
-            <a:schemeClr val="accent1"/>
-          </a:effectRef>
-          <a:fontRef idx="minor">
-            <a:schemeClr val="lt1"/>
-          </a:fontRef>
-        </p:style>
-        <p:txBody>
-          <a:bodyPr rtlCol="0" anchor="ctr"/>
-          <a:lstStyle/>
-          <a:p>
-            <a:pPr algn="ctr"/>
-            <a:endParaRPr lang="en-US"/>
-          </a:p>
-        </p:txBody>
-      </p:sp>
-      <p:sp>
-        <p:nvSpPr>
-          <p:cNvPr id="9" name="Rectangle: Rounded Corners 8">
-            <a:extLst>
-              <a:ext uri="{FF2B5EF4-FFF2-40B4-BE49-F238E27FC236}">
-                <a16:creationId xmlns:a16="http://schemas.microsoft.com/office/drawing/2014/main" id="{C2F0E419-BD10-4CA8-A190-89C8DB86112F}"/>
-              </a:ext>
-            </a:extLst>
-          </p:cNvPr>
-          <p:cNvSpPr/>
-          <p:nvPr/>
-        </p:nvSpPr>
-        <p:spPr>
-          <a:xfrm>
-            <a:off x="191291" y="1709503"/>
-            <a:ext cx="7809709" cy="2422957"/>
-          </a:xfrm>
-          <a:prstGeom prst="roundRect">
-            <a:avLst>
-              <a:gd name="adj" fmla="val 7996"/>
-            </a:avLst>
-          </a:prstGeom>
-          <a:solidFill>
-            <a:schemeClr val="bg1">
-              <a:lumMod val="95000"/>
-            </a:schemeClr>
-          </a:solidFill>
-          <a:ln>
-            <a:noFill/>
-          </a:ln>
-          <a:effectLst>
-            <a:innerShdw blurRad="114300">
-              <a:prstClr val="black"/>
-            </a:innerShdw>
-          </a:effectLst>
-        </p:spPr>
-        <p:style>
-          <a:lnRef idx="2">
-            <a:schemeClr val="accent1">
-              <a:shade val="15000"/>
-            </a:schemeClr>
-          </a:lnRef>
-          <a:fillRef idx="1">
-            <a:schemeClr val="accent1"/>
-          </a:fillRef>
-          <a:effectRef idx="0">
-            <a:schemeClr val="accent1"/>
-          </a:effectRef>
-          <a:fontRef idx="minor">
-            <a:schemeClr val="lt1"/>
-          </a:fontRef>
-        </p:style>
-        <p:txBody>
-          <a:bodyPr rtlCol="0" anchor="ctr"/>
-          <a:lstStyle/>
-          <a:p>
-            <a:pPr algn="ctr"/>
-            <a:endParaRPr lang="en-US" dirty="0"/>
-          </a:p>
-        </p:txBody>
-      </p:sp>
-      <p:sp>
-        <p:nvSpPr>
-          <p:cNvPr id="11" name="Rectangle: Rounded Corners 10">
-            <a:extLst>
-              <a:ext uri="{FF2B5EF4-FFF2-40B4-BE49-F238E27FC236}">
-                <a16:creationId xmlns:a16="http://schemas.microsoft.com/office/drawing/2014/main" id="{4970FEA8-9661-D48F-439B-20E589BFB1E0}"/>
-              </a:ext>
-            </a:extLst>
-          </p:cNvPr>
-          <p:cNvSpPr/>
-          <p:nvPr/>
-        </p:nvSpPr>
-        <p:spPr>
-          <a:xfrm>
-            <a:off x="8237588" y="1813595"/>
-            <a:ext cx="4616643" cy="3886200"/>
-          </a:xfrm>
-          <a:prstGeom prst="roundRect">
-            <a:avLst>
-              <a:gd name="adj" fmla="val 7996"/>
-            </a:avLst>
-          </a:prstGeom>
-          <a:solidFill>
-            <a:schemeClr val="bg1">
-              <a:lumMod val="95000"/>
-            </a:schemeClr>
-          </a:solidFill>
-          <a:ln>
-            <a:noFill/>
-          </a:ln>
-          <a:effectLst>
-            <a:innerShdw blurRad="114300">
-              <a:prstClr val="black"/>
-            </a:innerShdw>
-          </a:effectLst>
-        </p:spPr>
-        <p:style>
-          <a:lnRef idx="2">
-            <a:schemeClr val="accent1">
-              <a:shade val="15000"/>
-            </a:schemeClr>
-          </a:lnRef>
-          <a:fillRef idx="1">
-            <a:schemeClr val="accent1"/>
-          </a:fillRef>
-          <a:effectRef idx="0">
-            <a:schemeClr val="accent1"/>
-          </a:effectRef>
-          <a:fontRef idx="minor">
-            <a:schemeClr val="lt1"/>
-          </a:fontRef>
-        </p:style>
-        <p:txBody>
-          <a:bodyPr rtlCol="0" anchor="ctr"/>
-          <a:lstStyle/>
-          <a:p>
-            <a:pPr algn="ctr"/>
-            <a:endParaRPr lang="en-US"/>
-          </a:p>
-        </p:txBody>
-      </p:sp>
-      <p:pic>
-        <p:nvPicPr>
-          <p:cNvPr id="15" name="Picture 14" descr="A blue and black logo&#10;&#10;Description automatically generated">
-            <a:extLst>
-              <a:ext uri="{FF2B5EF4-FFF2-40B4-BE49-F238E27FC236}">
-                <a16:creationId xmlns:a16="http://schemas.microsoft.com/office/drawing/2014/main" id="{BD917A5B-41A8-D57E-9C08-939CB58606EF}"/>
-              </a:ext>
-            </a:extLst>
-          </p:cNvPr>
-          <p:cNvPicPr preferRelativeResize="0">
-            <a:picLocks noChangeAspect="1"/>
-          </p:cNvPicPr>
-          <p:nvPr/>
-        </p:nvPicPr>
-        <p:blipFill>
-          <a:blip r:embed="rId2" cstate="print">
-            <a:extLst>
-              <a:ext uri="{28A0092B-C50C-407E-A947-70E740481C1C}">
-                <a14:useLocalDpi xmlns:a14="http://schemas.microsoft.com/office/drawing/2010/main" val="0"/>
-              </a:ext>
-            </a:extLst>
-          </a:blip>
-          <a:srcRect l="27137" t="16710" r="25806" b="43169"/>
-          <a:stretch/>
-        </p:blipFill>
-        <p:spPr>
-          <a:xfrm>
-            <a:off x="111949" y="-34240"/>
-            <a:ext cx="732113" cy="732113"/>
-          </a:xfrm>
-          <a:prstGeom prst="rect">
-            <a:avLst/>
-          </a:prstGeom>
-        </p:spPr>
-      </p:pic>
-      <p:sp>
-        <p:nvSpPr>
-          <p:cNvPr id="16" name="TextBox 15">
-            <a:extLst>
-              <a:ext uri="{FF2B5EF4-FFF2-40B4-BE49-F238E27FC236}">
-                <a16:creationId xmlns:a16="http://schemas.microsoft.com/office/drawing/2014/main" id="{B6388693-779B-63CA-8C34-CF62E79BED86}"/>
-              </a:ext>
-            </a:extLst>
-          </p:cNvPr>
-          <p:cNvSpPr txBox="1"/>
-          <p:nvPr/>
-        </p:nvSpPr>
-        <p:spPr>
-          <a:xfrm>
-            <a:off x="815332" y="-22127"/>
-            <a:ext cx="5096267" cy="707886"/>
-          </a:xfrm>
-          <a:prstGeom prst="rect">
-            <a:avLst/>
-          </a:prstGeom>
-          <a:noFill/>
-        </p:spPr>
-        <p:txBody>
-          <a:bodyPr wrap="none" rtlCol="0">
-            <a:spAutoFit/>
-          </a:bodyPr>
-          <a:lstStyle/>
-          <a:p>
-            <a:r>
-              <a:rPr lang="en-US" sz="4000" b="1" dirty="0" err="1">
-                <a:solidFill>
-                  <a:schemeClr val="bg1"/>
-                </a:solidFill>
-                <a:latin typeface="Bahnschrift SemiBold SemiConden" panose="020B0502040204020203" pitchFamily="34" charset="0"/>
-              </a:rPr>
-              <a:t>TechCore</a:t>
-            </a:r>
-            <a:r>
-              <a:rPr lang="en-US" sz="4000" b="1" dirty="0">
-                <a:solidFill>
-                  <a:schemeClr val="bg1"/>
-                </a:solidFill>
-                <a:latin typeface="Bahnschrift SemiBold SemiConden" panose="020B0502040204020203" pitchFamily="34" charset="0"/>
-              </a:rPr>
-              <a:t> Innovation- HR</a:t>
-            </a:r>
-          </a:p>
-        </p:txBody>
-      </p:sp>
-      <p:sp>
-        <p:nvSpPr>
-          <p:cNvPr id="19" name="Rectangle: Rounded Corners 18">
-            <a:extLst>
-              <a:ext uri="{FF2B5EF4-FFF2-40B4-BE49-F238E27FC236}">
-                <a16:creationId xmlns:a16="http://schemas.microsoft.com/office/drawing/2014/main" id="{D4D74A61-A305-C3DE-AEE7-C101BD4D1A5D}"/>
-              </a:ext>
-            </a:extLst>
-          </p:cNvPr>
-          <p:cNvSpPr/>
-          <p:nvPr/>
-        </p:nvSpPr>
-        <p:spPr>
-          <a:xfrm>
-            <a:off x="13099857" y="1810087"/>
-            <a:ext cx="4977126" cy="3854450"/>
-          </a:xfrm>
-          <a:prstGeom prst="roundRect">
-            <a:avLst>
-              <a:gd name="adj" fmla="val 7996"/>
-            </a:avLst>
-          </a:prstGeom>
-          <a:solidFill>
-            <a:schemeClr val="bg1">
-              <a:lumMod val="95000"/>
-            </a:schemeClr>
-          </a:solidFill>
-          <a:ln>
-            <a:noFill/>
-          </a:ln>
-          <a:effectLst>
-            <a:innerShdw blurRad="114300">
-              <a:prstClr val="black"/>
-            </a:innerShdw>
-          </a:effectLst>
-        </p:spPr>
-        <p:style>
-          <a:lnRef idx="2">
-            <a:schemeClr val="accent1">
-              <a:shade val="15000"/>
-            </a:schemeClr>
-          </a:lnRef>
-          <a:fillRef idx="1">
-            <a:schemeClr val="accent1"/>
-          </a:fillRef>
-          <a:effectRef idx="0">
-            <a:schemeClr val="accent1"/>
-          </a:effectRef>
-          <a:fontRef idx="minor">
-            <a:schemeClr val="lt1"/>
-          </a:fontRef>
-        </p:style>
-        <p:txBody>
-          <a:bodyPr rtlCol="0" anchor="ctr"/>
-          <a:lstStyle/>
-          <a:p>
-            <a:pPr algn="ctr"/>
-            <a:r>
-              <a:rPr lang="en-US" dirty="0"/>
-              <a:t>V</a:t>
-            </a:r>
-          </a:p>
-        </p:txBody>
-      </p:sp>
-      <p:sp>
-        <p:nvSpPr>
-          <p:cNvPr id="20" name="Rectangle: Rounded Corners 19">
-            <a:extLst>
-              <a:ext uri="{FF2B5EF4-FFF2-40B4-BE49-F238E27FC236}">
-                <a16:creationId xmlns:a16="http://schemas.microsoft.com/office/drawing/2014/main" id="{7EC7BDF2-7881-8601-7488-CED69AF549FC}"/>
-              </a:ext>
-            </a:extLst>
-          </p:cNvPr>
-          <p:cNvSpPr/>
-          <p:nvPr/>
-        </p:nvSpPr>
-        <p:spPr>
-          <a:xfrm>
-            <a:off x="13162582" y="5952364"/>
-            <a:ext cx="4914401" cy="4227178"/>
-          </a:xfrm>
-          <a:prstGeom prst="roundRect">
-            <a:avLst>
-              <a:gd name="adj" fmla="val 7996"/>
-            </a:avLst>
-          </a:prstGeom>
-          <a:solidFill>
-            <a:schemeClr val="bg1">
-              <a:lumMod val="95000"/>
-            </a:schemeClr>
-          </a:solidFill>
-          <a:ln>
-            <a:noFill/>
-          </a:ln>
-          <a:effectLst>
-            <a:innerShdw blurRad="114300">
-              <a:prstClr val="black"/>
-            </a:innerShdw>
-          </a:effectLst>
-        </p:spPr>
-        <p:style>
-          <a:lnRef idx="2">
-            <a:schemeClr val="accent1">
-              <a:shade val="15000"/>
-            </a:schemeClr>
-          </a:lnRef>
-          <a:fillRef idx="1">
-            <a:schemeClr val="accent1"/>
-          </a:fillRef>
-          <a:effectRef idx="0">
-            <a:schemeClr val="accent1"/>
-          </a:effectRef>
-          <a:fontRef idx="minor">
-            <a:schemeClr val="lt1"/>
-          </a:fontRef>
-        </p:style>
-        <p:txBody>
-          <a:bodyPr rtlCol="0" anchor="ctr"/>
-          <a:lstStyle/>
-          <a:p>
-            <a:pPr algn="ctr"/>
-            <a:endParaRPr lang="en-US"/>
-          </a:p>
-        </p:txBody>
-      </p:sp>
-      <p:sp>
-        <p:nvSpPr>
-          <p:cNvPr id="22" name="TextBox 21">
-            <a:extLst>
-              <a:ext uri="{FF2B5EF4-FFF2-40B4-BE49-F238E27FC236}">
-                <a16:creationId xmlns:a16="http://schemas.microsoft.com/office/drawing/2014/main" id="{FDB1AC1C-AFC7-8595-AC34-A069385CC317}"/>
-              </a:ext>
-            </a:extLst>
-          </p:cNvPr>
-          <p:cNvSpPr txBox="1"/>
-          <p:nvPr/>
-        </p:nvSpPr>
-        <p:spPr>
-          <a:xfrm>
-            <a:off x="602855" y="5952364"/>
-            <a:ext cx="231154" cy="369332"/>
-          </a:xfrm>
-          <a:prstGeom prst="rect">
-            <a:avLst/>
-          </a:prstGeom>
-          <a:noFill/>
-        </p:spPr>
-        <p:txBody>
-          <a:bodyPr wrap="none" rtlCol="0">
-            <a:spAutoFit/>
-          </a:bodyPr>
-          <a:lstStyle/>
-          <a:p>
-            <a:r>
-              <a:rPr lang="en-US" b="1" dirty="0">
-                <a:solidFill>
-                  <a:schemeClr val="bg2">
-                    <a:lumMod val="25000"/>
-                  </a:schemeClr>
-                </a:solidFill>
-              </a:rPr>
-              <a:t> </a:t>
-            </a:r>
-          </a:p>
-        </p:txBody>
-      </p:sp>
-      <p:sp>
-        <p:nvSpPr>
-          <p:cNvPr id="23" name="TextBox 22">
-            <a:extLst>
-              <a:ext uri="{FF2B5EF4-FFF2-40B4-BE49-F238E27FC236}">
-                <a16:creationId xmlns:a16="http://schemas.microsoft.com/office/drawing/2014/main" id="{A5B71380-FD92-18D0-3CC1-473E663C5E72}"/>
-              </a:ext>
-            </a:extLst>
-          </p:cNvPr>
-          <p:cNvSpPr txBox="1"/>
-          <p:nvPr/>
-        </p:nvSpPr>
-        <p:spPr>
-          <a:xfrm>
-            <a:off x="11333541" y="5952363"/>
-            <a:ext cx="1766317" cy="369332"/>
-          </a:xfrm>
-          <a:prstGeom prst="rect">
-            <a:avLst/>
-          </a:prstGeom>
-          <a:noFill/>
-        </p:spPr>
-        <p:txBody>
-          <a:bodyPr wrap="square" rtlCol="0">
-            <a:spAutoFit/>
-          </a:bodyPr>
-          <a:lstStyle/>
-          <a:p>
-            <a:r>
-              <a:rPr lang="en-US" b="1" dirty="0">
-                <a:solidFill>
-                  <a:schemeClr val="bg2">
-                    <a:lumMod val="25000"/>
-                  </a:schemeClr>
-                </a:solidFill>
-              </a:rPr>
-              <a:t> </a:t>
-            </a:r>
-          </a:p>
-        </p:txBody>
-      </p:sp>
-      <p:sp>
-        <p:nvSpPr>
-          <p:cNvPr id="2" name="TextBox 1">
-            <a:extLst>
-              <a:ext uri="{FF2B5EF4-FFF2-40B4-BE49-F238E27FC236}">
-                <a16:creationId xmlns:a16="http://schemas.microsoft.com/office/drawing/2014/main" id="{91950956-2209-65C0-60B6-8E570FBF11D8}"/>
-              </a:ext>
-            </a:extLst>
-          </p:cNvPr>
-          <p:cNvSpPr txBox="1"/>
-          <p:nvPr/>
-        </p:nvSpPr>
-        <p:spPr>
-          <a:xfrm>
-            <a:off x="602855" y="1181422"/>
-            <a:ext cx="1379417" cy="369332"/>
-          </a:xfrm>
-          <a:prstGeom prst="rect">
-            <a:avLst/>
-          </a:prstGeom>
-          <a:noFill/>
-        </p:spPr>
-        <p:txBody>
-          <a:bodyPr wrap="none" rtlCol="0">
-            <a:spAutoFit/>
-          </a:bodyPr>
-          <a:lstStyle/>
-          <a:p>
-            <a:r>
-              <a:rPr lang="en-US" b="1" dirty="0">
-                <a:solidFill>
-                  <a:schemeClr val="bg2">
-                    <a:lumMod val="25000"/>
-                  </a:schemeClr>
-                </a:solidFill>
-              </a:rPr>
-              <a:t>Date Range</a:t>
-            </a:r>
-          </a:p>
-        </p:txBody>
-      </p:sp>
-      <p:sp>
-        <p:nvSpPr>
-          <p:cNvPr id="3" name="Rectangle: Rounded Corners 2">
-            <a:extLst>
-              <a:ext uri="{FF2B5EF4-FFF2-40B4-BE49-F238E27FC236}">
-                <a16:creationId xmlns:a16="http://schemas.microsoft.com/office/drawing/2014/main" id="{96FBC524-4359-E64B-649E-69D8D4E45383}"/>
-              </a:ext>
-            </a:extLst>
-          </p:cNvPr>
-          <p:cNvSpPr/>
-          <p:nvPr/>
-        </p:nvSpPr>
-        <p:spPr>
-          <a:xfrm>
-            <a:off x="8300312" y="5908249"/>
-            <a:ext cx="4616643" cy="4271291"/>
-          </a:xfrm>
-          <a:prstGeom prst="roundRect">
-            <a:avLst>
-              <a:gd name="adj" fmla="val 7996"/>
-            </a:avLst>
-          </a:prstGeom>
-          <a:solidFill>
-            <a:schemeClr val="bg1">
-              <a:lumMod val="95000"/>
-            </a:schemeClr>
-          </a:solidFill>
-          <a:ln>
-            <a:noFill/>
-          </a:ln>
-          <a:effectLst>
-            <a:innerShdw blurRad="114300">
-              <a:prstClr val="black"/>
-            </a:innerShdw>
-          </a:effectLst>
-        </p:spPr>
-        <p:style>
-          <a:lnRef idx="2">
-            <a:schemeClr val="accent1">
-              <a:shade val="15000"/>
-            </a:schemeClr>
-          </a:lnRef>
-          <a:fillRef idx="1">
-            <a:schemeClr val="accent1"/>
-          </a:fillRef>
-          <a:effectRef idx="0">
-            <a:schemeClr val="accent1"/>
-          </a:effectRef>
-          <a:fontRef idx="minor">
-            <a:schemeClr val="lt1"/>
-          </a:fontRef>
-        </p:style>
-        <p:txBody>
-          <a:bodyPr rtlCol="0" anchor="ctr"/>
-          <a:lstStyle/>
-          <a:p>
-            <a:pPr algn="ctr"/>
-            <a:endParaRPr lang="en-US" dirty="0"/>
-          </a:p>
-        </p:txBody>
-      </p:sp>
-      <p:sp>
-        <p:nvSpPr>
-          <p:cNvPr id="5" name="TextBox 4">
-            <a:extLst>
-              <a:ext uri="{FF2B5EF4-FFF2-40B4-BE49-F238E27FC236}">
-                <a16:creationId xmlns:a16="http://schemas.microsoft.com/office/drawing/2014/main" id="{EAB32092-458A-770A-C1D3-4B504494B8B5}"/>
-              </a:ext>
-            </a:extLst>
-          </p:cNvPr>
-          <p:cNvSpPr txBox="1"/>
-          <p:nvPr/>
-        </p:nvSpPr>
-        <p:spPr>
-          <a:xfrm>
-            <a:off x="8517633" y="2094518"/>
-            <a:ext cx="4065590" cy="646331"/>
-          </a:xfrm>
-          <a:prstGeom prst="rect">
-            <a:avLst/>
-          </a:prstGeom>
-          <a:noFill/>
-        </p:spPr>
-        <p:txBody>
-          <a:bodyPr wrap="square" rtlCol="0">
-            <a:spAutoFit/>
-          </a:bodyPr>
-          <a:lstStyle/>
-          <a:p>
-            <a:r>
-              <a:rPr lang="en-US" b="1" dirty="0">
-                <a:solidFill>
-                  <a:schemeClr val="bg2">
-                    <a:lumMod val="25000"/>
-                  </a:schemeClr>
-                </a:solidFill>
-              </a:rPr>
-              <a:t>Average Leave Taken by Department and Gender</a:t>
-            </a:r>
-          </a:p>
-        </p:txBody>
-      </p:sp>
-      <p:sp>
-        <p:nvSpPr>
-          <p:cNvPr id="10" name="TextBox 9">
-            <a:extLst>
-              <a:ext uri="{FF2B5EF4-FFF2-40B4-BE49-F238E27FC236}">
-                <a16:creationId xmlns:a16="http://schemas.microsoft.com/office/drawing/2014/main" id="{CB5A433D-3A4B-CCA9-C2CA-CB2EF83F2232}"/>
-              </a:ext>
-            </a:extLst>
-          </p:cNvPr>
-          <p:cNvSpPr txBox="1"/>
-          <p:nvPr/>
-        </p:nvSpPr>
-        <p:spPr>
-          <a:xfrm>
-            <a:off x="711988" y="1846262"/>
-            <a:ext cx="4159665" cy="369332"/>
-          </a:xfrm>
-          <a:prstGeom prst="rect">
-            <a:avLst/>
-          </a:prstGeom>
-          <a:noFill/>
-        </p:spPr>
-        <p:txBody>
-          <a:bodyPr wrap="none" rtlCol="0">
-            <a:spAutoFit/>
-          </a:bodyPr>
-          <a:lstStyle/>
-          <a:p>
-            <a:r>
-              <a:rPr lang="en-US" b="1" dirty="0">
-                <a:solidFill>
-                  <a:schemeClr val="bg2">
-                    <a:lumMod val="25000"/>
-                  </a:schemeClr>
-                </a:solidFill>
-              </a:rPr>
-              <a:t>Average Days on Leave by Department</a:t>
-            </a:r>
-          </a:p>
-        </p:txBody>
-      </p:sp>
-      <p:sp>
-        <p:nvSpPr>
-          <p:cNvPr id="18" name="TextBox 17">
-            <a:extLst>
-              <a:ext uri="{FF2B5EF4-FFF2-40B4-BE49-F238E27FC236}">
-                <a16:creationId xmlns:a16="http://schemas.microsoft.com/office/drawing/2014/main" id="{FFE6A722-F322-B3AA-F6EE-700FA8A68B7B}"/>
-              </a:ext>
-            </a:extLst>
-          </p:cNvPr>
-          <p:cNvSpPr txBox="1"/>
-          <p:nvPr/>
-        </p:nvSpPr>
-        <p:spPr>
-          <a:xfrm>
-            <a:off x="8719862" y="6321695"/>
-            <a:ext cx="2550955" cy="369332"/>
-          </a:xfrm>
-          <a:prstGeom prst="rect">
-            <a:avLst/>
-          </a:prstGeom>
-          <a:noFill/>
-        </p:spPr>
-        <p:txBody>
-          <a:bodyPr wrap="none" rtlCol="0">
-            <a:spAutoFit/>
-          </a:bodyPr>
-          <a:lstStyle/>
-          <a:p>
-            <a:r>
-              <a:rPr lang="en-US" b="1" dirty="0">
-                <a:solidFill>
-                  <a:schemeClr val="bg2">
-                    <a:lumMod val="25000"/>
-                  </a:schemeClr>
-                </a:solidFill>
-              </a:rPr>
-              <a:t>Total Leave Days Trend</a:t>
-            </a:r>
-          </a:p>
-        </p:txBody>
-      </p:sp>
-      <p:sp>
-        <p:nvSpPr>
-          <p:cNvPr id="25" name="TextBox 24">
-            <a:extLst>
-              <a:ext uri="{FF2B5EF4-FFF2-40B4-BE49-F238E27FC236}">
-                <a16:creationId xmlns:a16="http://schemas.microsoft.com/office/drawing/2014/main" id="{071B408C-B1DB-5DE1-2683-79C4B2ED7BE9}"/>
-              </a:ext>
-            </a:extLst>
-          </p:cNvPr>
-          <p:cNvSpPr txBox="1"/>
-          <p:nvPr/>
-        </p:nvSpPr>
-        <p:spPr>
-          <a:xfrm>
-            <a:off x="13591113" y="6321695"/>
-            <a:ext cx="2638864" cy="369332"/>
-          </a:xfrm>
-          <a:prstGeom prst="rect">
-            <a:avLst/>
-          </a:prstGeom>
-          <a:noFill/>
-        </p:spPr>
-        <p:txBody>
-          <a:bodyPr wrap="none" rtlCol="0">
-            <a:spAutoFit/>
-          </a:bodyPr>
-          <a:lstStyle/>
-          <a:p>
-            <a:r>
-              <a:rPr lang="en-US" b="1" dirty="0">
-                <a:solidFill>
-                  <a:schemeClr val="bg2">
-                    <a:lumMod val="25000"/>
-                  </a:schemeClr>
-                </a:solidFill>
-              </a:rPr>
-              <a:t>Leave Liability Forecast</a:t>
-            </a:r>
-          </a:p>
-        </p:txBody>
-      </p:sp>
-      <p:sp>
-        <p:nvSpPr>
-          <p:cNvPr id="28" name="TextBox 27">
-            <a:extLst>
-              <a:ext uri="{FF2B5EF4-FFF2-40B4-BE49-F238E27FC236}">
-                <a16:creationId xmlns:a16="http://schemas.microsoft.com/office/drawing/2014/main" id="{0A445901-6D56-6B42-B022-297B5AD190D4}"/>
-              </a:ext>
-            </a:extLst>
-          </p:cNvPr>
-          <p:cNvSpPr txBox="1"/>
-          <p:nvPr/>
-        </p:nvSpPr>
-        <p:spPr>
-          <a:xfrm>
-            <a:off x="13591113" y="2094518"/>
-            <a:ext cx="2232342" cy="369332"/>
-          </a:xfrm>
-          <a:prstGeom prst="rect">
-            <a:avLst/>
-          </a:prstGeom>
-          <a:noFill/>
-        </p:spPr>
-        <p:txBody>
-          <a:bodyPr wrap="none" rtlCol="0">
-            <a:spAutoFit/>
-          </a:bodyPr>
-          <a:lstStyle/>
-          <a:p>
-            <a:r>
-              <a:rPr lang="en-US" b="1" dirty="0">
-                <a:solidFill>
-                  <a:schemeClr val="bg2">
-                    <a:lumMod val="25000"/>
-                  </a:schemeClr>
-                </a:solidFill>
-              </a:rPr>
-              <a:t>Total Leave Liability</a:t>
-            </a:r>
-          </a:p>
-        </p:txBody>
-      </p:sp>
-      <p:sp>
-        <p:nvSpPr>
-          <p:cNvPr id="4" name="Rectangle: Rounded Corners 3">
-            <a:extLst>
-              <a:ext uri="{FF2B5EF4-FFF2-40B4-BE49-F238E27FC236}">
-                <a16:creationId xmlns:a16="http://schemas.microsoft.com/office/drawing/2014/main" id="{E0F0C1DA-3D49-AE19-3B08-566C54CB0BDD}"/>
-              </a:ext>
-            </a:extLst>
-          </p:cNvPr>
-          <p:cNvSpPr/>
-          <p:nvPr/>
-        </p:nvSpPr>
-        <p:spPr>
-          <a:xfrm>
-            <a:off x="186772" y="4267161"/>
-            <a:ext cx="7809709" cy="2790863"/>
-          </a:xfrm>
-          <a:prstGeom prst="roundRect">
-            <a:avLst>
-              <a:gd name="adj" fmla="val 7996"/>
-            </a:avLst>
-          </a:prstGeom>
-          <a:solidFill>
-            <a:schemeClr val="bg1">
-              <a:lumMod val="95000"/>
-            </a:schemeClr>
-          </a:solidFill>
-          <a:ln>
-            <a:noFill/>
-          </a:ln>
-          <a:effectLst>
-            <a:innerShdw blurRad="114300">
-              <a:prstClr val="black"/>
-            </a:innerShdw>
-          </a:effectLst>
-        </p:spPr>
-        <p:style>
-          <a:lnRef idx="2">
-            <a:schemeClr val="accent1">
-              <a:shade val="15000"/>
-            </a:schemeClr>
-          </a:lnRef>
-          <a:fillRef idx="1">
-            <a:schemeClr val="accent1"/>
-          </a:fillRef>
-          <a:effectRef idx="0">
-            <a:schemeClr val="accent1"/>
-          </a:effectRef>
-          <a:fontRef idx="minor">
-            <a:schemeClr val="lt1"/>
-          </a:fontRef>
-        </p:style>
-        <p:txBody>
-          <a:bodyPr rtlCol="0" anchor="ctr"/>
-          <a:lstStyle/>
-          <a:p>
-            <a:pPr algn="ctr"/>
-            <a:endParaRPr lang="en-US" dirty="0"/>
-          </a:p>
-        </p:txBody>
-      </p:sp>
-      <p:sp>
-        <p:nvSpPr>
-          <p:cNvPr id="12" name="Rectangle: Rounded Corners 11">
-            <a:extLst>
-              <a:ext uri="{FF2B5EF4-FFF2-40B4-BE49-F238E27FC236}">
-                <a16:creationId xmlns:a16="http://schemas.microsoft.com/office/drawing/2014/main" id="{EE39420D-F76D-0181-5F66-1BE257446E18}"/>
-              </a:ext>
-            </a:extLst>
-          </p:cNvPr>
-          <p:cNvSpPr/>
-          <p:nvPr/>
-        </p:nvSpPr>
-        <p:spPr>
-          <a:xfrm>
-            <a:off x="211016" y="7229475"/>
-            <a:ext cx="7809709" cy="2950066"/>
-          </a:xfrm>
-          <a:prstGeom prst="roundRect">
-            <a:avLst>
-              <a:gd name="adj" fmla="val 7996"/>
-            </a:avLst>
-          </a:prstGeom>
-          <a:solidFill>
-            <a:schemeClr val="bg1">
-              <a:lumMod val="95000"/>
-            </a:schemeClr>
-          </a:solidFill>
-          <a:ln>
-            <a:noFill/>
-          </a:ln>
-          <a:effectLst>
-            <a:innerShdw blurRad="114300">
-              <a:prstClr val="black"/>
-            </a:innerShdw>
-          </a:effectLst>
-        </p:spPr>
-        <p:style>
-          <a:lnRef idx="2">
-            <a:schemeClr val="accent1">
-              <a:shade val="15000"/>
-            </a:schemeClr>
-          </a:lnRef>
-          <a:fillRef idx="1">
-            <a:schemeClr val="accent1"/>
-          </a:fillRef>
-          <a:effectRef idx="0">
-            <a:schemeClr val="accent1"/>
-          </a:effectRef>
-          <a:fontRef idx="minor">
-            <a:schemeClr val="lt1"/>
-          </a:fontRef>
-        </p:style>
-        <p:txBody>
-          <a:bodyPr rtlCol="0" anchor="ctr"/>
-          <a:lstStyle/>
-          <a:p>
-            <a:pPr algn="ctr"/>
-            <a:endParaRPr lang="en-US" dirty="0"/>
-          </a:p>
-        </p:txBody>
-      </p:sp>
-      <p:sp>
-        <p:nvSpPr>
-          <p:cNvPr id="14" name="TextBox 13">
-            <a:extLst>
-              <a:ext uri="{FF2B5EF4-FFF2-40B4-BE49-F238E27FC236}">
-                <a16:creationId xmlns:a16="http://schemas.microsoft.com/office/drawing/2014/main" id="{4082E6FD-0D47-B01B-7084-A1437EC9ED1B}"/>
-              </a:ext>
-            </a:extLst>
-          </p:cNvPr>
-          <p:cNvSpPr txBox="1"/>
-          <p:nvPr/>
-        </p:nvSpPr>
-        <p:spPr>
-          <a:xfrm>
-            <a:off x="718432" y="7500937"/>
-            <a:ext cx="5671038" cy="369332"/>
-          </a:xfrm>
-          <a:prstGeom prst="rect">
-            <a:avLst/>
-          </a:prstGeom>
-          <a:noFill/>
-        </p:spPr>
-        <p:txBody>
-          <a:bodyPr wrap="square" rtlCol="0">
-            <a:spAutoFit/>
-          </a:bodyPr>
-          <a:lstStyle/>
-          <a:p>
-            <a:r>
-              <a:rPr lang="en-US" b="1" dirty="0">
-                <a:solidFill>
-                  <a:schemeClr val="bg2">
-                    <a:lumMod val="25000"/>
-                  </a:schemeClr>
-                </a:solidFill>
-              </a:rPr>
-              <a:t>Total and Average Leave Days by Category</a:t>
-            </a:r>
-          </a:p>
-        </p:txBody>
-      </p:sp>
-      <p:sp>
-        <p:nvSpPr>
-          <p:cNvPr id="21" name="TextBox 20">
-            <a:extLst>
-              <a:ext uri="{FF2B5EF4-FFF2-40B4-BE49-F238E27FC236}">
-                <a16:creationId xmlns:a16="http://schemas.microsoft.com/office/drawing/2014/main" id="{05BBCD3A-C9EF-C7BF-CF88-B380DEF07ACC}"/>
-              </a:ext>
-            </a:extLst>
-          </p:cNvPr>
-          <p:cNvSpPr txBox="1"/>
-          <p:nvPr/>
-        </p:nvSpPr>
-        <p:spPr>
-          <a:xfrm>
-            <a:off x="844062" y="4487149"/>
-            <a:ext cx="5356448" cy="369332"/>
-          </a:xfrm>
-          <a:prstGeom prst="rect">
-            <a:avLst/>
-          </a:prstGeom>
-          <a:noFill/>
-        </p:spPr>
-        <p:txBody>
-          <a:bodyPr wrap="square" rtlCol="0">
-            <a:spAutoFit/>
-          </a:bodyPr>
-          <a:lstStyle/>
-          <a:p>
-            <a:r>
-              <a:rPr lang="en-US" b="1" dirty="0">
-                <a:solidFill>
-                  <a:schemeClr val="bg2">
-                    <a:lumMod val="25000"/>
-                  </a:schemeClr>
-                </a:solidFill>
-              </a:rPr>
-              <a:t>Leave Type Cost by Department</a:t>
-            </a:r>
-          </a:p>
-        </p:txBody>
-      </p:sp>
-    </p:spTree>
-    <p:extLst>
-      <p:ext uri="{BB962C8B-B14F-4D97-AF65-F5344CB8AC3E}">
-        <p14:creationId xmlns:p14="http://schemas.microsoft.com/office/powerpoint/2010/main" val="1057072574"/>
+        <p14:creationId xmlns:p14="http://schemas.microsoft.com/office/powerpoint/2010/main" val="3910549148"/>
       </p:ext>
     </p:extLst>
   </p:cSld>

--- a/bk/0bk.pptx
+++ b/bk/0bk.pptx
@@ -5,7 +5,7 @@
     <p:sldMasterId id="2147483660" r:id="rId1"/>
   </p:sldMasterIdLst>
   <p:notesMasterIdLst>
-    <p:notesMasterId r:id="rId17"/>
+    <p:notesMasterId r:id="rId18"/>
   </p:notesMasterIdLst>
   <p:sldIdLst>
     <p:sldId id="256" r:id="rId2"/>
@@ -22,7 +22,8 @@
     <p:sldId id="279" r:id="rId13"/>
     <p:sldId id="280" r:id="rId14"/>
     <p:sldId id="281" r:id="rId15"/>
-    <p:sldId id="257" r:id="rId16"/>
+    <p:sldId id="282" r:id="rId16"/>
+    <p:sldId id="257" r:id="rId17"/>
   </p:sldIdLst>
   <p:sldSz cx="18288000" cy="10287000"/>
   <p:notesSz cx="6858000" cy="9144000"/>
@@ -211,7 +212,7 @@
           <a:p>
             <a:fld id="{9FD30752-513D-44A0-81D0-95D194C0B629}" type="datetimeFigureOut">
               <a:rPr lang="en-US" smtClean="0"/>
-              <a:t>2/14/2025</a:t>
+              <a:t>2/15/2025</a:t>
             </a:fld>
             <a:endParaRPr lang="en-US"/>
           </a:p>
@@ -1318,6 +1319,114 @@
 </p:notes>
 </file>
 
+<file path=ppt/notesSlides/notesSlide9.xml><?xml version="1.0" encoding="utf-8"?>
+<p:notes xmlns:a="http://schemas.openxmlformats.org/drawingml/2006/main" xmlns:r="http://schemas.openxmlformats.org/officeDocument/2006/relationships" xmlns:p="http://schemas.openxmlformats.org/presentationml/2006/main">
+  <p:cSld>
+    <p:spTree>
+      <p:nvGrpSpPr>
+        <p:cNvPr id="1" name="">
+          <a:extLst>
+            <a:ext uri="{FF2B5EF4-FFF2-40B4-BE49-F238E27FC236}">
+              <a16:creationId xmlns:a16="http://schemas.microsoft.com/office/drawing/2014/main" id="{8D60D657-7639-B4B6-590F-D3A5916E425A}"/>
+            </a:ext>
+          </a:extLst>
+        </p:cNvPr>
+        <p:cNvGrpSpPr/>
+        <p:nvPr/>
+      </p:nvGrpSpPr>
+      <p:grpSpPr>
+        <a:xfrm>
+          <a:off x="0" y="0"/>
+          <a:ext cx="0" cy="0"/>
+          <a:chOff x="0" y="0"/>
+          <a:chExt cx="0" cy="0"/>
+        </a:xfrm>
+      </p:grpSpPr>
+      <p:sp>
+        <p:nvSpPr>
+          <p:cNvPr id="2" name="Slide Image Placeholder 1">
+            <a:extLst>
+              <a:ext uri="{FF2B5EF4-FFF2-40B4-BE49-F238E27FC236}">
+                <a16:creationId xmlns:a16="http://schemas.microsoft.com/office/drawing/2014/main" id="{48288375-ED14-1DE8-4B51-FEE2405E3F4B}"/>
+              </a:ext>
+            </a:extLst>
+          </p:cNvPr>
+          <p:cNvSpPr>
+            <a:spLocks noGrp="1" noRot="1" noChangeAspect="1"/>
+          </p:cNvSpPr>
+          <p:nvPr>
+            <p:ph type="sldImg"/>
+          </p:nvPr>
+        </p:nvSpPr>
+        <p:spPr/>
+      </p:sp>
+      <p:sp>
+        <p:nvSpPr>
+          <p:cNvPr id="3" name="Notes Placeholder 2">
+            <a:extLst>
+              <a:ext uri="{FF2B5EF4-FFF2-40B4-BE49-F238E27FC236}">
+                <a16:creationId xmlns:a16="http://schemas.microsoft.com/office/drawing/2014/main" id="{54111203-61B2-CB2D-20D4-1478A511EC99}"/>
+              </a:ext>
+            </a:extLst>
+          </p:cNvPr>
+          <p:cNvSpPr>
+            <a:spLocks noGrp="1"/>
+          </p:cNvSpPr>
+          <p:nvPr>
+            <p:ph type="body" idx="1"/>
+          </p:nvPr>
+        </p:nvSpPr>
+        <p:spPr/>
+        <p:txBody>
+          <a:bodyPr/>
+          <a:lstStyle/>
+          <a:p>
+            <a:endParaRPr lang="en-US" dirty="0"/>
+          </a:p>
+        </p:txBody>
+      </p:sp>
+      <p:sp>
+        <p:nvSpPr>
+          <p:cNvPr id="4" name="Slide Number Placeholder 3">
+            <a:extLst>
+              <a:ext uri="{FF2B5EF4-FFF2-40B4-BE49-F238E27FC236}">
+                <a16:creationId xmlns:a16="http://schemas.microsoft.com/office/drawing/2014/main" id="{348F029E-7AB7-541C-C9FB-3D5DBA9CB685}"/>
+              </a:ext>
+            </a:extLst>
+          </p:cNvPr>
+          <p:cNvSpPr>
+            <a:spLocks noGrp="1"/>
+          </p:cNvSpPr>
+          <p:nvPr>
+            <p:ph type="sldNum" sz="quarter" idx="5"/>
+          </p:nvPr>
+        </p:nvSpPr>
+        <p:spPr/>
+        <p:txBody>
+          <a:bodyPr/>
+          <a:lstStyle/>
+          <a:p>
+            <a:fld id="{DF4BE9C7-5227-40EC-9F7D-1882895FDE90}" type="slidenum">
+              <a:rPr lang="en-US" smtClean="0"/>
+              <a:t>15</a:t>
+            </a:fld>
+            <a:endParaRPr lang="en-US"/>
+          </a:p>
+        </p:txBody>
+      </p:sp>
+    </p:spTree>
+    <p:extLst>
+      <p:ext uri="{BB962C8B-B14F-4D97-AF65-F5344CB8AC3E}">
+        <p14:creationId xmlns:p14="http://schemas.microsoft.com/office/powerpoint/2010/main" val="2178792391"/>
+      </p:ext>
+    </p:extLst>
+  </p:cSld>
+  <p:clrMapOvr>
+    <a:masterClrMapping/>
+  </p:clrMapOvr>
+</p:notes>
+</file>
+
 <file path=ppt/slideLayouts/slideLayout1.xml><?xml version="1.0" encoding="utf-8"?>
 <p:sldLayout xmlns:a="http://schemas.openxmlformats.org/drawingml/2006/main" xmlns:r="http://schemas.openxmlformats.org/officeDocument/2006/relationships" xmlns:p="http://schemas.openxmlformats.org/presentationml/2006/main" type="title" preserve="1">
   <p:cSld name="Title Slide">
@@ -1449,7 +1558,7 @@
           <a:p>
             <a:fld id="{6979B424-ED28-4BEC-8A28-BF427314F3CE}" type="datetimeFigureOut">
               <a:rPr lang="en-US" smtClean="0"/>
-              <a:t>2/14/2025</a:t>
+              <a:t>2/15/2025</a:t>
             </a:fld>
             <a:endParaRPr lang="en-US"/>
           </a:p>
@@ -1619,7 +1728,7 @@
           <a:p>
             <a:fld id="{6979B424-ED28-4BEC-8A28-BF427314F3CE}" type="datetimeFigureOut">
               <a:rPr lang="en-US" smtClean="0"/>
-              <a:t>2/14/2025</a:t>
+              <a:t>2/15/2025</a:t>
             </a:fld>
             <a:endParaRPr lang="en-US"/>
           </a:p>
@@ -1799,7 +1908,7 @@
           <a:p>
             <a:fld id="{6979B424-ED28-4BEC-8A28-BF427314F3CE}" type="datetimeFigureOut">
               <a:rPr lang="en-US" smtClean="0"/>
-              <a:t>2/14/2025</a:t>
+              <a:t>2/15/2025</a:t>
             </a:fld>
             <a:endParaRPr lang="en-US"/>
           </a:p>
@@ -1969,7 +2078,7 @@
           <a:p>
             <a:fld id="{6979B424-ED28-4BEC-8A28-BF427314F3CE}" type="datetimeFigureOut">
               <a:rPr lang="en-US" smtClean="0"/>
-              <a:t>2/14/2025</a:t>
+              <a:t>2/15/2025</a:t>
             </a:fld>
             <a:endParaRPr lang="en-US"/>
           </a:p>
@@ -2215,7 +2324,7 @@
           <a:p>
             <a:fld id="{6979B424-ED28-4BEC-8A28-BF427314F3CE}" type="datetimeFigureOut">
               <a:rPr lang="en-US" smtClean="0"/>
-              <a:t>2/14/2025</a:t>
+              <a:t>2/15/2025</a:t>
             </a:fld>
             <a:endParaRPr lang="en-US"/>
           </a:p>
@@ -2447,7 +2556,7 @@
           <a:p>
             <a:fld id="{6979B424-ED28-4BEC-8A28-BF427314F3CE}" type="datetimeFigureOut">
               <a:rPr lang="en-US" smtClean="0"/>
-              <a:t>2/14/2025</a:t>
+              <a:t>2/15/2025</a:t>
             </a:fld>
             <a:endParaRPr lang="en-US"/>
           </a:p>
@@ -2814,7 +2923,7 @@
           <a:p>
             <a:fld id="{6979B424-ED28-4BEC-8A28-BF427314F3CE}" type="datetimeFigureOut">
               <a:rPr lang="en-US" smtClean="0"/>
-              <a:t>2/14/2025</a:t>
+              <a:t>2/15/2025</a:t>
             </a:fld>
             <a:endParaRPr lang="en-US"/>
           </a:p>
@@ -2932,7 +3041,7 @@
           <a:p>
             <a:fld id="{6979B424-ED28-4BEC-8A28-BF427314F3CE}" type="datetimeFigureOut">
               <a:rPr lang="en-US" smtClean="0"/>
-              <a:t>2/14/2025</a:t>
+              <a:t>2/15/2025</a:t>
             </a:fld>
             <a:endParaRPr lang="en-US"/>
           </a:p>
@@ -3027,7 +3136,7 @@
           <a:p>
             <a:fld id="{6979B424-ED28-4BEC-8A28-BF427314F3CE}" type="datetimeFigureOut">
               <a:rPr lang="en-US" smtClean="0"/>
-              <a:t>2/14/2025</a:t>
+              <a:t>2/15/2025</a:t>
             </a:fld>
             <a:endParaRPr lang="en-US"/>
           </a:p>
@@ -3304,7 +3413,7 @@
           <a:p>
             <a:fld id="{6979B424-ED28-4BEC-8A28-BF427314F3CE}" type="datetimeFigureOut">
               <a:rPr lang="en-US" smtClean="0"/>
-              <a:t>2/14/2025</a:t>
+              <a:t>2/15/2025</a:t>
             </a:fld>
             <a:endParaRPr lang="en-US"/>
           </a:p>
@@ -3561,7 +3670,7 @@
           <a:p>
             <a:fld id="{6979B424-ED28-4BEC-8A28-BF427314F3CE}" type="datetimeFigureOut">
               <a:rPr lang="en-US" smtClean="0"/>
-              <a:t>2/14/2025</a:t>
+              <a:t>2/15/2025</a:t>
             </a:fld>
             <a:endParaRPr lang="en-US"/>
           </a:p>
@@ -3774,7 +3883,7 @@
           <a:p>
             <a:fld id="{6979B424-ED28-4BEC-8A28-BF427314F3CE}" type="datetimeFigureOut">
               <a:rPr lang="en-US" smtClean="0"/>
-              <a:t>2/14/2025</a:t>
+              <a:t>2/15/2025</a:t>
             </a:fld>
             <a:endParaRPr lang="en-US"/>
           </a:p>
@@ -5853,7 +5962,7 @@
         <p:spPr>
           <a:xfrm>
             <a:off x="11460497" y="1676933"/>
-            <a:ext cx="2427331" cy="369332"/>
+            <a:ext cx="2638864" cy="369332"/>
           </a:xfrm>
           <a:prstGeom prst="rect">
             <a:avLst/>
@@ -5874,7 +5983,7 @@
                   </a:schemeClr>
                 </a:solidFill>
               </a:rPr>
-              <a:t>Leave Liability Trends</a:t>
+              <a:t>Leave Liability Forecast</a:t>
             </a:r>
           </a:p>
         </p:txBody>
@@ -9135,6 +9244,874 @@
 </file>
 
 <file path=ppt/slides/slide15.xml><?xml version="1.0" encoding="utf-8"?>
+<p:sld xmlns:a="http://schemas.openxmlformats.org/drawingml/2006/main" xmlns:r="http://schemas.openxmlformats.org/officeDocument/2006/relationships" xmlns:p="http://schemas.openxmlformats.org/presentationml/2006/main">
+  <p:cSld>
+    <p:spTree>
+      <p:nvGrpSpPr>
+        <p:cNvPr id="1" name="">
+          <a:extLst>
+            <a:ext uri="{FF2B5EF4-FFF2-40B4-BE49-F238E27FC236}">
+              <a16:creationId xmlns:a16="http://schemas.microsoft.com/office/drawing/2014/main" id="{C0CCA384-7EDF-08FA-C2A9-47070EA96307}"/>
+            </a:ext>
+          </a:extLst>
+        </p:cNvPr>
+        <p:cNvGrpSpPr/>
+        <p:nvPr/>
+      </p:nvGrpSpPr>
+      <p:grpSpPr>
+        <a:xfrm>
+          <a:off x="0" y="0"/>
+          <a:ext cx="0" cy="0"/>
+          <a:chOff x="0" y="0"/>
+          <a:chExt cx="0" cy="0"/>
+        </a:xfrm>
+      </p:grpSpPr>
+      <p:sp>
+        <p:nvSpPr>
+          <p:cNvPr id="6" name="Rectangle 5">
+            <a:extLst>
+              <a:ext uri="{FF2B5EF4-FFF2-40B4-BE49-F238E27FC236}">
+                <a16:creationId xmlns:a16="http://schemas.microsoft.com/office/drawing/2014/main" id="{7245483E-8CBB-786B-D839-67E506EDEE9A}"/>
+              </a:ext>
+            </a:extLst>
+          </p:cNvPr>
+          <p:cNvSpPr/>
+          <p:nvPr/>
+        </p:nvSpPr>
+        <p:spPr>
+          <a:xfrm>
+            <a:off x="0" y="0"/>
+            <a:ext cx="18288000" cy="711200"/>
+          </a:xfrm>
+          <a:prstGeom prst="rect">
+            <a:avLst/>
+          </a:prstGeom>
+          <a:solidFill>
+            <a:schemeClr val="accent5">
+              <a:lumMod val="60000"/>
+              <a:lumOff val="40000"/>
+            </a:schemeClr>
+          </a:solidFill>
+          <a:ln>
+            <a:noFill/>
+          </a:ln>
+        </p:spPr>
+        <p:style>
+          <a:lnRef idx="2">
+            <a:schemeClr val="accent1">
+              <a:shade val="15000"/>
+            </a:schemeClr>
+          </a:lnRef>
+          <a:fillRef idx="1">
+            <a:schemeClr val="accent1"/>
+          </a:fillRef>
+          <a:effectRef idx="0">
+            <a:schemeClr val="accent1"/>
+          </a:effectRef>
+          <a:fontRef idx="minor">
+            <a:schemeClr val="lt1"/>
+          </a:fontRef>
+        </p:style>
+        <p:txBody>
+          <a:bodyPr rtlCol="0" anchor="ctr"/>
+          <a:lstStyle/>
+          <a:p>
+            <a:pPr algn="ctr"/>
+            <a:endParaRPr lang="en-US"/>
+          </a:p>
+        </p:txBody>
+      </p:sp>
+      <p:sp>
+        <p:nvSpPr>
+          <p:cNvPr id="7" name="Rectangle 6">
+            <a:extLst>
+              <a:ext uri="{FF2B5EF4-FFF2-40B4-BE49-F238E27FC236}">
+                <a16:creationId xmlns:a16="http://schemas.microsoft.com/office/drawing/2014/main" id="{5BEAE819-8FAF-F256-48A0-C821D9D24EA9}"/>
+              </a:ext>
+            </a:extLst>
+          </p:cNvPr>
+          <p:cNvSpPr/>
+          <p:nvPr/>
+        </p:nvSpPr>
+        <p:spPr>
+          <a:xfrm>
+            <a:off x="0" y="711200"/>
+            <a:ext cx="18288000" cy="431800"/>
+          </a:xfrm>
+          <a:prstGeom prst="rect">
+            <a:avLst/>
+          </a:prstGeom>
+          <a:solidFill>
+            <a:schemeClr val="accent5">
+              <a:lumMod val="20000"/>
+              <a:lumOff val="80000"/>
+            </a:schemeClr>
+          </a:solidFill>
+          <a:ln>
+            <a:noFill/>
+          </a:ln>
+        </p:spPr>
+        <p:style>
+          <a:lnRef idx="2">
+            <a:schemeClr val="accent1">
+              <a:shade val="15000"/>
+            </a:schemeClr>
+          </a:lnRef>
+          <a:fillRef idx="1">
+            <a:schemeClr val="accent1"/>
+          </a:fillRef>
+          <a:effectRef idx="0">
+            <a:schemeClr val="accent1"/>
+          </a:effectRef>
+          <a:fontRef idx="minor">
+            <a:schemeClr val="lt1"/>
+          </a:fontRef>
+        </p:style>
+        <p:txBody>
+          <a:bodyPr rtlCol="0" anchor="ctr"/>
+          <a:lstStyle/>
+          <a:p>
+            <a:pPr algn="ctr"/>
+            <a:endParaRPr lang="en-US"/>
+          </a:p>
+        </p:txBody>
+      </p:sp>
+      <p:sp>
+        <p:nvSpPr>
+          <p:cNvPr id="8" name="Rectangle 7">
+            <a:extLst>
+              <a:ext uri="{FF2B5EF4-FFF2-40B4-BE49-F238E27FC236}">
+                <a16:creationId xmlns:a16="http://schemas.microsoft.com/office/drawing/2014/main" id="{4130AE39-D241-A74B-9602-FDD6B234CCB1}"/>
+              </a:ext>
+            </a:extLst>
+          </p:cNvPr>
+          <p:cNvSpPr/>
+          <p:nvPr/>
+        </p:nvSpPr>
+        <p:spPr>
+          <a:xfrm>
+            <a:off x="0" y="1143000"/>
+            <a:ext cx="18288000" cy="431800"/>
+          </a:xfrm>
+          <a:prstGeom prst="rect">
+            <a:avLst/>
+          </a:prstGeom>
+          <a:solidFill>
+            <a:schemeClr val="bg1"/>
+          </a:solidFill>
+          <a:ln>
+            <a:noFill/>
+          </a:ln>
+          <a:effectLst>
+            <a:outerShdw blurRad="50800" dist="38100" dir="5400000" algn="t" rotWithShape="0">
+              <a:prstClr val="black">
+                <a:alpha val="40000"/>
+              </a:prstClr>
+            </a:outerShdw>
+          </a:effectLst>
+        </p:spPr>
+        <p:style>
+          <a:lnRef idx="2">
+            <a:schemeClr val="accent1">
+              <a:shade val="15000"/>
+            </a:schemeClr>
+          </a:lnRef>
+          <a:fillRef idx="1">
+            <a:schemeClr val="accent1"/>
+          </a:fillRef>
+          <a:effectRef idx="0">
+            <a:schemeClr val="accent1"/>
+          </a:effectRef>
+          <a:fontRef idx="minor">
+            <a:schemeClr val="lt1"/>
+          </a:fontRef>
+        </p:style>
+        <p:txBody>
+          <a:bodyPr rtlCol="0" anchor="ctr"/>
+          <a:lstStyle/>
+          <a:p>
+            <a:pPr algn="ctr"/>
+            <a:endParaRPr lang="en-US"/>
+          </a:p>
+        </p:txBody>
+      </p:sp>
+      <p:sp>
+        <p:nvSpPr>
+          <p:cNvPr id="9" name="Rectangle: Rounded Corners 8">
+            <a:extLst>
+              <a:ext uri="{FF2B5EF4-FFF2-40B4-BE49-F238E27FC236}">
+                <a16:creationId xmlns:a16="http://schemas.microsoft.com/office/drawing/2014/main" id="{4B176FB6-32CF-CE26-E121-31C0FB202C61}"/>
+              </a:ext>
+            </a:extLst>
+          </p:cNvPr>
+          <p:cNvSpPr/>
+          <p:nvPr/>
+        </p:nvSpPr>
+        <p:spPr>
+          <a:xfrm>
+            <a:off x="211016" y="2148397"/>
+            <a:ext cx="17865965" cy="2438843"/>
+          </a:xfrm>
+          <a:prstGeom prst="roundRect">
+            <a:avLst>
+              <a:gd name="adj" fmla="val 2886"/>
+            </a:avLst>
+          </a:prstGeom>
+          <a:solidFill>
+            <a:schemeClr val="bg1">
+              <a:lumMod val="95000"/>
+            </a:schemeClr>
+          </a:solidFill>
+          <a:ln>
+            <a:noFill/>
+          </a:ln>
+          <a:effectLst>
+            <a:innerShdw blurRad="114300">
+              <a:prstClr val="black"/>
+            </a:innerShdw>
+          </a:effectLst>
+        </p:spPr>
+        <p:style>
+          <a:lnRef idx="2">
+            <a:schemeClr val="accent1">
+              <a:shade val="15000"/>
+            </a:schemeClr>
+          </a:lnRef>
+          <a:fillRef idx="1">
+            <a:schemeClr val="accent1"/>
+          </a:fillRef>
+          <a:effectRef idx="0">
+            <a:schemeClr val="accent1"/>
+          </a:effectRef>
+          <a:fontRef idx="minor">
+            <a:schemeClr val="lt1"/>
+          </a:fontRef>
+        </p:style>
+        <p:txBody>
+          <a:bodyPr rtlCol="0" anchor="ctr"/>
+          <a:lstStyle/>
+          <a:p>
+            <a:pPr algn="ctr"/>
+            <a:endParaRPr lang="en-US"/>
+          </a:p>
+        </p:txBody>
+      </p:sp>
+      <p:sp>
+        <p:nvSpPr>
+          <p:cNvPr id="11" name="Rectangle: Rounded Corners 10">
+            <a:extLst>
+              <a:ext uri="{FF2B5EF4-FFF2-40B4-BE49-F238E27FC236}">
+                <a16:creationId xmlns:a16="http://schemas.microsoft.com/office/drawing/2014/main" id="{A749ED03-C622-C774-FF17-05F07487F95B}"/>
+              </a:ext>
+            </a:extLst>
+          </p:cNvPr>
+          <p:cNvSpPr/>
+          <p:nvPr/>
+        </p:nvSpPr>
+        <p:spPr>
+          <a:xfrm>
+            <a:off x="211016" y="5143500"/>
+            <a:ext cx="17865965" cy="5036041"/>
+          </a:xfrm>
+          <a:prstGeom prst="roundRect">
+            <a:avLst>
+              <a:gd name="adj" fmla="val 2449"/>
+            </a:avLst>
+          </a:prstGeom>
+          <a:solidFill>
+            <a:schemeClr val="bg1">
+              <a:lumMod val="95000"/>
+            </a:schemeClr>
+          </a:solidFill>
+          <a:ln>
+            <a:noFill/>
+          </a:ln>
+          <a:effectLst>
+            <a:innerShdw blurRad="114300">
+              <a:prstClr val="black"/>
+            </a:innerShdw>
+          </a:effectLst>
+        </p:spPr>
+        <p:style>
+          <a:lnRef idx="2">
+            <a:schemeClr val="accent1">
+              <a:shade val="15000"/>
+            </a:schemeClr>
+          </a:lnRef>
+          <a:fillRef idx="1">
+            <a:schemeClr val="accent1"/>
+          </a:fillRef>
+          <a:effectRef idx="0">
+            <a:schemeClr val="accent1"/>
+          </a:effectRef>
+          <a:fontRef idx="minor">
+            <a:schemeClr val="lt1"/>
+          </a:fontRef>
+        </p:style>
+        <p:txBody>
+          <a:bodyPr rtlCol="0" anchor="ctr"/>
+          <a:lstStyle/>
+          <a:p>
+            <a:pPr algn="ctr"/>
+            <a:endParaRPr lang="en-US"/>
+          </a:p>
+        </p:txBody>
+      </p:sp>
+      <p:sp>
+        <p:nvSpPr>
+          <p:cNvPr id="12" name="TextBox 11">
+            <a:extLst>
+              <a:ext uri="{FF2B5EF4-FFF2-40B4-BE49-F238E27FC236}">
+                <a16:creationId xmlns:a16="http://schemas.microsoft.com/office/drawing/2014/main" id="{8D28981D-3240-06CB-055B-1FBA0C041689}"/>
+              </a:ext>
+            </a:extLst>
+          </p:cNvPr>
+          <p:cNvSpPr txBox="1"/>
+          <p:nvPr/>
+        </p:nvSpPr>
+        <p:spPr>
+          <a:xfrm>
+            <a:off x="478005" y="1676933"/>
+            <a:ext cx="1162947" cy="369332"/>
+          </a:xfrm>
+          <a:prstGeom prst="rect">
+            <a:avLst/>
+          </a:prstGeom>
+          <a:noFill/>
+        </p:spPr>
+        <p:txBody>
+          <a:bodyPr wrap="none" rtlCol="0">
+            <a:spAutoFit/>
+          </a:bodyPr>
+          <a:lstStyle/>
+          <a:p>
+            <a:r>
+              <a:rPr lang="en-US" b="1" dirty="0">
+                <a:solidFill>
+                  <a:schemeClr val="bg2">
+                    <a:lumMod val="25000"/>
+                  </a:schemeClr>
+                </a:solidFill>
+              </a:rPr>
+              <a:t>Overview</a:t>
+            </a:r>
+          </a:p>
+        </p:txBody>
+      </p:sp>
+      <p:pic>
+        <p:nvPicPr>
+          <p:cNvPr id="15" name="Picture 14" descr="A blue and black logo&#10;&#10;Description automatically generated">
+            <a:extLst>
+              <a:ext uri="{FF2B5EF4-FFF2-40B4-BE49-F238E27FC236}">
+                <a16:creationId xmlns:a16="http://schemas.microsoft.com/office/drawing/2014/main" id="{066B58F0-E529-637A-FA91-76D44600C6F1}"/>
+              </a:ext>
+            </a:extLst>
+          </p:cNvPr>
+          <p:cNvPicPr preferRelativeResize="0">
+            <a:picLocks noChangeAspect="1"/>
+          </p:cNvPicPr>
+          <p:nvPr/>
+        </p:nvPicPr>
+        <p:blipFill>
+          <a:blip r:embed="rId3" cstate="print">
+            <a:extLst>
+              <a:ext uri="{28A0092B-C50C-407E-A947-70E740481C1C}">
+                <a14:useLocalDpi xmlns:a14="http://schemas.microsoft.com/office/drawing/2010/main" val="0"/>
+              </a:ext>
+            </a:extLst>
+          </a:blip>
+          <a:srcRect l="27137" t="16710" r="25806" b="43169"/>
+          <a:stretch/>
+        </p:blipFill>
+        <p:spPr>
+          <a:xfrm>
+            <a:off x="111949" y="-34240"/>
+            <a:ext cx="732113" cy="732113"/>
+          </a:xfrm>
+          <a:prstGeom prst="rect">
+            <a:avLst/>
+          </a:prstGeom>
+        </p:spPr>
+      </p:pic>
+      <p:sp>
+        <p:nvSpPr>
+          <p:cNvPr id="16" name="TextBox 15">
+            <a:extLst>
+              <a:ext uri="{FF2B5EF4-FFF2-40B4-BE49-F238E27FC236}">
+                <a16:creationId xmlns:a16="http://schemas.microsoft.com/office/drawing/2014/main" id="{A3940DCA-12F6-3DA1-5130-32D37804218E}"/>
+              </a:ext>
+            </a:extLst>
+          </p:cNvPr>
+          <p:cNvSpPr txBox="1"/>
+          <p:nvPr/>
+        </p:nvSpPr>
+        <p:spPr>
+          <a:xfrm>
+            <a:off x="815332" y="-22127"/>
+            <a:ext cx="5096267" cy="707886"/>
+          </a:xfrm>
+          <a:prstGeom prst="rect">
+            <a:avLst/>
+          </a:prstGeom>
+          <a:noFill/>
+        </p:spPr>
+        <p:txBody>
+          <a:bodyPr wrap="none" rtlCol="0">
+            <a:spAutoFit/>
+          </a:bodyPr>
+          <a:lstStyle/>
+          <a:p>
+            <a:r>
+              <a:rPr lang="en-US" sz="4000" b="1" dirty="0" err="1">
+                <a:solidFill>
+                  <a:schemeClr val="bg1"/>
+                </a:solidFill>
+                <a:latin typeface="Bahnschrift SemiBold SemiConden" panose="020B0502040204020203" pitchFamily="34" charset="0"/>
+              </a:rPr>
+              <a:t>TechCore</a:t>
+            </a:r>
+            <a:r>
+              <a:rPr lang="en-US" sz="4000" b="1" dirty="0">
+                <a:solidFill>
+                  <a:schemeClr val="bg1"/>
+                </a:solidFill>
+                <a:latin typeface="Bahnschrift SemiBold SemiConden" panose="020B0502040204020203" pitchFamily="34" charset="0"/>
+              </a:rPr>
+              <a:t> Innovation- HR</a:t>
+            </a:r>
+          </a:p>
+        </p:txBody>
+      </p:sp>
+      <p:sp>
+        <p:nvSpPr>
+          <p:cNvPr id="24" name="TextBox 23">
+            <a:extLst>
+              <a:ext uri="{FF2B5EF4-FFF2-40B4-BE49-F238E27FC236}">
+                <a16:creationId xmlns:a16="http://schemas.microsoft.com/office/drawing/2014/main" id="{B6DB1ED5-1C46-99B4-8209-70B76B3F5B0C}"/>
+              </a:ext>
+            </a:extLst>
+          </p:cNvPr>
+          <p:cNvSpPr txBox="1"/>
+          <p:nvPr/>
+        </p:nvSpPr>
+        <p:spPr>
+          <a:xfrm>
+            <a:off x="602855" y="1181422"/>
+            <a:ext cx="643061" cy="369332"/>
+          </a:xfrm>
+          <a:prstGeom prst="rect">
+            <a:avLst/>
+          </a:prstGeom>
+          <a:noFill/>
+        </p:spPr>
+        <p:txBody>
+          <a:bodyPr wrap="none" rtlCol="0">
+            <a:spAutoFit/>
+          </a:bodyPr>
+          <a:lstStyle/>
+          <a:p>
+            <a:r>
+              <a:rPr lang="en-US" b="1" dirty="0">
+                <a:solidFill>
+                  <a:schemeClr val="bg2">
+                    <a:lumMod val="25000"/>
+                  </a:schemeClr>
+                </a:solidFill>
+              </a:rPr>
+              <a:t>Year</a:t>
+            </a:r>
+          </a:p>
+        </p:txBody>
+      </p:sp>
+      <p:sp>
+        <p:nvSpPr>
+          <p:cNvPr id="25" name="TextBox 24">
+            <a:extLst>
+              <a:ext uri="{FF2B5EF4-FFF2-40B4-BE49-F238E27FC236}">
+                <a16:creationId xmlns:a16="http://schemas.microsoft.com/office/drawing/2014/main" id="{F2347CB5-DF9C-DD56-4259-46E287C3A484}"/>
+              </a:ext>
+            </a:extLst>
+          </p:cNvPr>
+          <p:cNvSpPr txBox="1"/>
+          <p:nvPr/>
+        </p:nvSpPr>
+        <p:spPr>
+          <a:xfrm>
+            <a:off x="2720404" y="1181422"/>
+            <a:ext cx="854721" cy="369332"/>
+          </a:xfrm>
+          <a:prstGeom prst="rect">
+            <a:avLst/>
+          </a:prstGeom>
+          <a:noFill/>
+        </p:spPr>
+        <p:txBody>
+          <a:bodyPr wrap="none" rtlCol="0">
+            <a:spAutoFit/>
+          </a:bodyPr>
+          <a:lstStyle/>
+          <a:p>
+            <a:r>
+              <a:rPr lang="en-US" b="1" dirty="0">
+                <a:solidFill>
+                  <a:schemeClr val="bg2">
+                    <a:lumMod val="25000"/>
+                  </a:schemeClr>
+                </a:solidFill>
+              </a:rPr>
+              <a:t>Month</a:t>
+            </a:r>
+          </a:p>
+        </p:txBody>
+      </p:sp>
+      <p:sp>
+        <p:nvSpPr>
+          <p:cNvPr id="26" name="TextBox 25">
+            <a:extLst>
+              <a:ext uri="{FF2B5EF4-FFF2-40B4-BE49-F238E27FC236}">
+                <a16:creationId xmlns:a16="http://schemas.microsoft.com/office/drawing/2014/main" id="{7B7593CF-5F0F-90B4-65C9-E2415D5BCA13}"/>
+              </a:ext>
+            </a:extLst>
+          </p:cNvPr>
+          <p:cNvSpPr txBox="1"/>
+          <p:nvPr/>
+        </p:nvSpPr>
+        <p:spPr>
+          <a:xfrm>
+            <a:off x="5484238" y="1181422"/>
+            <a:ext cx="1452642" cy="369332"/>
+          </a:xfrm>
+          <a:prstGeom prst="rect">
+            <a:avLst/>
+          </a:prstGeom>
+          <a:noFill/>
+        </p:spPr>
+        <p:txBody>
+          <a:bodyPr wrap="none" rtlCol="0">
+            <a:spAutoFit/>
+          </a:bodyPr>
+          <a:lstStyle/>
+          <a:p>
+            <a:r>
+              <a:rPr lang="en-US" b="1" dirty="0">
+                <a:solidFill>
+                  <a:schemeClr val="bg2">
+                    <a:lumMod val="25000"/>
+                  </a:schemeClr>
+                </a:solidFill>
+              </a:rPr>
+              <a:t>Department</a:t>
+            </a:r>
+          </a:p>
+        </p:txBody>
+      </p:sp>
+      <p:sp>
+        <p:nvSpPr>
+          <p:cNvPr id="10" name="TextBox 9">
+            <a:extLst>
+              <a:ext uri="{FF2B5EF4-FFF2-40B4-BE49-F238E27FC236}">
+                <a16:creationId xmlns:a16="http://schemas.microsoft.com/office/drawing/2014/main" id="{9B2BDB1D-B3FB-C3DF-5AEA-B9BECE116E35}"/>
+              </a:ext>
+            </a:extLst>
+          </p:cNvPr>
+          <p:cNvSpPr txBox="1"/>
+          <p:nvPr/>
+        </p:nvSpPr>
+        <p:spPr>
+          <a:xfrm>
+            <a:off x="478005" y="4689372"/>
+            <a:ext cx="3131948" cy="369332"/>
+          </a:xfrm>
+          <a:prstGeom prst="rect">
+            <a:avLst/>
+          </a:prstGeom>
+          <a:noFill/>
+        </p:spPr>
+        <p:txBody>
+          <a:bodyPr wrap="none" rtlCol="0">
+            <a:spAutoFit/>
+          </a:bodyPr>
+          <a:lstStyle/>
+          <a:p>
+            <a:r>
+              <a:rPr lang="en-US" b="1" dirty="0">
+                <a:solidFill>
+                  <a:schemeClr val="bg2">
+                    <a:lumMod val="25000"/>
+                  </a:schemeClr>
+                </a:solidFill>
+              </a:rPr>
+              <a:t>Sales Growth Trends by Year</a:t>
+            </a:r>
+          </a:p>
+        </p:txBody>
+      </p:sp>
+      <p:sp>
+        <p:nvSpPr>
+          <p:cNvPr id="18" name="TextBox 17">
+            <a:extLst>
+              <a:ext uri="{FF2B5EF4-FFF2-40B4-BE49-F238E27FC236}">
+                <a16:creationId xmlns:a16="http://schemas.microsoft.com/office/drawing/2014/main" id="{C202A0AD-BB2B-AB99-0B50-AEBE9580294A}"/>
+              </a:ext>
+            </a:extLst>
+          </p:cNvPr>
+          <p:cNvSpPr txBox="1"/>
+          <p:nvPr/>
+        </p:nvSpPr>
+        <p:spPr>
+          <a:xfrm>
+            <a:off x="478005" y="2159090"/>
+            <a:ext cx="2676675" cy="369332"/>
+          </a:xfrm>
+          <a:prstGeom prst="rect">
+            <a:avLst/>
+          </a:prstGeom>
+          <a:noFill/>
+        </p:spPr>
+        <p:txBody>
+          <a:bodyPr wrap="square" rtlCol="0">
+            <a:spAutoFit/>
+          </a:bodyPr>
+          <a:lstStyle/>
+          <a:p>
+            <a:pPr algn="ctr"/>
+            <a:r>
+              <a:rPr lang="en-US" b="1" dirty="0">
+                <a:solidFill>
+                  <a:schemeClr val="bg2">
+                    <a:lumMod val="25000"/>
+                  </a:schemeClr>
+                </a:solidFill>
+              </a:rPr>
+              <a:t>Payable</a:t>
+            </a:r>
+          </a:p>
+        </p:txBody>
+      </p:sp>
+      <p:sp>
+        <p:nvSpPr>
+          <p:cNvPr id="20" name="TextBox 19">
+            <a:extLst>
+              <a:ext uri="{FF2B5EF4-FFF2-40B4-BE49-F238E27FC236}">
+                <a16:creationId xmlns:a16="http://schemas.microsoft.com/office/drawing/2014/main" id="{9AF5B3FB-982E-4218-8D44-C49C01CAB593}"/>
+              </a:ext>
+            </a:extLst>
+          </p:cNvPr>
+          <p:cNvSpPr txBox="1"/>
+          <p:nvPr/>
+        </p:nvSpPr>
+        <p:spPr>
+          <a:xfrm>
+            <a:off x="15133320" y="2159090"/>
+            <a:ext cx="2676675" cy="369332"/>
+          </a:xfrm>
+          <a:prstGeom prst="rect">
+            <a:avLst/>
+          </a:prstGeom>
+          <a:noFill/>
+        </p:spPr>
+        <p:txBody>
+          <a:bodyPr wrap="square" rtlCol="0">
+            <a:spAutoFit/>
+          </a:bodyPr>
+          <a:lstStyle/>
+          <a:p>
+            <a:pPr algn="ctr"/>
+            <a:r>
+              <a:rPr lang="en-US" b="1" dirty="0">
+                <a:solidFill>
+                  <a:schemeClr val="bg2">
+                    <a:lumMod val="25000"/>
+                  </a:schemeClr>
+                </a:solidFill>
+              </a:rPr>
+              <a:t>Payroll Cost</a:t>
+            </a:r>
+          </a:p>
+        </p:txBody>
+      </p:sp>
+      <p:sp>
+        <p:nvSpPr>
+          <p:cNvPr id="21" name="TextBox 20">
+            <a:extLst>
+              <a:ext uri="{FF2B5EF4-FFF2-40B4-BE49-F238E27FC236}">
+                <a16:creationId xmlns:a16="http://schemas.microsoft.com/office/drawing/2014/main" id="{F8DA3DEB-B891-EF47-90AF-27DF6EB34965}"/>
+              </a:ext>
+            </a:extLst>
+          </p:cNvPr>
+          <p:cNvSpPr txBox="1"/>
+          <p:nvPr/>
+        </p:nvSpPr>
+        <p:spPr>
+          <a:xfrm>
+            <a:off x="12202257" y="2159090"/>
+            <a:ext cx="2676675" cy="369332"/>
+          </a:xfrm>
+          <a:prstGeom prst="rect">
+            <a:avLst/>
+          </a:prstGeom>
+          <a:noFill/>
+        </p:spPr>
+        <p:txBody>
+          <a:bodyPr wrap="square" rtlCol="0">
+            <a:spAutoFit/>
+          </a:bodyPr>
+          <a:lstStyle/>
+          <a:p>
+            <a:pPr algn="ctr"/>
+            <a:r>
+              <a:rPr lang="en-US" b="1" dirty="0">
+                <a:solidFill>
+                  <a:schemeClr val="bg2">
+                    <a:lumMod val="25000"/>
+                  </a:schemeClr>
+                </a:solidFill>
+              </a:rPr>
+              <a:t>TAX</a:t>
+            </a:r>
+          </a:p>
+        </p:txBody>
+      </p:sp>
+      <p:sp>
+        <p:nvSpPr>
+          <p:cNvPr id="22" name="TextBox 21">
+            <a:extLst>
+              <a:ext uri="{FF2B5EF4-FFF2-40B4-BE49-F238E27FC236}">
+                <a16:creationId xmlns:a16="http://schemas.microsoft.com/office/drawing/2014/main" id="{61F49FC6-3174-B186-593C-72F64F86EBA3}"/>
+              </a:ext>
+            </a:extLst>
+          </p:cNvPr>
+          <p:cNvSpPr txBox="1"/>
+          <p:nvPr/>
+        </p:nvSpPr>
+        <p:spPr>
+          <a:xfrm>
+            <a:off x="9271194" y="2159090"/>
+            <a:ext cx="2676675" cy="369332"/>
+          </a:xfrm>
+          <a:prstGeom prst="rect">
+            <a:avLst/>
+          </a:prstGeom>
+          <a:noFill/>
+        </p:spPr>
+        <p:txBody>
+          <a:bodyPr wrap="square" rtlCol="0">
+            <a:spAutoFit/>
+          </a:bodyPr>
+          <a:lstStyle/>
+          <a:p>
+            <a:pPr algn="ctr"/>
+            <a:r>
+              <a:rPr lang="en-US" b="1" dirty="0">
+                <a:solidFill>
+                  <a:schemeClr val="bg2">
+                    <a:lumMod val="25000"/>
+                  </a:schemeClr>
+                </a:solidFill>
+              </a:rPr>
+              <a:t>Provident Fund</a:t>
+            </a:r>
+          </a:p>
+        </p:txBody>
+      </p:sp>
+      <p:sp>
+        <p:nvSpPr>
+          <p:cNvPr id="23" name="TextBox 22">
+            <a:extLst>
+              <a:ext uri="{FF2B5EF4-FFF2-40B4-BE49-F238E27FC236}">
+                <a16:creationId xmlns:a16="http://schemas.microsoft.com/office/drawing/2014/main" id="{2CA7E057-3A0E-74D2-8025-60E15F6E6377}"/>
+              </a:ext>
+            </a:extLst>
+          </p:cNvPr>
+          <p:cNvSpPr txBox="1"/>
+          <p:nvPr/>
+        </p:nvSpPr>
+        <p:spPr>
+          <a:xfrm>
+            <a:off x="6340131" y="2159090"/>
+            <a:ext cx="2676675" cy="369332"/>
+          </a:xfrm>
+          <a:prstGeom prst="rect">
+            <a:avLst/>
+          </a:prstGeom>
+          <a:noFill/>
+        </p:spPr>
+        <p:txBody>
+          <a:bodyPr wrap="square" rtlCol="0">
+            <a:spAutoFit/>
+          </a:bodyPr>
+          <a:lstStyle/>
+          <a:p>
+            <a:pPr algn="ctr"/>
+            <a:r>
+              <a:rPr lang="en-US" b="1" dirty="0">
+                <a:solidFill>
+                  <a:schemeClr val="bg2">
+                    <a:lumMod val="25000"/>
+                  </a:schemeClr>
+                </a:solidFill>
+              </a:rPr>
+              <a:t>Overtime Cost</a:t>
+            </a:r>
+          </a:p>
+        </p:txBody>
+      </p:sp>
+      <p:sp>
+        <p:nvSpPr>
+          <p:cNvPr id="27" name="TextBox 26">
+            <a:extLst>
+              <a:ext uri="{FF2B5EF4-FFF2-40B4-BE49-F238E27FC236}">
+                <a16:creationId xmlns:a16="http://schemas.microsoft.com/office/drawing/2014/main" id="{20F4E2D4-D205-A654-91EF-1EE011AF1E88}"/>
+              </a:ext>
+            </a:extLst>
+          </p:cNvPr>
+          <p:cNvSpPr txBox="1"/>
+          <p:nvPr/>
+        </p:nvSpPr>
+        <p:spPr>
+          <a:xfrm>
+            <a:off x="3409068" y="2159090"/>
+            <a:ext cx="2676675" cy="369332"/>
+          </a:xfrm>
+          <a:prstGeom prst="rect">
+            <a:avLst/>
+          </a:prstGeom>
+          <a:noFill/>
+        </p:spPr>
+        <p:txBody>
+          <a:bodyPr wrap="square" rtlCol="0">
+            <a:spAutoFit/>
+          </a:bodyPr>
+          <a:lstStyle/>
+          <a:p>
+            <a:pPr algn="ctr"/>
+            <a:r>
+              <a:rPr lang="en-US" b="1" dirty="0">
+                <a:solidFill>
+                  <a:schemeClr val="bg2">
+                    <a:lumMod val="25000"/>
+                  </a:schemeClr>
+                </a:solidFill>
+              </a:rPr>
+              <a:t>House Rent</a:t>
+            </a:r>
+          </a:p>
+        </p:txBody>
+      </p:sp>
+    </p:spTree>
+    <p:extLst>
+      <p:ext uri="{BB962C8B-B14F-4D97-AF65-F5344CB8AC3E}">
+        <p14:creationId xmlns:p14="http://schemas.microsoft.com/office/powerpoint/2010/main" val="1552212951"/>
+      </p:ext>
+    </p:extLst>
+  </p:cSld>
+  <p:clrMapOvr>
+    <a:masterClrMapping/>
+  </p:clrMapOvr>
+</p:sld>
+</file>
+
+<file path=ppt/slides/slide16.xml><?xml version="1.0" encoding="utf-8"?>
 <p:sld xmlns:a="http://schemas.openxmlformats.org/drawingml/2006/main" xmlns:r="http://schemas.openxmlformats.org/officeDocument/2006/relationships" xmlns:p="http://schemas.openxmlformats.org/presentationml/2006/main">
   <p:cSld>
     <p:spTree>

--- a/bk/0bk.pptx
+++ b/bk/0bk.pptx
@@ -27799,8 +27799,8 @@
         </p:nvSpPr>
         <p:spPr>
           <a:xfrm>
-            <a:off x="1077384" y="2261185"/>
-            <a:ext cx="1351652" cy="369332"/>
+            <a:off x="656103" y="3130348"/>
+            <a:ext cx="1351652" cy="646331"/>
           </a:xfrm>
           <a:prstGeom prst="rect">
             <a:avLst/>
@@ -27823,6 +27823,19 @@
                 </a:solidFill>
               </a:rPr>
               <a:t>Headcount</a:t>
+            </a:r>
+          </a:p>
+          <a:p>
+            <a:pPr algn="ctr"/>
+            <a:r>
+              <a:rPr lang="en-US" b="1" dirty="0">
+                <a:solidFill>
+                  <a:schemeClr val="bg2">
+                    <a:lumMod val="25000"/>
+                  </a:schemeClr>
+                </a:solidFill>
+              </a:rPr>
+              <a:t>(%)</a:t>
             </a:r>
           </a:p>
         </p:txBody>
@@ -29108,6 +29121,226 @@
           <a:lstStyle/>
           <a:p>
             <a:endParaRPr lang="en-US"/>
+          </a:p>
+        </p:txBody>
+      </p:sp>
+      <p:sp>
+        <p:nvSpPr>
+          <p:cNvPr id="10" name="TextBox 9">
+            <a:extLst>
+              <a:ext uri="{FF2B5EF4-FFF2-40B4-BE49-F238E27FC236}">
+                <a16:creationId xmlns:a16="http://schemas.microsoft.com/office/drawing/2014/main" id="{B98F6968-ADB5-0CB0-0FB9-9CEEE3F9348A}"/>
+              </a:ext>
+            </a:extLst>
+          </p:cNvPr>
+          <p:cNvSpPr txBox="1"/>
+          <p:nvPr/>
+        </p:nvSpPr>
+        <p:spPr>
+          <a:xfrm>
+            <a:off x="1951026" y="3130348"/>
+            <a:ext cx="1308435" cy="646331"/>
+          </a:xfrm>
+          <a:prstGeom prst="rect">
+            <a:avLst/>
+          </a:prstGeom>
+          <a:noFill/>
+        </p:spPr>
+        <p:txBody>
+          <a:bodyPr wrap="none" rtlCol="0">
+            <a:spAutoFit/>
+          </a:bodyPr>
+          <a:lstStyle/>
+          <a:p>
+            <a:pPr algn="ctr"/>
+            <a:r>
+              <a:rPr lang="en-US" b="1" dirty="0">
+                <a:solidFill>
+                  <a:schemeClr val="bg2">
+                    <a:lumMod val="25000"/>
+                  </a:schemeClr>
+                </a:solidFill>
+              </a:rPr>
+              <a:t>Avg Tenure</a:t>
+            </a:r>
+          </a:p>
+          <a:p>
+            <a:pPr algn="ctr"/>
+            <a:r>
+              <a:rPr lang="en-US" b="1" dirty="0">
+                <a:solidFill>
+                  <a:schemeClr val="bg2">
+                    <a:lumMod val="25000"/>
+                  </a:schemeClr>
+                </a:solidFill>
+              </a:rPr>
+              <a:t>(years)</a:t>
+            </a:r>
+          </a:p>
+        </p:txBody>
+      </p:sp>
+      <p:sp>
+        <p:nvSpPr>
+          <p:cNvPr id="20" name="TextBox 19">
+            <a:extLst>
+              <a:ext uri="{FF2B5EF4-FFF2-40B4-BE49-F238E27FC236}">
+                <a16:creationId xmlns:a16="http://schemas.microsoft.com/office/drawing/2014/main" id="{D93726AF-8C25-3685-4E16-39F951952C8F}"/>
+              </a:ext>
+            </a:extLst>
+          </p:cNvPr>
+          <p:cNvSpPr txBox="1"/>
+          <p:nvPr/>
+        </p:nvSpPr>
+        <p:spPr>
+          <a:xfrm>
+            <a:off x="3574489" y="3130348"/>
+            <a:ext cx="993862" cy="646331"/>
+          </a:xfrm>
+          <a:prstGeom prst="rect">
+            <a:avLst/>
+          </a:prstGeom>
+          <a:noFill/>
+        </p:spPr>
+        <p:txBody>
+          <a:bodyPr wrap="none" rtlCol="0">
+            <a:spAutoFit/>
+          </a:bodyPr>
+          <a:lstStyle/>
+          <a:p>
+            <a:pPr algn="ctr"/>
+            <a:r>
+              <a:rPr lang="en-US" b="1" dirty="0">
+                <a:solidFill>
+                  <a:schemeClr val="bg2">
+                    <a:lumMod val="25000"/>
+                  </a:schemeClr>
+                </a:solidFill>
+              </a:rPr>
+              <a:t>Avg Age</a:t>
+            </a:r>
+          </a:p>
+          <a:p>
+            <a:pPr algn="ctr"/>
+            <a:r>
+              <a:rPr lang="en-US" b="1" dirty="0">
+                <a:solidFill>
+                  <a:schemeClr val="bg2">
+                    <a:lumMod val="25000"/>
+                  </a:schemeClr>
+                </a:solidFill>
+              </a:rPr>
+              <a:t>(years)</a:t>
+            </a:r>
+          </a:p>
+        </p:txBody>
+      </p:sp>
+      <p:sp>
+        <p:nvSpPr>
+          <p:cNvPr id="21" name="TextBox 20">
+            <a:extLst>
+              <a:ext uri="{FF2B5EF4-FFF2-40B4-BE49-F238E27FC236}">
+                <a16:creationId xmlns:a16="http://schemas.microsoft.com/office/drawing/2014/main" id="{785B34CF-1D5C-B1E2-FF9A-E5F2301A80CE}"/>
+              </a:ext>
+            </a:extLst>
+          </p:cNvPr>
+          <p:cNvSpPr txBox="1"/>
+          <p:nvPr/>
+        </p:nvSpPr>
+        <p:spPr>
+          <a:xfrm>
+            <a:off x="4879337" y="3130348"/>
+            <a:ext cx="1342291" cy="646331"/>
+          </a:xfrm>
+          <a:prstGeom prst="rect">
+            <a:avLst/>
+          </a:prstGeom>
+          <a:noFill/>
+        </p:spPr>
+        <p:txBody>
+          <a:bodyPr wrap="none" rtlCol="0">
+            <a:spAutoFit/>
+          </a:bodyPr>
+          <a:lstStyle/>
+          <a:p>
+            <a:pPr algn="ctr"/>
+            <a:r>
+              <a:rPr lang="en-US" b="1" dirty="0">
+                <a:solidFill>
+                  <a:schemeClr val="bg2">
+                    <a:lumMod val="25000"/>
+                  </a:schemeClr>
+                </a:solidFill>
+              </a:rPr>
+              <a:t>Avg Annual</a:t>
+            </a:r>
+            <a:br>
+              <a:rPr lang="en-US" b="1" dirty="0">
+                <a:solidFill>
+                  <a:schemeClr val="bg2">
+                    <a:lumMod val="25000"/>
+                  </a:schemeClr>
+                </a:solidFill>
+              </a:rPr>
+            </a:br>
+            <a:r>
+              <a:rPr lang="en-US" b="1" dirty="0" err="1">
+                <a:solidFill>
+                  <a:schemeClr val="bg2">
+                    <a:lumMod val="25000"/>
+                  </a:schemeClr>
+                </a:solidFill>
+              </a:rPr>
+              <a:t>Salasry</a:t>
+            </a:r>
+            <a:endParaRPr lang="en-US" b="1" dirty="0">
+              <a:solidFill>
+                <a:schemeClr val="bg2">
+                  <a:lumMod val="25000"/>
+                </a:schemeClr>
+              </a:solidFill>
+            </a:endParaRPr>
+          </a:p>
+        </p:txBody>
+      </p:sp>
+      <p:sp>
+        <p:nvSpPr>
+          <p:cNvPr id="22" name="TextBox 21">
+            <a:extLst>
+              <a:ext uri="{FF2B5EF4-FFF2-40B4-BE49-F238E27FC236}">
+                <a16:creationId xmlns:a16="http://schemas.microsoft.com/office/drawing/2014/main" id="{78C67FEE-50E5-A259-6EFE-071013DC4487}"/>
+              </a:ext>
+            </a:extLst>
+          </p:cNvPr>
+          <p:cNvSpPr txBox="1"/>
+          <p:nvPr/>
+        </p:nvSpPr>
+        <p:spPr>
+          <a:xfrm>
+            <a:off x="1069762" y="2261735"/>
+            <a:ext cx="1351652" cy="369332"/>
+          </a:xfrm>
+          <a:prstGeom prst="rect">
+            <a:avLst/>
+          </a:prstGeom>
+          <a:noFill/>
+        </p:spPr>
+        <p:txBody>
+          <a:bodyPr wrap="none" rtlCol="0">
+            <a:spAutoFit/>
+          </a:bodyPr>
+          <a:lstStyle/>
+          <a:p>
+            <a:pPr algn="ctr"/>
+            <a:r>
+              <a:rPr lang="en-US" b="1" dirty="0">
+                <a:solidFill>
+                  <a:schemeClr val="bg2">
+                    <a:lumMod val="25000"/>
+                  </a:schemeClr>
+                </a:solidFill>
+              </a:rPr>
+              <a:t>Headcount</a:t>
+            </a:r>
           </a:p>
         </p:txBody>
       </p:sp>
